--- a/Doc/프로젝트발표.pptx
+++ b/Doc/프로젝트발표.pptx
@@ -12,7 +12,8 @@
     <p:sldId id="268" r:id="rId6"/>
     <p:sldId id="260" r:id="rId7"/>
     <p:sldId id="263" r:id="rId8"/>
-    <p:sldId id="269" r:id="rId9"/>
+    <p:sldId id="271" r:id="rId9"/>
+    <p:sldId id="269" r:id="rId10"/>
   </p:sldIdLst>
   <p:sldSz cx="12192000" cy="6858000"/>
   <p:notesSz cx="6858000" cy="9144000"/>
@@ -939,7 +940,7 @@
           <a:p>
             <a:fld id="{4BF4DD58-F10B-47C8-B4E4-57EE29696E08}" type="datetimeFigureOut">
               <a:rPr lang="ko-KR" altLang="en-US" smtClean="0"/>
-              <a:t>2024-03-12</a:t>
+              <a:t>2024-03-13</a:t>
             </a:fld>
             <a:endParaRPr lang="ko-KR" altLang="en-US"/>
           </a:p>
@@ -1137,7 +1138,7 @@
           <a:p>
             <a:fld id="{4BF4DD58-F10B-47C8-B4E4-57EE29696E08}" type="datetimeFigureOut">
               <a:rPr lang="ko-KR" altLang="en-US" smtClean="0"/>
-              <a:t>2024-03-12</a:t>
+              <a:t>2024-03-13</a:t>
             </a:fld>
             <a:endParaRPr lang="ko-KR" altLang="en-US"/>
           </a:p>
@@ -1345,7 +1346,7 @@
           <a:p>
             <a:fld id="{4BF4DD58-F10B-47C8-B4E4-57EE29696E08}" type="datetimeFigureOut">
               <a:rPr lang="ko-KR" altLang="en-US" smtClean="0"/>
-              <a:t>2024-03-12</a:t>
+              <a:t>2024-03-13</a:t>
             </a:fld>
             <a:endParaRPr lang="ko-KR" altLang="en-US"/>
           </a:p>
@@ -1543,7 +1544,7 @@
           <a:p>
             <a:fld id="{4BF4DD58-F10B-47C8-B4E4-57EE29696E08}" type="datetimeFigureOut">
               <a:rPr lang="ko-KR" altLang="en-US" smtClean="0"/>
-              <a:t>2024-03-12</a:t>
+              <a:t>2024-03-13</a:t>
             </a:fld>
             <a:endParaRPr lang="ko-KR" altLang="en-US"/>
           </a:p>
@@ -1818,7 +1819,7 @@
           <a:p>
             <a:fld id="{4BF4DD58-F10B-47C8-B4E4-57EE29696E08}" type="datetimeFigureOut">
               <a:rPr lang="ko-KR" altLang="en-US" smtClean="0"/>
-              <a:t>2024-03-12</a:t>
+              <a:t>2024-03-13</a:t>
             </a:fld>
             <a:endParaRPr lang="ko-KR" altLang="en-US"/>
           </a:p>
@@ -2083,7 +2084,7 @@
           <a:p>
             <a:fld id="{4BF4DD58-F10B-47C8-B4E4-57EE29696E08}" type="datetimeFigureOut">
               <a:rPr lang="ko-KR" altLang="en-US" smtClean="0"/>
-              <a:t>2024-03-12</a:t>
+              <a:t>2024-03-13</a:t>
             </a:fld>
             <a:endParaRPr lang="ko-KR" altLang="en-US"/>
           </a:p>
@@ -2495,7 +2496,7 @@
           <a:p>
             <a:fld id="{4BF4DD58-F10B-47C8-B4E4-57EE29696E08}" type="datetimeFigureOut">
               <a:rPr lang="ko-KR" altLang="en-US" smtClean="0"/>
-              <a:t>2024-03-12</a:t>
+              <a:t>2024-03-13</a:t>
             </a:fld>
             <a:endParaRPr lang="ko-KR" altLang="en-US"/>
           </a:p>
@@ -2636,7 +2637,7 @@
           <a:p>
             <a:fld id="{4BF4DD58-F10B-47C8-B4E4-57EE29696E08}" type="datetimeFigureOut">
               <a:rPr lang="ko-KR" altLang="en-US" smtClean="0"/>
-              <a:t>2024-03-12</a:t>
+              <a:t>2024-03-13</a:t>
             </a:fld>
             <a:endParaRPr lang="ko-KR" altLang="en-US"/>
           </a:p>
@@ -2749,7 +2750,7 @@
           <a:p>
             <a:fld id="{4BF4DD58-F10B-47C8-B4E4-57EE29696E08}" type="datetimeFigureOut">
               <a:rPr lang="ko-KR" altLang="en-US" smtClean="0"/>
-              <a:t>2024-03-12</a:t>
+              <a:t>2024-03-13</a:t>
             </a:fld>
             <a:endParaRPr lang="ko-KR" altLang="en-US"/>
           </a:p>
@@ -3060,7 +3061,7 @@
           <a:p>
             <a:fld id="{4BF4DD58-F10B-47C8-B4E4-57EE29696E08}" type="datetimeFigureOut">
               <a:rPr lang="ko-KR" altLang="en-US" smtClean="0"/>
-              <a:t>2024-03-12</a:t>
+              <a:t>2024-03-13</a:t>
             </a:fld>
             <a:endParaRPr lang="ko-KR" altLang="en-US"/>
           </a:p>
@@ -3348,7 +3349,7 @@
           <a:p>
             <a:fld id="{4BF4DD58-F10B-47C8-B4E4-57EE29696E08}" type="datetimeFigureOut">
               <a:rPr lang="ko-KR" altLang="en-US" smtClean="0"/>
-              <a:t>2024-03-12</a:t>
+              <a:t>2024-03-13</a:t>
             </a:fld>
             <a:endParaRPr lang="ko-KR" altLang="en-US"/>
           </a:p>
@@ -3592,7 +3593,7 @@
             <a:fld id="{4BF4DD58-F10B-47C8-B4E4-57EE29696E08}" type="datetimeFigureOut">
               <a:rPr lang="ko-KR" altLang="en-US" smtClean="0"/>
               <a:pPr/>
-              <a:t>2024-03-12</a:t>
+              <a:t>2024-03-13</a:t>
             </a:fld>
             <a:endParaRPr lang="ko-KR" altLang="en-US" dirty="0"/>
           </a:p>
@@ -4152,14 +4153,14 @@
           <a:lstStyle/>
           <a:p>
             <a:r>
-              <a:rPr lang="en-US" altLang="ko-KR" b="1" dirty="0">
+              <a:rPr lang="en-US" altLang="ko-KR" b="1" dirty="0" err="1">
                 <a:solidFill>
                   <a:srgbClr val="FFFFFF"/>
                 </a:solidFill>
                 <a:latin typeface="나눔고딕OTF ExtraBold" panose="020D0904000000000000" pitchFamily="34" charset="-127"/>
                 <a:ea typeface="나눔고딕OTF ExtraBold" panose="020D0904000000000000" pitchFamily="34" charset="-127"/>
               </a:rPr>
-              <a:t>AIPT</a:t>
+              <a:t>HomePT</a:t>
             </a:r>
             <a:endParaRPr lang="ko-KR" altLang="en-US" b="1" dirty="0">
               <a:solidFill>
@@ -5559,44 +5560,8 @@
           <a:lstStyle/>
           <a:p>
             <a:r>
-              <a:rPr lang="en-US" altLang="ko-KR" sz="4800" b="1" dirty="0"/>
-              <a:t>A</a:t>
-            </a:r>
-            <a:r>
-              <a:rPr lang="en-US" altLang="ko-KR" sz="2700" b="1" dirty="0"/>
-              <a:t>rtificial</a:t>
-            </a:r>
-            <a:r>
-              <a:rPr lang="ko-KR" altLang="en-US" sz="4800" b="1" dirty="0"/>
-              <a:t> </a:t>
-            </a:r>
-            <a:r>
-              <a:rPr lang="en-US" altLang="ko-KR" sz="4800" b="1" dirty="0"/>
-              <a:t>I</a:t>
-            </a:r>
-            <a:r>
-              <a:rPr lang="en-US" altLang="ko-KR" sz="2700" b="1" dirty="0"/>
-              <a:t>ntelligence</a:t>
-            </a:r>
-            <a:r>
-              <a:rPr lang="en-US" altLang="ko-KR" sz="4800" b="1" dirty="0"/>
-              <a:t> P</a:t>
-            </a:r>
-            <a:r>
-              <a:rPr lang="en-US" altLang="ko-KR" sz="2400" b="1" dirty="0"/>
-              <a:t>ersonal</a:t>
-            </a:r>
-            <a:r>
-              <a:rPr lang="en-US" altLang="ko-KR" sz="3900" b="1" dirty="0"/>
-              <a:t> </a:t>
-            </a:r>
-            <a:r>
-              <a:rPr lang="en-US" altLang="ko-KR" sz="4800" b="1" dirty="0"/>
-              <a:t>T</a:t>
-            </a:r>
-            <a:r>
-              <a:rPr lang="en-US" altLang="ko-KR" sz="2400" b="1" dirty="0"/>
-              <a:t>raining</a:t>
+              <a:rPr lang="en-US" altLang="ko-KR" sz="4800" b="1" dirty="0" err="1"/>
+              <a:t>HomePT</a:t>
             </a:r>
             <a:endParaRPr lang="en-US" altLang="ko-KR" sz="3900" b="1" dirty="0"/>
           </a:p>
@@ -8252,7 +8217,7 @@
         </p:nvSpPr>
         <p:spPr>
           <a:xfrm>
-            <a:off x="1190836" y="2770593"/>
+            <a:off x="1193450" y="2810125"/>
             <a:ext cx="1180757" cy="215444"/>
           </a:xfrm>
           <a:prstGeom prst="rect">
@@ -8444,21 +8409,8 @@
                   <a:schemeClr val="bg1"/>
                 </a:solidFill>
               </a:rPr>
-              <a:t>오늘 어떤 운동할까요</a:t>
-            </a:r>
-            <a:r>
-              <a:rPr lang="en-US" altLang="ko-KR" sz="700" dirty="0">
-                <a:solidFill>
-                  <a:schemeClr val="bg1"/>
-                </a:solidFill>
-              </a:rPr>
-              <a:t>?</a:t>
-            </a:r>
-            <a:endParaRPr lang="ko-KR" altLang="en-US" sz="700" dirty="0">
-              <a:solidFill>
-                <a:schemeClr val="bg1"/>
-              </a:solidFill>
-            </a:endParaRPr>
+              <a:t>매트가 없어서 뼈가 아픈데요</a:t>
+            </a:r>
           </a:p>
         </p:txBody>
       </p:sp>
@@ -8543,28 +8495,20 @@
           <a:lstStyle/>
           <a:p>
             <a:r>
-              <a:rPr lang="ko-KR" altLang="en-US" sz="700" dirty="0" err="1">
+              <a:rPr lang="ko-KR" altLang="en-US" sz="700" dirty="0">
                 <a:solidFill>
                   <a:schemeClr val="bg1"/>
                 </a:solidFill>
               </a:rPr>
-              <a:t>웜엄을</a:t>
-            </a:r>
-            <a:r>
-              <a:rPr lang="ko-KR" altLang="en-US" sz="700" dirty="0">
+              <a:t>침대나 요가매트 위에서 해보세요</a:t>
+            </a:r>
+            <a:r>
+              <a:rPr lang="en-US" altLang="ko-KR" sz="700" dirty="0">
                 <a:solidFill>
                   <a:schemeClr val="bg1"/>
                 </a:solidFill>
               </a:rPr>
-              <a:t> 위해 누워서 가위차기를 </a:t>
-            </a:r>
-            <a:r>
-              <a:rPr lang="ko-KR" altLang="en-US" sz="700" dirty="0" err="1">
-                <a:solidFill>
-                  <a:schemeClr val="bg1"/>
-                </a:solidFill>
-              </a:rPr>
-              <a:t>해볼께요</a:t>
+              <a:t>. </a:t>
             </a:r>
             <a:endParaRPr lang="ko-KR" altLang="en-US" sz="700" dirty="0">
               <a:solidFill>
@@ -8785,8 +8729,8 @@
         </p:nvSpPr>
         <p:spPr>
           <a:xfrm rot="10800000">
-            <a:off x="5761866" y="3686532"/>
-            <a:ext cx="147320" cy="127000"/>
+            <a:off x="5780916" y="3686532"/>
+            <a:ext cx="105534" cy="85223"/>
           </a:xfrm>
           <a:prstGeom prst="triangle">
             <a:avLst/>
@@ -8885,7 +8829,7 @@
         </p:nvSpPr>
         <p:spPr>
           <a:xfrm>
-            <a:off x="3653860" y="4674818"/>
+            <a:off x="3637991" y="4676864"/>
             <a:ext cx="2534920" cy="200055"/>
           </a:xfrm>
           <a:prstGeom prst="rect">
@@ -8905,15 +8849,15 @@
                   <a:schemeClr val="bg1"/>
                 </a:solidFill>
               </a:rPr>
-              <a:t>다리가 </a:t>
-            </a:r>
-            <a:r>
-              <a:rPr lang="ko-KR" altLang="en-US" sz="700" dirty="0" err="1">
+              <a:t>다리가 안 올라가는데요</a:t>
+            </a:r>
+            <a:r>
+              <a:rPr lang="en-US" altLang="ko-KR" sz="700" dirty="0">
                 <a:solidFill>
                   <a:schemeClr val="bg1"/>
                 </a:solidFill>
               </a:rPr>
-              <a:t>안올라가요</a:t>
+              <a:t>…</a:t>
             </a:r>
             <a:endParaRPr lang="ko-KR" altLang="en-US" sz="700" dirty="0">
               <a:solidFill>
@@ -8989,8 +8933,8 @@
         </p:nvSpPr>
         <p:spPr>
           <a:xfrm>
-            <a:off x="3653860" y="5005211"/>
-            <a:ext cx="2534920" cy="200055"/>
+            <a:off x="3638866" y="4944583"/>
+            <a:ext cx="2255326" cy="307777"/>
           </a:xfrm>
           <a:prstGeom prst="rect">
             <a:avLst/>
@@ -9009,7 +8953,7 @@
                   <a:schemeClr val="bg1"/>
                 </a:solidFill>
               </a:rPr>
-              <a:t>초보 단계에서는 무릎을 </a:t>
+              <a:t>무릎을 가슴 쪽으로 당기면서 </a:t>
             </a:r>
             <a:r>
               <a:rPr lang="ko-KR" altLang="en-US" sz="700" dirty="0" err="1">
@@ -9017,7 +8961,7 @@
                   <a:schemeClr val="bg1"/>
                 </a:solidFill>
               </a:rPr>
-              <a:t>굽힌채</a:t>
+              <a:t>햄스트링을</a:t>
             </a:r>
             <a:r>
               <a:rPr lang="ko-KR" altLang="en-US" sz="700" dirty="0">
@@ -9025,7 +8969,7 @@
                   <a:schemeClr val="bg1"/>
                 </a:solidFill>
               </a:rPr>
-              <a:t> 최대한 올려보세요</a:t>
+              <a:t> 최대한 이완 시켜보세요</a:t>
             </a:r>
           </a:p>
         </p:txBody>
@@ -10064,8 +10008,8 @@
           </a:p>
         </p:txBody>
       </p:sp>
-      <mc:AlternateContent xmlns:mc="http://schemas.openxmlformats.org/markup-compatibility/2006">
-        <mc:Choice xmlns:cx1="http://schemas.microsoft.com/office/drawing/2015/9/8/chartex" Requires="cx1">
+      <mc:AlternateContent xmlns:mc="http://schemas.openxmlformats.org/markup-compatibility/2006" xmlns:cx1="http://schemas.microsoft.com/office/drawing/2015/9/8/chartex">
+        <mc:Choice Requires="cx1">
           <p:graphicFrame>
             <p:nvGraphicFramePr>
               <p:cNvPr id="1083" name="차트 1082">
@@ -10095,7 +10039,7 @@
             </a:graphic>
           </p:graphicFrame>
         </mc:Choice>
-        <mc:Fallback>
+        <mc:Fallback xmlns="">
           <p:pic>
             <p:nvPicPr>
               <p:cNvPr id="1083" name="차트 1082">
@@ -11451,7 +11395,7 @@
         </p:nvSpPr>
         <p:spPr>
           <a:xfrm>
-            <a:off x="10495182" y="2758337"/>
+            <a:off x="10495984" y="2729712"/>
             <a:ext cx="1312125" cy="338554"/>
           </a:xfrm>
           <a:prstGeom prst="rect">
@@ -11510,7 +11454,7 @@
                   <a:schemeClr val="bg1"/>
                 </a:solidFill>
               </a:rPr>
-              <a:t>) \10,000</a:t>
+              <a:t>) \20,000</a:t>
             </a:r>
           </a:p>
         </p:txBody>
@@ -11679,8 +11623,8 @@
         </p:nvSpPr>
         <p:spPr>
           <a:xfrm>
-            <a:off x="10510158" y="4135447"/>
-            <a:ext cx="1312125" cy="338554"/>
+            <a:off x="10495984" y="4092707"/>
+            <a:ext cx="1312125" cy="584775"/>
           </a:xfrm>
           <a:prstGeom prst="rect">
             <a:avLst/>
@@ -11735,6 +11679,28 @@
               </a:rPr>
               <a:t>) \10,000</a:t>
             </a:r>
+          </a:p>
+          <a:p>
+            <a:r>
+              <a:rPr lang="ko-KR" altLang="en-US" sz="800" dirty="0">
+                <a:solidFill>
+                  <a:schemeClr val="bg1"/>
+                </a:solidFill>
+              </a:rPr>
+              <a:t>포인트 사용 가능</a:t>
+            </a:r>
+            <a:endParaRPr lang="en-US" altLang="ko-KR" sz="800" dirty="0">
+              <a:solidFill>
+                <a:schemeClr val="bg1"/>
+              </a:solidFill>
+            </a:endParaRPr>
+          </a:p>
+          <a:p>
+            <a:endParaRPr lang="en-US" altLang="ko-KR" sz="800" dirty="0">
+              <a:solidFill>
+                <a:schemeClr val="bg1"/>
+              </a:solidFill>
+            </a:endParaRPr>
           </a:p>
         </p:txBody>
       </p:sp>
@@ -12161,6 +12127,96 @@
           </a:p>
         </p:txBody>
       </p:sp>
+      <p:cxnSp>
+        <p:nvCxnSpPr>
+          <p:cNvPr id="3" name="직선 연결선 2">
+            <a:extLst>
+              <a:ext uri="{FF2B5EF4-FFF2-40B4-BE49-F238E27FC236}">
+                <a16:creationId xmlns:a16="http://schemas.microsoft.com/office/drawing/2014/main" id="{97874625-D9B6-7D11-C3CA-DE7DF773364F}"/>
+              </a:ext>
+            </a:extLst>
+          </p:cNvPr>
+          <p:cNvCxnSpPr>
+            <a:cxnSpLocks/>
+          </p:cNvCxnSpPr>
+          <p:nvPr/>
+        </p:nvCxnSpPr>
+        <p:spPr>
+          <a:xfrm>
+            <a:off x="6239396" y="5844086"/>
+            <a:ext cx="2737772" cy="0"/>
+          </a:xfrm>
+          <a:prstGeom prst="line">
+            <a:avLst/>
+          </a:prstGeom>
+          <a:ln>
+            <a:solidFill>
+              <a:schemeClr val="bg2">
+                <a:lumMod val="25000"/>
+              </a:schemeClr>
+            </a:solidFill>
+          </a:ln>
+        </p:spPr>
+        <p:style>
+          <a:lnRef idx="2">
+            <a:schemeClr val="dk1"/>
+          </a:lnRef>
+          <a:fillRef idx="0">
+            <a:schemeClr val="dk1"/>
+          </a:fillRef>
+          <a:effectRef idx="1">
+            <a:schemeClr val="dk1"/>
+          </a:effectRef>
+          <a:fontRef idx="minor">
+            <a:schemeClr val="tx1"/>
+          </a:fontRef>
+        </p:style>
+      </p:cxnSp>
+      <p:cxnSp>
+        <p:nvCxnSpPr>
+          <p:cNvPr id="5" name="직선 연결선 4">
+            <a:extLst>
+              <a:ext uri="{FF2B5EF4-FFF2-40B4-BE49-F238E27FC236}">
+                <a16:creationId xmlns:a16="http://schemas.microsoft.com/office/drawing/2014/main" id="{835ED80F-1B63-827B-BF4E-C21D8D681B7B}"/>
+              </a:ext>
+            </a:extLst>
+          </p:cNvPr>
+          <p:cNvCxnSpPr>
+            <a:cxnSpLocks/>
+          </p:cNvCxnSpPr>
+          <p:nvPr/>
+        </p:nvCxnSpPr>
+        <p:spPr>
+          <a:xfrm>
+            <a:off x="9201408" y="5844086"/>
+            <a:ext cx="2737772" cy="0"/>
+          </a:xfrm>
+          <a:prstGeom prst="line">
+            <a:avLst/>
+          </a:prstGeom>
+          <a:ln>
+            <a:solidFill>
+              <a:schemeClr val="bg2">
+                <a:lumMod val="25000"/>
+              </a:schemeClr>
+            </a:solidFill>
+          </a:ln>
+        </p:spPr>
+        <p:style>
+          <a:lnRef idx="2">
+            <a:schemeClr val="dk1"/>
+          </a:lnRef>
+          <a:fillRef idx="0">
+            <a:schemeClr val="dk1"/>
+          </a:fillRef>
+          <a:effectRef idx="1">
+            <a:schemeClr val="dk1"/>
+          </a:effectRef>
+          <a:fontRef idx="minor">
+            <a:schemeClr val="tx1"/>
+          </a:fontRef>
+        </p:style>
+      </p:cxnSp>
     </p:spTree>
     <p:extLst>
       <p:ext uri="{BB962C8B-B14F-4D97-AF65-F5344CB8AC3E}">
@@ -12234,7 +12290,7 @@
           <p:nvPr>
             <p:extLst>
               <p:ext uri="{D42A27DB-BD31-4B8C-83A1-F6EECF244321}">
-                <p14:modId xmlns:p14="http://schemas.microsoft.com/office/powerpoint/2010/main" val="433275265"/>
+                <p14:modId xmlns:p14="http://schemas.microsoft.com/office/powerpoint/2010/main" val="1553685102"/>
               </p:ext>
             </p:extLst>
           </p:nvPr>
@@ -12312,14 +12368,14 @@
                     <a:p>
                       <a:pPr algn="ctr" latinLnBrk="1"/>
                       <a:r>
-                        <a:rPr lang="en-US" altLang="ko-KR" sz="2800" b="1" dirty="0">
+                        <a:rPr lang="en-US" altLang="ko-KR" sz="2800" b="1" dirty="0" err="1">
                           <a:solidFill>
                             <a:schemeClr val="bg1"/>
                           </a:solidFill>
                           <a:latin typeface="나눔스퀘어OTF" panose="020B0600000101010101" pitchFamily="34" charset="-127"/>
                           <a:ea typeface="나눔스퀘어OTF" panose="020B0600000101010101" pitchFamily="34" charset="-127"/>
                         </a:rPr>
-                        <a:t>AIPT</a:t>
+                        <a:t>HomePT</a:t>
                       </a:r>
                       <a:endParaRPr lang="ko-KR" altLang="en-US" sz="2800" b="1" dirty="0">
                         <a:solidFill>
@@ -13298,7 +13354,7 @@
           <p:nvPr>
             <p:extLst>
               <p:ext uri="{D42A27DB-BD31-4B8C-83A1-F6EECF244321}">
-                <p14:modId xmlns:p14="http://schemas.microsoft.com/office/powerpoint/2010/main" val="4271367544"/>
+                <p14:modId xmlns:p14="http://schemas.microsoft.com/office/powerpoint/2010/main" val="3592915301"/>
               </p:ext>
             </p:extLst>
           </p:nvPr>
@@ -13543,7 +13599,60 @@
                         </a:rPr>
                         <a:t>DB</a:t>
                       </a:r>
-                      <a:endParaRPr lang="ko-KR" altLang="en-US" sz="1500" b="1" dirty="0">
+                    </a:p>
+                    <a:p>
+                      <a:pPr algn="ctr" latinLnBrk="1"/>
+                      <a:r>
+                        <a:rPr lang="en-US" altLang="ko-KR" sz="1200" b="0" dirty="0">
+                          <a:solidFill>
+                            <a:schemeClr val="tx1"/>
+                          </a:solidFill>
+                          <a:latin typeface="나눔스퀘어OTF" panose="020B0600000101010101" pitchFamily="34" charset="-127"/>
+                          <a:ea typeface="나눔스퀘어OTF" panose="020B0600000101010101" pitchFamily="34" charset="-127"/>
+                        </a:rPr>
+                        <a:t>(</a:t>
+                      </a:r>
+                      <a:r>
+                        <a:rPr lang="ko-KR" altLang="en-US" sz="1200" b="0" dirty="0">
+                          <a:solidFill>
+                            <a:schemeClr val="tx1"/>
+                          </a:solidFill>
+                          <a:latin typeface="나눔스퀘어OTF" panose="020B0600000101010101" pitchFamily="34" charset="-127"/>
+                          <a:ea typeface="나눔스퀘어OTF" panose="020B0600000101010101" pitchFamily="34" charset="-127"/>
+                        </a:rPr>
+                        <a:t>포인트</a:t>
+                      </a:r>
+                      <a:r>
+                        <a:rPr lang="en-US" altLang="ko-KR" sz="1200" b="0" dirty="0">
+                          <a:solidFill>
+                            <a:schemeClr val="tx1"/>
+                          </a:solidFill>
+                          <a:latin typeface="나눔스퀘어OTF" panose="020B0600000101010101" pitchFamily="34" charset="-127"/>
+                          <a:ea typeface="나눔스퀘어OTF" panose="020B0600000101010101" pitchFamily="34" charset="-127"/>
+                        </a:rPr>
+                        <a:t>, </a:t>
+                      </a:r>
+                      <a:r>
+                        <a:rPr lang="ko-KR" altLang="en-US" sz="1200" b="0" dirty="0">
+                          <a:solidFill>
+                            <a:schemeClr val="tx1"/>
+                          </a:solidFill>
+                          <a:latin typeface="나눔스퀘어OTF" panose="020B0600000101010101" pitchFamily="34" charset="-127"/>
+                          <a:ea typeface="나눔스퀘어OTF" panose="020B0600000101010101" pitchFamily="34" charset="-127"/>
+                        </a:rPr>
+                        <a:t>랭킹</a:t>
+                      </a:r>
+                      <a:r>
+                        <a:rPr lang="en-US" altLang="ko-KR" sz="1200" b="0" dirty="0">
+                          <a:solidFill>
+                            <a:schemeClr val="tx1"/>
+                          </a:solidFill>
+                          <a:latin typeface="나눔스퀘어OTF" panose="020B0600000101010101" pitchFamily="34" charset="-127"/>
+                          <a:ea typeface="나눔스퀘어OTF" panose="020B0600000101010101" pitchFamily="34" charset="-127"/>
+                        </a:rPr>
+                        <a:t>)</a:t>
+                      </a:r>
+                      <a:endParaRPr lang="ko-KR" altLang="en-US" sz="1200" b="0" dirty="0">
                         <a:solidFill>
                           <a:schemeClr val="tx1"/>
                         </a:solidFill>
@@ -13767,10 +13876,13 @@
                         </a:rPr>
                         <a:t>동영상 스트리밍</a:t>
                       </a:r>
-                      <a:endParaRPr lang="en-US" altLang="ko-KR" sz="1500" b="1" dirty="0">
-                        <a:latin typeface="나눔스퀘어OTF" panose="020B0600000101010101" pitchFamily="34" charset="-127"/>
-                        <a:ea typeface="나눔스퀘어OTF" panose="020B0600000101010101" pitchFamily="34" charset="-127"/>
-                      </a:endParaRPr>
+                      <a:r>
+                        <a:rPr lang="en-US" altLang="ko-KR" sz="1500" b="1" dirty="0">
+                          <a:latin typeface="나눔스퀘어OTF" panose="020B0600000101010101" pitchFamily="34" charset="-127"/>
+                          <a:ea typeface="나눔스퀘어OTF" panose="020B0600000101010101" pitchFamily="34" charset="-127"/>
+                        </a:rPr>
+                        <a:t>, DB</a:t>
+                      </a:r>
                     </a:p>
                     <a:p>
                       <a:pPr marL="0" indent="0" algn="ctr">
@@ -14025,10 +14137,13 @@
                         </a:rPr>
                         <a:t>챌린지 시스템</a:t>
                       </a:r>
-                      <a:endParaRPr lang="en-US" altLang="ko-KR" sz="1500" b="1" dirty="0">
-                        <a:latin typeface="나눔스퀘어OTF" panose="020B0600000101010101" pitchFamily="34" charset="-127"/>
-                        <a:ea typeface="나눔스퀘어OTF" panose="020B0600000101010101" pitchFamily="34" charset="-127"/>
-                      </a:endParaRPr>
+                      <a:r>
+                        <a:rPr lang="en-US" altLang="ko-KR" sz="1500" b="1" dirty="0">
+                          <a:latin typeface="나눔스퀘어OTF" panose="020B0600000101010101" pitchFamily="34" charset="-127"/>
+                          <a:ea typeface="나눔스퀘어OTF" panose="020B0600000101010101" pitchFamily="34" charset="-127"/>
+                        </a:rPr>
+                        <a:t>, DB</a:t>
+                      </a:r>
                     </a:p>
                     <a:p>
                       <a:pPr marL="0" marR="0" lvl="0" indent="0" algn="ctr" defTabSz="914400" rtl="0" eaLnBrk="1" fontAlgn="auto" latinLnBrk="1" hangingPunct="1">
@@ -14095,20 +14210,6 @@
                           <a:latin typeface="나눔스퀘어OTF" panose="020B0600000101010101" pitchFamily="34" charset="-127"/>
                           <a:ea typeface="나눔스퀘어OTF" panose="020B0600000101010101" pitchFamily="34" charset="-127"/>
                         </a:rPr>
-                        <a:t>, </a:t>
-                      </a:r>
-                      <a:r>
-                        <a:rPr lang="ko-KR" altLang="en-US" sz="1200" b="0" dirty="0">
-                          <a:latin typeface="나눔스퀘어OTF" panose="020B0600000101010101" pitchFamily="34" charset="-127"/>
-                          <a:ea typeface="나눔스퀘어OTF" panose="020B0600000101010101" pitchFamily="34" charset="-127"/>
-                        </a:rPr>
-                        <a:t>랭킹</a:t>
-                      </a:r>
-                      <a:r>
-                        <a:rPr lang="en-US" altLang="ko-KR" sz="1200" b="0" dirty="0">
-                          <a:latin typeface="나눔스퀘어OTF" panose="020B0600000101010101" pitchFamily="34" charset="-127"/>
-                          <a:ea typeface="나눔스퀘어OTF" panose="020B0600000101010101" pitchFamily="34" charset="-127"/>
-                        </a:rPr>
                         <a:t>)</a:t>
                       </a:r>
                     </a:p>
@@ -14169,6 +14270,216 @@
 </file>
 
 <file path=ppt/slides/slide8.xml><?xml version="1.0" encoding="utf-8"?>
+<p:sld xmlns:a="http://schemas.openxmlformats.org/drawingml/2006/main" xmlns:r="http://schemas.openxmlformats.org/officeDocument/2006/relationships" xmlns:p="http://schemas.openxmlformats.org/presentationml/2006/main">
+  <p:cSld>
+    <p:spTree>
+      <p:nvGrpSpPr>
+        <p:cNvPr id="1" name=""/>
+        <p:cNvGrpSpPr/>
+        <p:nvPr/>
+      </p:nvGrpSpPr>
+      <p:grpSpPr>
+        <a:xfrm>
+          <a:off x="0" y="0"/>
+          <a:ext cx="0" cy="0"/>
+          <a:chOff x="0" y="0"/>
+          <a:chExt cx="0" cy="0"/>
+        </a:xfrm>
+      </p:grpSpPr>
+      <p:sp>
+        <p:nvSpPr>
+          <p:cNvPr id="2" name="제목 1">
+            <a:extLst>
+              <a:ext uri="{FF2B5EF4-FFF2-40B4-BE49-F238E27FC236}">
+                <a16:creationId xmlns:a16="http://schemas.microsoft.com/office/drawing/2014/main" id="{D0D16B3C-66E0-7672-3C43-7125F2543FEC}"/>
+              </a:ext>
+            </a:extLst>
+          </p:cNvPr>
+          <p:cNvSpPr>
+            <a:spLocks noGrp="1"/>
+          </p:cNvSpPr>
+          <p:nvPr>
+            <p:ph type="title"/>
+          </p:nvPr>
+        </p:nvSpPr>
+        <p:spPr/>
+        <p:txBody>
+          <a:bodyPr/>
+          <a:lstStyle/>
+          <a:p>
+            <a:r>
+              <a:rPr lang="ko-KR" altLang="en-US" b="1" dirty="0"/>
+              <a:t>스케쥴</a:t>
+            </a:r>
+          </a:p>
+        </p:txBody>
+      </p:sp>
+      <p:sp>
+        <p:nvSpPr>
+          <p:cNvPr id="3" name="내용 개체 틀 2">
+            <a:extLst>
+              <a:ext uri="{FF2B5EF4-FFF2-40B4-BE49-F238E27FC236}">
+                <a16:creationId xmlns:a16="http://schemas.microsoft.com/office/drawing/2014/main" id="{764CB408-6C11-57D4-A2B7-33465D830F6D}"/>
+              </a:ext>
+            </a:extLst>
+          </p:cNvPr>
+          <p:cNvSpPr>
+            <a:spLocks noGrp="1"/>
+          </p:cNvSpPr>
+          <p:nvPr>
+            <p:ph idx="1"/>
+          </p:nvPr>
+        </p:nvSpPr>
+        <p:spPr/>
+        <p:txBody>
+          <a:bodyPr>
+            <a:normAutofit/>
+          </a:bodyPr>
+          <a:lstStyle/>
+          <a:p>
+            <a:r>
+              <a:rPr lang="en-US" altLang="ko-KR" b="1" dirty="0"/>
+              <a:t>3/15 </a:t>
+            </a:r>
+            <a:r>
+              <a:rPr lang="ko-KR" altLang="en-US" b="1" dirty="0"/>
+              <a:t>시작 발표</a:t>
+            </a:r>
+            <a:endParaRPr lang="en-US" altLang="ko-KR" b="1" dirty="0"/>
+          </a:p>
+          <a:p>
+            <a:r>
+              <a:rPr lang="en-US" altLang="ko-KR" b="1" dirty="0"/>
+              <a:t>~4/2 </a:t>
+            </a:r>
+            <a:r>
+              <a:rPr lang="ko-KR" altLang="en-US" b="1" dirty="0"/>
+              <a:t>역할별 세부 설계 및 사전 학습 </a:t>
+            </a:r>
+            <a:endParaRPr lang="en-US" altLang="ko-KR" b="1" dirty="0"/>
+          </a:p>
+          <a:p>
+            <a:r>
+              <a:rPr lang="en-US" altLang="ko-KR" b="1" dirty="0">
+                <a:solidFill>
+                  <a:srgbClr val="C00000"/>
+                </a:solidFill>
+              </a:rPr>
+              <a:t>4/3 ~ 4/17 </a:t>
+            </a:r>
+            <a:r>
+              <a:rPr lang="ko-KR" altLang="en-US" b="1" dirty="0">
+                <a:solidFill>
+                  <a:srgbClr val="C00000"/>
+                </a:solidFill>
+              </a:rPr>
+              <a:t>역할별 개발</a:t>
+            </a:r>
+            <a:endParaRPr lang="en-US" altLang="ko-KR" b="1" dirty="0">
+              <a:solidFill>
+                <a:srgbClr val="C00000"/>
+              </a:solidFill>
+            </a:endParaRPr>
+          </a:p>
+          <a:p>
+            <a:pPr lvl="1"/>
+            <a:r>
+              <a:rPr lang="en-US" altLang="ko-KR" b="1" dirty="0"/>
+              <a:t>My / PT / Challenge</a:t>
+            </a:r>
+          </a:p>
+          <a:p>
+            <a:r>
+              <a:rPr lang="en-US" altLang="ko-KR" b="1" dirty="0">
+                <a:solidFill>
+                  <a:srgbClr val="C00000"/>
+                </a:solidFill>
+              </a:rPr>
+              <a:t>4/18 ~ 24 </a:t>
+            </a:r>
+            <a:r>
+              <a:rPr lang="ko-KR" altLang="en-US" b="1" dirty="0">
+                <a:solidFill>
+                  <a:srgbClr val="C00000"/>
+                </a:solidFill>
+              </a:rPr>
+              <a:t>통합 및 내부 테스트 </a:t>
+            </a:r>
+            <a:endParaRPr lang="en-US" altLang="ko-KR" b="1" dirty="0">
+              <a:solidFill>
+                <a:srgbClr val="C00000"/>
+              </a:solidFill>
+            </a:endParaRPr>
+          </a:p>
+          <a:p>
+            <a:pPr lvl="1"/>
+            <a:r>
+              <a:rPr lang="en-US" altLang="ko-KR" b="1" dirty="0"/>
+              <a:t>Front / Back / Data</a:t>
+            </a:r>
+          </a:p>
+          <a:p>
+            <a:r>
+              <a:rPr lang="en-US" altLang="ko-KR" b="1" dirty="0"/>
+              <a:t>4/25 ~ 5/2 </a:t>
+            </a:r>
+            <a:r>
+              <a:rPr lang="ko-KR" altLang="en-US" b="1" dirty="0"/>
+              <a:t>배포 </a:t>
+            </a:r>
+            <a:r>
+              <a:rPr lang="en-US" altLang="ko-KR" b="1" dirty="0"/>
+              <a:t>(</a:t>
+            </a:r>
+            <a:r>
+              <a:rPr lang="ko-KR" altLang="en-US" b="1" dirty="0"/>
+              <a:t>지인 </a:t>
+            </a:r>
+            <a:r>
+              <a:rPr lang="en-US" altLang="ko-KR" b="1" dirty="0"/>
+              <a:t>25</a:t>
+            </a:r>
+            <a:r>
+              <a:rPr lang="ko-KR" altLang="en-US" b="1" dirty="0"/>
+              <a:t>명</a:t>
+            </a:r>
+            <a:r>
+              <a:rPr lang="en-US" altLang="ko-KR" b="1" dirty="0"/>
+              <a:t>) </a:t>
+            </a:r>
+            <a:r>
+              <a:rPr lang="ko-KR" altLang="en-US" b="1" dirty="0"/>
+              <a:t>및 불량 개선</a:t>
+            </a:r>
+            <a:endParaRPr lang="en-US" altLang="ko-KR" b="1" dirty="0"/>
+          </a:p>
+          <a:p>
+            <a:r>
+              <a:rPr lang="en-US" altLang="ko-KR" b="1" dirty="0"/>
+              <a:t>5/3 </a:t>
+            </a:r>
+            <a:r>
+              <a:rPr lang="ko-KR" altLang="en-US" b="1" dirty="0"/>
+              <a:t>종료 발표</a:t>
+            </a:r>
+            <a:endParaRPr lang="en-US" altLang="ko-KR" b="1" dirty="0"/>
+          </a:p>
+        </p:txBody>
+      </p:sp>
+    </p:spTree>
+    <p:extLst>
+      <p:ext uri="{BB962C8B-B14F-4D97-AF65-F5344CB8AC3E}">
+        <p14:creationId xmlns:p14="http://schemas.microsoft.com/office/powerpoint/2010/main" val="2656035446"/>
+      </p:ext>
+    </p:extLst>
+  </p:cSld>
+  <p:clrMapOvr>
+    <a:masterClrMapping/>
+  </p:clrMapOvr>
+</p:sld>
+</file>
+
+<file path=ppt/slides/slide9.xml><?xml version="1.0" encoding="utf-8"?>
 <p:sld xmlns:a="http://schemas.openxmlformats.org/drawingml/2006/main" xmlns:r="http://schemas.openxmlformats.org/officeDocument/2006/relationships" xmlns:p="http://schemas.openxmlformats.org/presentationml/2006/main">
   <p:cSld>
     <p:spTree>

--- a/Doc/프로젝트발표.pptx
+++ b/Doc/프로젝트발표.pptx
@@ -6377,9 +6377,9 @@
             <a:r>
               <a:rPr lang="en-US" altLang="ko-KR" sz="3200" b="1" dirty="0">
                 <a:solidFill>
-                  <a:schemeClr val="bg1">
+                  <a:srgbClr val="FFC000">
                     <a:alpha val="80000"/>
-                  </a:schemeClr>
+                  </a:srgbClr>
                 </a:solidFill>
               </a:rPr>
               <a:t>AIPT</a:t>
@@ -6656,7 +6656,7 @@
         </p:nvSpPr>
         <p:spPr>
           <a:xfrm>
-            <a:off x="4455160" y="2132627"/>
+            <a:off x="4391906" y="1742571"/>
             <a:ext cx="1467068" cy="523220"/>
           </a:xfrm>
           <a:prstGeom prst="rect">
@@ -6715,7 +6715,7 @@
         </p:nvSpPr>
         <p:spPr>
           <a:xfrm>
-            <a:off x="4931068" y="2732554"/>
+            <a:off x="4896314" y="2455886"/>
             <a:ext cx="2429851" cy="173652"/>
           </a:xfrm>
           <a:prstGeom prst="roundRect">
@@ -6759,17 +6759,18 @@
         </p:nvSpPr>
         <p:spPr>
           <a:xfrm>
-            <a:off x="4981869" y="2758747"/>
+            <a:off x="4947115" y="2482079"/>
             <a:ext cx="377531" cy="125304"/>
           </a:xfrm>
           <a:prstGeom prst="roundRect">
             <a:avLst/>
           </a:prstGeom>
           <a:solidFill>
-            <a:schemeClr val="bg2">
-              <a:lumMod val="50000"/>
-            </a:schemeClr>
+            <a:srgbClr val="FFC000"/>
           </a:solidFill>
+          <a:ln>
+            <a:noFill/>
+          </a:ln>
         </p:spPr>
         <p:style>
           <a:lnRef idx="2">
@@ -6808,7 +6809,7 @@
         </p:nvSpPr>
         <p:spPr>
           <a:xfrm>
-            <a:off x="4399280" y="3042970"/>
+            <a:off x="4522687" y="2888902"/>
             <a:ext cx="2919389" cy="276999"/>
           </a:xfrm>
           <a:prstGeom prst="rect">
@@ -7177,7 +7178,7 @@
             <a:r>
               <a:rPr lang="ko-KR" altLang="en-US" sz="1600" b="1" dirty="0">
                 <a:solidFill>
-                  <a:schemeClr val="bg1"/>
+                  <a:srgbClr val="FFC000"/>
                 </a:solidFill>
               </a:rPr>
               <a:t>체지방 감소 플랜 </a:t>
@@ -7185,7 +7186,7 @@
             <a:r>
               <a:rPr lang="en-US" altLang="ko-KR" sz="1600" b="1" dirty="0">
                 <a:solidFill>
-                  <a:schemeClr val="bg1"/>
+                  <a:srgbClr val="FFC000"/>
                 </a:solidFill>
               </a:rPr>
               <a:t>(</a:t>
@@ -7193,7 +7194,7 @@
             <a:r>
               <a:rPr lang="ko-KR" altLang="en-US" sz="1600" b="1" dirty="0">
                 <a:solidFill>
-                  <a:schemeClr val="bg1"/>
+                  <a:srgbClr val="FFC000"/>
                 </a:solidFill>
               </a:rPr>
               <a:t>초급</a:t>
@@ -7201,7 +7202,7 @@
             <a:r>
               <a:rPr lang="en-US" altLang="ko-KR" sz="1600" b="1" dirty="0">
                 <a:solidFill>
-                  <a:schemeClr val="bg1"/>
+                  <a:srgbClr val="FFC000"/>
                 </a:solidFill>
               </a:rPr>
               <a:t>)</a:t>
@@ -7540,7 +7541,7 @@
         </p:nvSpPr>
         <p:spPr>
           <a:xfrm>
-            <a:off x="406647" y="1694404"/>
+            <a:off x="416807" y="1709644"/>
             <a:ext cx="2804160" cy="4551680"/>
           </a:xfrm>
           <a:prstGeom prst="rect">
@@ -7586,7 +7587,7 @@
         </p:nvSpPr>
         <p:spPr>
           <a:xfrm>
-            <a:off x="1213184" y="5882534"/>
+            <a:off x="1223344" y="5897774"/>
             <a:ext cx="540000" cy="360000"/>
           </a:xfrm>
           <a:prstGeom prst="roundRect">
@@ -7647,7 +7648,7 @@
         </p:nvSpPr>
         <p:spPr>
           <a:xfrm>
-            <a:off x="1853509" y="5882534"/>
+            <a:off x="1863669" y="5897774"/>
             <a:ext cx="540000" cy="360000"/>
           </a:xfrm>
           <a:prstGeom prst="roundRect">
@@ -7720,7 +7721,7 @@
         </p:nvSpPr>
         <p:spPr>
           <a:xfrm>
-            <a:off x="3293233" y="1694404"/>
+            <a:off x="3303393" y="1709644"/>
             <a:ext cx="2804160" cy="4551680"/>
           </a:xfrm>
           <a:prstGeom prst="rect">
@@ -7766,7 +7767,7 @@
         </p:nvSpPr>
         <p:spPr>
           <a:xfrm>
-            <a:off x="6199712" y="1694404"/>
+            <a:off x="6209872" y="1709644"/>
             <a:ext cx="2804160" cy="4551680"/>
           </a:xfrm>
           <a:prstGeom prst="rect">
@@ -7812,7 +7813,7 @@
         </p:nvSpPr>
         <p:spPr>
           <a:xfrm>
-            <a:off x="572859" y="5882534"/>
+            <a:off x="583019" y="5897774"/>
             <a:ext cx="540000" cy="360000"/>
           </a:xfrm>
           <a:prstGeom prst="roundRect">
@@ -7822,12 +7823,7 @@
             <a:schemeClr val="tx1"/>
           </a:solidFill>
           <a:ln w="3175">
-            <a:solidFill>
-              <a:schemeClr val="tx2">
-                <a:lumMod val="10000"/>
-                <a:lumOff val="90000"/>
-              </a:schemeClr>
-            </a:solidFill>
+            <a:noFill/>
           </a:ln>
         </p:spPr>
         <p:style>
@@ -7852,7 +7848,7 @@
             <a:r>
               <a:rPr lang="en-US" altLang="ko-KR" sz="800" b="1" dirty="0">
                 <a:solidFill>
-                  <a:schemeClr val="bg1"/>
+                  <a:srgbClr val="FFC000"/>
                 </a:solidFill>
                 <a:effectLst>
                   <a:outerShdw blurRad="38100" dist="38100" dir="2700000" algn="tl">
@@ -7866,7 +7862,7 @@
             </a:r>
             <a:endParaRPr lang="ko-KR" altLang="en-US" sz="800" b="1" dirty="0">
               <a:solidFill>
-                <a:schemeClr val="bg1"/>
+                <a:srgbClr val="FFC000"/>
               </a:solidFill>
               <a:effectLst>
                 <a:outerShdw blurRad="38100" dist="38100" dir="2700000" algn="tl">
@@ -7893,7 +7889,7 @@
         </p:nvSpPr>
         <p:spPr>
           <a:xfrm>
-            <a:off x="603019" y="2011514"/>
+            <a:off x="613179" y="2026754"/>
             <a:ext cx="457963" cy="457963"/>
           </a:xfrm>
           <a:prstGeom prst="ellipse">
@@ -7948,7 +7944,7 @@
         </p:nvSpPr>
         <p:spPr>
           <a:xfrm>
-            <a:off x="1106621" y="2117384"/>
+            <a:off x="1116781" y="2132624"/>
             <a:ext cx="1388698" cy="246221"/>
           </a:xfrm>
           <a:prstGeom prst="rect">
@@ -7992,8 +7988,8 @@
         </p:nvSpPr>
         <p:spPr>
           <a:xfrm>
-            <a:off x="610860" y="3077608"/>
-            <a:ext cx="2345938" cy="246221"/>
+            <a:off x="597521" y="3132462"/>
+            <a:ext cx="2345938" cy="230832"/>
           </a:xfrm>
           <a:prstGeom prst="rect">
             <a:avLst/>
@@ -8007,7 +8003,7 @@
           <a:lstStyle/>
           <a:p>
             <a:r>
-              <a:rPr lang="ko-KR" altLang="en-US" sz="1000" b="1" dirty="0">
+              <a:rPr lang="ko-KR" altLang="en-US" sz="900" b="1" dirty="0">
                 <a:solidFill>
                   <a:schemeClr val="bg1"/>
                 </a:solidFill>
@@ -8015,7 +8011,7 @@
               <a:t>운동 </a:t>
             </a:r>
             <a:r>
-              <a:rPr lang="en-US" altLang="ko-KR" sz="1000" b="1" dirty="0">
+              <a:rPr lang="en-US" altLang="ko-KR" sz="900" b="1" dirty="0">
                 <a:solidFill>
                   <a:schemeClr val="bg1"/>
                 </a:solidFill>
@@ -8023,7 +8019,7 @@
               <a:t>: </a:t>
             </a:r>
             <a:r>
-              <a:rPr lang="ko-KR" altLang="en-US" sz="1000" dirty="0">
+              <a:rPr lang="ko-KR" altLang="en-US" sz="900" dirty="0">
                 <a:solidFill>
                   <a:schemeClr val="bg1"/>
                 </a:solidFill>
@@ -8047,8 +8043,8 @@
         </p:nvSpPr>
         <p:spPr>
           <a:xfrm>
-            <a:off x="608683" y="3407675"/>
-            <a:ext cx="2548131" cy="246221"/>
+            <a:off x="589073" y="3487809"/>
+            <a:ext cx="2548131" cy="230832"/>
           </a:xfrm>
           <a:prstGeom prst="rect">
             <a:avLst/>
@@ -8062,7 +8058,7 @@
           <a:lstStyle/>
           <a:p>
             <a:r>
-              <a:rPr lang="ko-KR" altLang="en-US" sz="1000" b="1" dirty="0">
+              <a:rPr lang="ko-KR" altLang="en-US" sz="900" b="1" dirty="0">
                 <a:solidFill>
                   <a:schemeClr val="bg1"/>
                 </a:solidFill>
@@ -8070,7 +8066,7 @@
               <a:t>챌린지 </a:t>
             </a:r>
             <a:r>
-              <a:rPr lang="en-US" altLang="ko-KR" sz="1000" b="1" dirty="0">
+              <a:rPr lang="en-US" altLang="ko-KR" sz="900" b="1" dirty="0">
                 <a:solidFill>
                   <a:schemeClr val="bg1"/>
                 </a:solidFill>
@@ -8078,7 +8074,7 @@
               <a:t>: </a:t>
             </a:r>
             <a:r>
-              <a:rPr lang="ko-KR" altLang="en-US" sz="1000" dirty="0">
+              <a:rPr lang="ko-KR" altLang="en-US" sz="900" dirty="0">
                 <a:solidFill>
                   <a:schemeClr val="bg1"/>
                 </a:solidFill>
@@ -8086,38 +8082,30 @@
               <a:t>체지방률 </a:t>
             </a:r>
             <a:r>
-              <a:rPr lang="en-US" altLang="ko-KR" sz="1000" dirty="0">
+              <a:rPr lang="en-US" altLang="ko-KR" sz="900" dirty="0">
                 <a:solidFill>
                   <a:schemeClr val="bg1"/>
                 </a:solidFill>
               </a:rPr>
-              <a:t>-5% </a:t>
-            </a:r>
-            <a:r>
-              <a:rPr lang="en-US" altLang="ko-KR" sz="800" dirty="0">
+              <a:t>-5% ( 7</a:t>
+            </a:r>
+            <a:r>
+              <a:rPr lang="ko-KR" altLang="en-US" sz="900" dirty="0">
                 <a:solidFill>
                   <a:schemeClr val="bg1"/>
                 </a:solidFill>
               </a:rPr>
-              <a:t>( 7</a:t>
-            </a:r>
-            <a:r>
-              <a:rPr lang="ko-KR" altLang="en-US" sz="800" dirty="0">
+              <a:t>일차</a:t>
+            </a:r>
+            <a:r>
+              <a:rPr lang="en-US" altLang="ko-KR" sz="900" dirty="0">
                 <a:solidFill>
                   <a:schemeClr val="bg1"/>
                 </a:solidFill>
               </a:rPr>
-              <a:t>일차</a:t>
-            </a:r>
-            <a:r>
-              <a:rPr lang="en-US" altLang="ko-KR" sz="800" dirty="0">
-                <a:solidFill>
-                  <a:schemeClr val="bg1"/>
-                </a:solidFill>
-              </a:rPr>
               <a:t> / 15)</a:t>
             </a:r>
-            <a:endParaRPr lang="ko-KR" altLang="en-US" sz="1000" dirty="0">
+            <a:endParaRPr lang="ko-KR" altLang="en-US" sz="900" dirty="0">
               <a:solidFill>
                 <a:schemeClr val="bg1"/>
               </a:solidFill>
@@ -8147,7 +8135,7 @@
         </p:blipFill>
         <p:spPr>
           <a:xfrm>
-            <a:off x="3300695" y="1694404"/>
+            <a:off x="3310855" y="1709644"/>
             <a:ext cx="2779794" cy="1755316"/>
           </a:xfrm>
           <a:prstGeom prst="rect">
@@ -8169,8 +8157,8 @@
         </p:nvSpPr>
         <p:spPr>
           <a:xfrm>
-            <a:off x="610860" y="2769566"/>
-            <a:ext cx="1265413" cy="261610"/>
+            <a:off x="621020" y="2784806"/>
+            <a:ext cx="1265413" cy="230832"/>
           </a:xfrm>
           <a:prstGeom prst="rect">
             <a:avLst/>
@@ -8184,7 +8172,7 @@
           <a:lstStyle/>
           <a:p>
             <a:r>
-              <a:rPr lang="ko-KR" altLang="en-US" sz="1050" b="1" dirty="0">
+              <a:rPr lang="ko-KR" altLang="en-US" sz="900" b="1" dirty="0">
                 <a:solidFill>
                   <a:schemeClr val="bg1"/>
                 </a:solidFill>
@@ -8192,14 +8180,18 @@
               <a:t>포인트 </a:t>
             </a:r>
             <a:r>
-              <a:rPr lang="en-US" altLang="ko-KR" sz="1050" b="1" dirty="0">
+              <a:rPr lang="en-US" altLang="ko-KR" sz="900" b="1" dirty="0">
                 <a:solidFill>
                   <a:schemeClr val="bg1"/>
                 </a:solidFill>
               </a:rPr>
               <a:t>:</a:t>
             </a:r>
-            <a:endParaRPr lang="ko-KR" altLang="en-US" sz="1050" dirty="0"/>
+            <a:endParaRPr lang="ko-KR" altLang="en-US" sz="900" dirty="0">
+              <a:solidFill>
+                <a:schemeClr val="bg1"/>
+              </a:solidFill>
+            </a:endParaRPr>
           </a:p>
         </p:txBody>
       </p:sp>
@@ -8217,8 +8209,8 @@
         </p:nvSpPr>
         <p:spPr>
           <a:xfrm>
-            <a:off x="1193450" y="2810125"/>
-            <a:ext cx="1180757" cy="215444"/>
+            <a:off x="1203610" y="2825365"/>
+            <a:ext cx="2090341" cy="230832"/>
           </a:xfrm>
           <a:prstGeom prst="rect">
             <a:avLst/>
@@ -8232,7 +8224,7 @@
           <a:lstStyle/>
           <a:p>
             <a:r>
-              <a:rPr lang="en-US" altLang="ko-KR" sz="800" dirty="0">
+              <a:rPr lang="en-US" altLang="ko-KR" sz="900" dirty="0">
                 <a:solidFill>
                   <a:schemeClr val="bg1"/>
                 </a:solidFill>
@@ -8240,7 +8232,7 @@
               <a:t>1,400 pt (</a:t>
             </a:r>
             <a:r>
-              <a:rPr lang="ko-KR" altLang="en-US" sz="800" dirty="0">
+              <a:rPr lang="ko-KR" altLang="en-US" sz="900" dirty="0">
                 <a:solidFill>
                   <a:schemeClr val="bg1"/>
                 </a:solidFill>
@@ -8248,14 +8240,14 @@
               <a:t>상위 </a:t>
             </a:r>
             <a:r>
-              <a:rPr lang="en-US" altLang="ko-KR" sz="800" dirty="0">
+              <a:rPr lang="en-US" altLang="ko-KR" sz="900" dirty="0">
                 <a:solidFill>
                   <a:schemeClr val="bg1"/>
                 </a:solidFill>
               </a:rPr>
               <a:t>13.2%)</a:t>
             </a:r>
-            <a:endParaRPr lang="ko-KR" altLang="en-US" sz="800" dirty="0">
+            <a:endParaRPr lang="ko-KR" altLang="en-US" sz="900" dirty="0">
               <a:solidFill>
                 <a:schemeClr val="bg1"/>
               </a:solidFill>
@@ -8277,7 +8269,7 @@
         </p:nvSpPr>
         <p:spPr>
           <a:xfrm>
-            <a:off x="3431256" y="5527440"/>
+            <a:off x="3441416" y="5542680"/>
             <a:ext cx="2330610" cy="273535"/>
           </a:xfrm>
           <a:prstGeom prst="roundRect">
@@ -8335,7 +8327,7 @@
         </p:nvSpPr>
         <p:spPr>
           <a:xfrm>
-            <a:off x="3364107" y="4009251"/>
+            <a:off x="3374267" y="4024491"/>
             <a:ext cx="269240" cy="273536"/>
           </a:xfrm>
           <a:prstGeom prst="ellipse">
@@ -8389,7 +8381,7 @@
         </p:nvSpPr>
         <p:spPr>
           <a:xfrm>
-            <a:off x="3633347" y="4046835"/>
+            <a:off x="3643507" y="4062075"/>
             <a:ext cx="2534920" cy="200055"/>
           </a:xfrm>
           <a:prstGeom prst="rect">
@@ -8428,17 +8420,14 @@
         </p:nvSpPr>
         <p:spPr>
           <a:xfrm>
-            <a:off x="3368751" y="4310933"/>
+            <a:off x="3378911" y="4326173"/>
             <a:ext cx="269240" cy="273536"/>
           </a:xfrm>
           <a:prstGeom prst="ellipse">
             <a:avLst/>
           </a:prstGeom>
           <a:solidFill>
-            <a:schemeClr val="accent5">
-              <a:lumMod val="60000"/>
-              <a:lumOff val="40000"/>
-            </a:schemeClr>
+            <a:srgbClr val="FFC000"/>
           </a:solidFill>
         </p:spPr>
         <p:style>
@@ -8480,7 +8469,7 @@
         </p:nvSpPr>
         <p:spPr>
           <a:xfrm>
-            <a:off x="3637991" y="4348517"/>
+            <a:off x="3648151" y="4363757"/>
             <a:ext cx="2534920" cy="200055"/>
           </a:xfrm>
           <a:prstGeom prst="rect">
@@ -8548,7 +8537,7 @@
         </p:blipFill>
         <p:spPr bwMode="auto">
           <a:xfrm>
-            <a:off x="5802752" y="5556566"/>
+            <a:off x="5812912" y="5571806"/>
             <a:ext cx="182880" cy="182880"/>
           </a:xfrm>
           <a:prstGeom prst="rect">
@@ -8580,7 +8569,7 @@
         </p:nvSpPr>
         <p:spPr>
           <a:xfrm>
-            <a:off x="3293232" y="3462914"/>
+            <a:off x="3303392" y="3478154"/>
             <a:ext cx="2804160" cy="513200"/>
           </a:xfrm>
           <a:prstGeom prst="roundRect">
@@ -8729,7 +8718,7 @@
         </p:nvSpPr>
         <p:spPr>
           <a:xfrm rot="10800000">
-            <a:off x="5780916" y="3686532"/>
+            <a:off x="5791076" y="3701772"/>
             <a:ext cx="105534" cy="85223"/>
           </a:xfrm>
           <a:prstGeom prst="triangle">
@@ -8775,7 +8764,7 @@
         </p:nvSpPr>
         <p:spPr>
           <a:xfrm>
-            <a:off x="3384620" y="4637234"/>
+            <a:off x="3394780" y="4652474"/>
             <a:ext cx="269240" cy="273536"/>
           </a:xfrm>
           <a:prstGeom prst="ellipse">
@@ -8829,7 +8818,7 @@
         </p:nvSpPr>
         <p:spPr>
           <a:xfrm>
-            <a:off x="3637991" y="4676864"/>
+            <a:off x="3648151" y="4692104"/>
             <a:ext cx="2534920" cy="200055"/>
           </a:xfrm>
           <a:prstGeom prst="rect">
@@ -8881,17 +8870,14 @@
         </p:nvSpPr>
         <p:spPr>
           <a:xfrm>
-            <a:off x="3384620" y="4967627"/>
+            <a:off x="3394780" y="4982867"/>
             <a:ext cx="269240" cy="273536"/>
           </a:xfrm>
           <a:prstGeom prst="ellipse">
             <a:avLst/>
           </a:prstGeom>
           <a:solidFill>
-            <a:schemeClr val="accent5">
-              <a:lumMod val="60000"/>
-              <a:lumOff val="40000"/>
-            </a:schemeClr>
+            <a:srgbClr val="FFC000"/>
           </a:solidFill>
         </p:spPr>
         <p:style>
@@ -8933,7 +8919,7 @@
         </p:nvSpPr>
         <p:spPr>
           <a:xfrm>
-            <a:off x="3638866" y="4944583"/>
+            <a:off x="3649026" y="4959823"/>
             <a:ext cx="2255326" cy="307777"/>
           </a:xfrm>
           <a:prstGeom prst="rect">
@@ -8990,7 +8976,7 @@
         </p:nvCxnSpPr>
         <p:spPr>
           <a:xfrm>
-            <a:off x="457200" y="5862720"/>
+            <a:off x="467360" y="5877960"/>
             <a:ext cx="2737772" cy="0"/>
           </a:xfrm>
           <a:prstGeom prst="line">
@@ -9033,7 +9019,7 @@
         </p:nvSpPr>
         <p:spPr>
           <a:xfrm>
-            <a:off x="9135020" y="1691469"/>
+            <a:off x="9145180" y="1706709"/>
             <a:ext cx="2804160" cy="4551680"/>
           </a:xfrm>
           <a:prstGeom prst="rect">
@@ -9079,7 +9065,7 @@
         </p:nvSpPr>
         <p:spPr>
           <a:xfrm>
-            <a:off x="2493833" y="5882534"/>
+            <a:off x="2503993" y="5897774"/>
             <a:ext cx="540000" cy="360000"/>
           </a:xfrm>
           <a:prstGeom prst="roundRect">
@@ -9140,7 +9126,7 @@
         </p:nvSpPr>
         <p:spPr>
           <a:xfrm>
-            <a:off x="4088537" y="5879798"/>
+            <a:off x="4098697" y="5895038"/>
             <a:ext cx="540000" cy="360000"/>
           </a:xfrm>
           <a:prstGeom prst="roundRect">
@@ -9150,12 +9136,7 @@
             <a:schemeClr val="tx1"/>
           </a:solidFill>
           <a:ln>
-            <a:solidFill>
-              <a:schemeClr val="tx2">
-                <a:lumMod val="10000"/>
-                <a:lumOff val="90000"/>
-              </a:schemeClr>
-            </a:solidFill>
+            <a:noFill/>
           </a:ln>
         </p:spPr>
         <p:style>
@@ -9180,7 +9161,7 @@
             <a:r>
               <a:rPr lang="ko-KR" altLang="en-US" sz="800" b="1" dirty="0">
                 <a:solidFill>
-                  <a:schemeClr val="bg1"/>
+                  <a:srgbClr val="FFC000"/>
                 </a:solidFill>
                 <a:effectLst>
                   <a:outerShdw blurRad="38100" dist="38100" dir="2700000" algn="tl">
@@ -9209,7 +9190,7 @@
         </p:nvSpPr>
         <p:spPr>
           <a:xfrm>
-            <a:off x="4728862" y="5879798"/>
+            <a:off x="4739022" y="5895038"/>
             <a:ext cx="540000" cy="360000"/>
           </a:xfrm>
           <a:prstGeom prst="roundRect">
@@ -9282,7 +9263,7 @@
         </p:nvSpPr>
         <p:spPr>
           <a:xfrm>
-            <a:off x="3448212" y="5879798"/>
+            <a:off x="3458372" y="5895038"/>
             <a:ext cx="540000" cy="360000"/>
           </a:xfrm>
           <a:prstGeom prst="roundRect">
@@ -9360,7 +9341,7 @@
         </p:nvCxnSpPr>
         <p:spPr>
           <a:xfrm>
-            <a:off x="3359620" y="5857648"/>
+            <a:off x="3369780" y="5872888"/>
             <a:ext cx="2737772" cy="0"/>
           </a:xfrm>
           <a:prstGeom prst="line">
@@ -9403,7 +9384,7 @@
         </p:nvSpPr>
         <p:spPr>
           <a:xfrm>
-            <a:off x="5369186" y="5879798"/>
+            <a:off x="5379346" y="5895038"/>
             <a:ext cx="540000" cy="360000"/>
           </a:xfrm>
           <a:prstGeom prst="roundRect">
@@ -9464,7 +9445,7 @@
         </p:nvSpPr>
         <p:spPr>
           <a:xfrm>
-            <a:off x="7007309" y="5859984"/>
+            <a:off x="7017469" y="5875224"/>
             <a:ext cx="540000" cy="360000"/>
           </a:xfrm>
           <a:prstGeom prst="roundRect">
@@ -9525,7 +9506,7 @@
         </p:nvSpPr>
         <p:spPr>
           <a:xfrm>
-            <a:off x="7647634" y="5859984"/>
+            <a:off x="7657794" y="5875224"/>
             <a:ext cx="540000" cy="360000"/>
           </a:xfrm>
           <a:prstGeom prst="roundRect">
@@ -9535,12 +9516,7 @@
             <a:schemeClr val="tx1"/>
           </a:solidFill>
           <a:ln>
-            <a:solidFill>
-              <a:schemeClr val="tx2">
-                <a:lumMod val="10000"/>
-                <a:lumOff val="90000"/>
-              </a:schemeClr>
-            </a:solidFill>
+            <a:noFill/>
           </a:ln>
         </p:spPr>
         <p:style>
@@ -9565,7 +9541,7 @@
             <a:r>
               <a:rPr lang="ko-KR" altLang="en-US" sz="800" b="1" dirty="0" err="1">
                 <a:solidFill>
-                  <a:schemeClr val="bg1"/>
+                  <a:srgbClr val="FFC000"/>
                 </a:solidFill>
                 <a:effectLst>
                   <a:outerShdw blurRad="38100" dist="38100" dir="2700000" algn="tl">
@@ -9579,7 +9555,7 @@
             </a:r>
             <a:endParaRPr lang="ko-KR" altLang="en-US" sz="800" b="1" dirty="0">
               <a:solidFill>
-                <a:schemeClr val="bg1"/>
+                <a:srgbClr val="FFC000"/>
               </a:solidFill>
               <a:effectLst>
                 <a:outerShdw blurRad="38100" dist="38100" dir="2700000" algn="tl">
@@ -9606,7 +9582,7 @@
         </p:nvSpPr>
         <p:spPr>
           <a:xfrm>
-            <a:off x="6366984" y="5859984"/>
+            <a:off x="6377144" y="5875224"/>
             <a:ext cx="540000" cy="360000"/>
           </a:xfrm>
           <a:prstGeom prst="roundRect">
@@ -9682,7 +9658,7 @@
         </p:nvSpPr>
         <p:spPr>
           <a:xfrm>
-            <a:off x="8287958" y="5859984"/>
+            <a:off x="8298118" y="5875224"/>
             <a:ext cx="540000" cy="360000"/>
           </a:xfrm>
           <a:prstGeom prst="roundRect">
@@ -9743,7 +9719,7 @@
         </p:nvSpPr>
         <p:spPr>
           <a:xfrm>
-            <a:off x="9912426" y="5859984"/>
+            <a:off x="9922586" y="5875224"/>
             <a:ext cx="540000" cy="360000"/>
           </a:xfrm>
           <a:prstGeom prst="roundRect">
@@ -9804,7 +9780,7 @@
         </p:nvSpPr>
         <p:spPr>
           <a:xfrm>
-            <a:off x="10552751" y="5859984"/>
+            <a:off x="10562911" y="5875224"/>
             <a:ext cx="540000" cy="360000"/>
           </a:xfrm>
           <a:prstGeom prst="roundRect">
@@ -9877,7 +9853,7 @@
         </p:nvSpPr>
         <p:spPr>
           <a:xfrm>
-            <a:off x="9272101" y="5859984"/>
+            <a:off x="9282261" y="5875224"/>
             <a:ext cx="540000" cy="360000"/>
           </a:xfrm>
           <a:prstGeom prst="roundRect">
@@ -9953,7 +9929,7 @@
         </p:nvSpPr>
         <p:spPr>
           <a:xfrm>
-            <a:off x="11193075" y="5859984"/>
+            <a:off x="11203235" y="5875224"/>
             <a:ext cx="540000" cy="360000"/>
           </a:xfrm>
           <a:prstGeom prst="roundRect">
@@ -9963,12 +9939,7 @@
             <a:schemeClr val="tx1"/>
           </a:solidFill>
           <a:ln>
-            <a:solidFill>
-              <a:schemeClr val="tx2">
-                <a:lumMod val="10000"/>
-                <a:lumOff val="90000"/>
-              </a:schemeClr>
-            </a:solidFill>
+            <a:noFill/>
           </a:ln>
         </p:spPr>
         <p:style>
@@ -9993,7 +9964,7 @@
             <a:r>
               <a:rPr lang="ko-KR" altLang="en-US" sz="800" b="1" dirty="0">
                 <a:solidFill>
-                  <a:schemeClr val="bg1"/>
+                  <a:srgbClr val="FFC000"/>
                 </a:solidFill>
                 <a:effectLst>
                   <a:outerShdw blurRad="38100" dist="38100" dir="2700000" algn="tl">
@@ -10008,8 +9979,8 @@
           </a:p>
         </p:txBody>
       </p:sp>
-      <mc:AlternateContent xmlns:mc="http://schemas.openxmlformats.org/markup-compatibility/2006" xmlns:cx1="http://schemas.microsoft.com/office/drawing/2015/9/8/chartex">
-        <mc:Choice Requires="cx1">
+      <mc:AlternateContent xmlns:mc="http://schemas.openxmlformats.org/markup-compatibility/2006">
+        <mc:Choice xmlns:cx1="http://schemas.microsoft.com/office/drawing/2015/9/8/chartex" Requires="cx1">
           <p:graphicFrame>
             <p:nvGraphicFramePr>
               <p:cNvPr id="1083" name="차트 1082">
@@ -10023,13 +9994,13 @@
               <p:nvPr>
                 <p:extLst>
                   <p:ext uri="{D42A27DB-BD31-4B8C-83A1-F6EECF244321}">
-                    <p14:modId xmlns:p14="http://schemas.microsoft.com/office/powerpoint/2010/main" val="1847162964"/>
+                    <p14:modId xmlns:p14="http://schemas.microsoft.com/office/powerpoint/2010/main" val="299264856"/>
                   </p:ext>
                 </p:extLst>
               </p:nvPr>
             </p:nvGraphicFramePr>
             <p:xfrm>
-              <a:off x="630865" y="4092707"/>
+              <a:off x="641025" y="4107947"/>
               <a:ext cx="2480817" cy="964298"/>
             </p:xfrm>
             <a:graphic>
@@ -10039,7 +10010,7 @@
             </a:graphic>
           </p:graphicFrame>
         </mc:Choice>
-        <mc:Fallback xmlns="">
+        <mc:Fallback>
           <p:pic>
             <p:nvPicPr>
               <p:cNvPr id="1083" name="차트 1082">
@@ -10062,7 +10033,7 @@
             </p:blipFill>
             <p:spPr>
               <a:xfrm>
-                <a:off x="630865" y="4092707"/>
+                <a:off x="641025" y="4107947"/>
                 <a:ext cx="2480817" cy="964298"/>
               </a:xfrm>
               <a:prstGeom prst="rect">
@@ -10086,7 +10057,7 @@
         </p:nvSpPr>
         <p:spPr>
           <a:xfrm>
-            <a:off x="704647" y="4999919"/>
+            <a:off x="714807" y="5015159"/>
             <a:ext cx="576205" cy="200055"/>
           </a:xfrm>
           <a:prstGeom prst="rect">
@@ -10156,7 +10127,7 @@
         </p:nvSpPr>
         <p:spPr>
           <a:xfrm>
-            <a:off x="1545500" y="4992309"/>
+            <a:off x="1555660" y="5007549"/>
             <a:ext cx="667000" cy="200055"/>
           </a:xfrm>
           <a:prstGeom prst="rect">
@@ -10225,7 +10196,7 @@
         </p:nvSpPr>
         <p:spPr>
           <a:xfrm>
-            <a:off x="2366833" y="4992309"/>
+            <a:off x="2376993" y="5007549"/>
             <a:ext cx="667000" cy="200055"/>
           </a:xfrm>
           <a:prstGeom prst="rect">
@@ -10278,8 +10249,8 @@
         </p:nvSpPr>
         <p:spPr>
           <a:xfrm>
-            <a:off x="606790" y="3844579"/>
-            <a:ext cx="1265413" cy="261610"/>
+            <a:off x="616950" y="3859819"/>
+            <a:ext cx="1265413" cy="230832"/>
           </a:xfrm>
           <a:prstGeom prst="rect">
             <a:avLst/>
@@ -10293,14 +10264,14 @@
           <a:lstStyle/>
           <a:p>
             <a:r>
-              <a:rPr lang="ko-KR" altLang="en-US" sz="1050" b="1" dirty="0">
+              <a:rPr lang="ko-KR" altLang="en-US" sz="900" b="1" dirty="0">
                 <a:solidFill>
                   <a:schemeClr val="bg1"/>
                 </a:solidFill>
               </a:rPr>
               <a:t>운동일지</a:t>
             </a:r>
-            <a:endParaRPr lang="ko-KR" altLang="en-US" sz="1050" dirty="0"/>
+            <a:endParaRPr lang="ko-KR" altLang="en-US" sz="900" dirty="0"/>
           </a:p>
         </p:txBody>
       </p:sp>
@@ -10318,7 +10289,7 @@
         </p:nvSpPr>
         <p:spPr>
           <a:xfrm>
-            <a:off x="6298870" y="2277347"/>
+            <a:off x="6309030" y="2292587"/>
             <a:ext cx="2664847" cy="1300480"/>
           </a:xfrm>
           <a:prstGeom prst="roundRect">
@@ -10372,7 +10343,7 @@
         </p:nvSpPr>
         <p:spPr>
           <a:xfrm>
-            <a:off x="6312321" y="3669268"/>
+            <a:off x="6322481" y="3684508"/>
             <a:ext cx="2664847" cy="1300480"/>
           </a:xfrm>
           <a:prstGeom prst="roundRect">
@@ -10426,7 +10397,7 @@
         </p:nvSpPr>
         <p:spPr>
           <a:xfrm>
-            <a:off x="6381234" y="2484909"/>
+            <a:off x="6391394" y="2500149"/>
             <a:ext cx="2548131" cy="246221"/>
           </a:xfrm>
           <a:prstGeom prst="rect">
@@ -10478,7 +10449,7 @@
         </p:nvSpPr>
         <p:spPr>
           <a:xfrm>
-            <a:off x="6428555" y="2758337"/>
+            <a:off x="6438715" y="2773577"/>
             <a:ext cx="2470955" cy="461665"/>
           </a:xfrm>
           <a:prstGeom prst="rect">
@@ -10603,12 +10574,18 @@
         </p:nvSpPr>
         <p:spPr>
           <a:xfrm>
-            <a:off x="8150145" y="3222293"/>
+            <a:off x="8160305" y="3237533"/>
             <a:ext cx="622131" cy="283630"/>
           </a:xfrm>
           <a:prstGeom prst="roundRect">
             <a:avLst/>
           </a:prstGeom>
+          <a:solidFill>
+            <a:srgbClr val="FFC000"/>
+          </a:solidFill>
+          <a:ln>
+            <a:noFill/>
+          </a:ln>
         </p:spPr>
         <p:style>
           <a:lnRef idx="3">
@@ -10630,10 +10607,18 @@
           <a:p>
             <a:pPr algn="ctr"/>
             <a:r>
-              <a:rPr lang="ko-KR" altLang="en-US" sz="800" b="1" dirty="0" err="1"/>
+              <a:rPr lang="ko-KR" altLang="en-US" sz="800" b="1" dirty="0" err="1">
+                <a:solidFill>
+                  <a:schemeClr val="tx1"/>
+                </a:solidFill>
+              </a:rPr>
               <a:t>참가중</a:t>
             </a:r>
-            <a:endParaRPr lang="ko-KR" altLang="en-US" sz="800" b="1" dirty="0"/>
+            <a:endParaRPr lang="ko-KR" altLang="en-US" sz="800" b="1" dirty="0">
+              <a:solidFill>
+                <a:schemeClr val="tx1"/>
+              </a:solidFill>
+            </a:endParaRPr>
           </a:p>
         </p:txBody>
       </p:sp>
@@ -10651,7 +10636,7 @@
         </p:nvSpPr>
         <p:spPr>
           <a:xfrm>
-            <a:off x="8183795" y="4624679"/>
+            <a:off x="8193955" y="4639919"/>
             <a:ext cx="622131" cy="283630"/>
           </a:xfrm>
           <a:prstGeom prst="roundRect">
@@ -10704,7 +10689,7 @@
         </p:nvSpPr>
         <p:spPr>
           <a:xfrm>
-            <a:off x="6428554" y="3269270"/>
+            <a:off x="6438714" y="3284510"/>
             <a:ext cx="1390427" cy="200055"/>
           </a:xfrm>
           <a:prstGeom prst="rect">
@@ -10788,7 +10773,7 @@
         </p:nvSpPr>
         <p:spPr>
           <a:xfrm>
-            <a:off x="6428553" y="4666466"/>
+            <a:off x="6438713" y="4681706"/>
             <a:ext cx="1390427" cy="200055"/>
           </a:xfrm>
           <a:prstGeom prst="rect">
@@ -10880,7 +10865,7 @@
         </p:nvSpPr>
         <p:spPr>
           <a:xfrm>
-            <a:off x="6404548" y="3810316"/>
+            <a:off x="6414708" y="3825556"/>
             <a:ext cx="2548131" cy="246221"/>
           </a:xfrm>
           <a:prstGeom prst="rect">
@@ -10932,7 +10917,7 @@
         </p:nvSpPr>
         <p:spPr>
           <a:xfrm>
-            <a:off x="6404548" y="4121078"/>
+            <a:off x="6414708" y="4136318"/>
             <a:ext cx="2470955" cy="461665"/>
           </a:xfrm>
           <a:prstGeom prst="rect">
@@ -11070,7 +11055,7 @@
         </p:nvSpPr>
         <p:spPr>
           <a:xfrm>
-            <a:off x="2515405" y="3140787"/>
+            <a:off x="2525565" y="3156027"/>
             <a:ext cx="583543" cy="142824"/>
           </a:xfrm>
           <a:prstGeom prst="roundRect">
@@ -11142,7 +11127,7 @@
         </p:blipFill>
         <p:spPr bwMode="auto">
           <a:xfrm>
-            <a:off x="8061960" y="1664514"/>
+            <a:off x="8072120" y="1679754"/>
             <a:ext cx="603761" cy="603761"/>
           </a:xfrm>
           <a:prstGeom prst="rect">
@@ -11174,7 +11159,7 @@
         </p:nvSpPr>
         <p:spPr>
           <a:xfrm>
-            <a:off x="6335111" y="1821288"/>
+            <a:off x="6345271" y="1836528"/>
             <a:ext cx="1815034" cy="297610"/>
           </a:xfrm>
           <a:prstGeom prst="roundRect">
@@ -11227,7 +11212,7 @@
         </p:nvSpPr>
         <p:spPr>
           <a:xfrm>
-            <a:off x="8585046" y="1789154"/>
+            <a:off x="8595206" y="1804394"/>
             <a:ext cx="336445" cy="352731"/>
           </a:xfrm>
           <a:prstGeom prst="ellipse">
@@ -11297,7 +11282,7 @@
         </p:nvSpPr>
         <p:spPr>
           <a:xfrm>
-            <a:off x="9206667" y="2277347"/>
+            <a:off x="9216827" y="2292587"/>
             <a:ext cx="2664847" cy="1300480"/>
           </a:xfrm>
           <a:prstGeom prst="roundRect">
@@ -11351,7 +11336,7 @@
         </p:nvSpPr>
         <p:spPr>
           <a:xfrm>
-            <a:off x="10436980" y="2484909"/>
+            <a:off x="10447140" y="2500149"/>
             <a:ext cx="1400182" cy="246221"/>
           </a:xfrm>
           <a:prstGeom prst="rect">
@@ -11395,7 +11380,7 @@
         </p:nvSpPr>
         <p:spPr>
           <a:xfrm>
-            <a:off x="10495984" y="2729712"/>
+            <a:off x="10506144" y="2744952"/>
             <a:ext cx="1312125" cy="338554"/>
           </a:xfrm>
           <a:prstGeom prst="rect">
@@ -11473,7 +11458,7 @@
         </p:nvSpPr>
         <p:spPr>
           <a:xfrm>
-            <a:off x="11088451" y="3190218"/>
+            <a:off x="11098611" y="3205458"/>
             <a:ext cx="622131" cy="283630"/>
           </a:xfrm>
           <a:prstGeom prst="roundRect">
@@ -11525,7 +11510,7 @@
         </p:nvSpPr>
         <p:spPr>
           <a:xfrm>
-            <a:off x="9221643" y="3654457"/>
+            <a:off x="9231803" y="3669697"/>
             <a:ext cx="2664847" cy="1300480"/>
           </a:xfrm>
           <a:prstGeom prst="roundRect">
@@ -11579,7 +11564,7 @@
         </p:nvSpPr>
         <p:spPr>
           <a:xfrm>
-            <a:off x="10451956" y="3862019"/>
+            <a:off x="10462116" y="3877259"/>
             <a:ext cx="1400182" cy="246221"/>
           </a:xfrm>
           <a:prstGeom prst="rect">
@@ -11623,7 +11608,7 @@
         </p:nvSpPr>
         <p:spPr>
           <a:xfrm>
-            <a:off x="10495984" y="4092707"/>
+            <a:off x="10506144" y="4107947"/>
             <a:ext cx="1312125" cy="584775"/>
           </a:xfrm>
           <a:prstGeom prst="rect">
@@ -11718,7 +11703,7 @@
         </p:nvSpPr>
         <p:spPr>
           <a:xfrm>
-            <a:off x="11103427" y="4567328"/>
+            <a:off x="11113587" y="4582568"/>
             <a:ext cx="622131" cy="283630"/>
           </a:xfrm>
           <a:prstGeom prst="roundRect">
@@ -11785,7 +11770,7 @@
         </p:blipFill>
         <p:spPr bwMode="auto">
           <a:xfrm>
-            <a:off x="9381461" y="3807747"/>
+            <a:off x="9391621" y="3822987"/>
             <a:ext cx="1016489" cy="993900"/>
           </a:xfrm>
           <a:prstGeom prst="rect">
@@ -11825,7 +11810,7 @@
         </p:blipFill>
         <p:spPr>
           <a:xfrm>
-            <a:off x="9346895" y="2385375"/>
+            <a:off x="9357055" y="2400615"/>
             <a:ext cx="1090085" cy="1088473"/>
           </a:xfrm>
           <a:prstGeom prst="rect">
@@ -11872,7 +11857,7 @@
         </p:blipFill>
         <p:spPr bwMode="auto">
           <a:xfrm>
-            <a:off x="10983333" y="1684515"/>
+            <a:off x="10993493" y="1699755"/>
             <a:ext cx="603761" cy="603761"/>
           </a:xfrm>
           <a:prstGeom prst="rect">
@@ -11904,7 +11889,7 @@
         </p:nvSpPr>
         <p:spPr>
           <a:xfrm>
-            <a:off x="9256484" y="1841289"/>
+            <a:off x="9266644" y="1856529"/>
             <a:ext cx="1815034" cy="297610"/>
           </a:xfrm>
           <a:prstGeom prst="roundRect">
@@ -11957,7 +11942,7 @@
         </p:nvSpPr>
         <p:spPr>
           <a:xfrm>
-            <a:off x="2527736" y="2149316"/>
+            <a:off x="2537896" y="2164556"/>
             <a:ext cx="558880" cy="138960"/>
           </a:xfrm>
           <a:prstGeom prst="roundRect">
@@ -12004,7 +11989,7 @@
         </p:nvSpPr>
         <p:spPr>
           <a:xfrm>
-            <a:off x="2486930" y="5557240"/>
+            <a:off x="2497090" y="5572480"/>
             <a:ext cx="583543" cy="142824"/>
           </a:xfrm>
           <a:prstGeom prst="roundRect">
@@ -12051,8 +12036,8 @@
         </p:nvSpPr>
         <p:spPr>
           <a:xfrm>
-            <a:off x="633341" y="5494514"/>
-            <a:ext cx="2548131" cy="246221"/>
+            <a:off x="643501" y="5509754"/>
+            <a:ext cx="2548131" cy="230832"/>
           </a:xfrm>
           <a:prstGeom prst="rect">
             <a:avLst/>
@@ -12066,14 +12051,14 @@
           <a:lstStyle/>
           <a:p>
             <a:r>
-              <a:rPr lang="ko-KR" altLang="en-US" sz="1000" b="1">
+              <a:rPr lang="ko-KR" altLang="en-US" sz="900" b="1">
                 <a:solidFill>
                   <a:schemeClr val="bg1"/>
                 </a:solidFill>
               </a:rPr>
               <a:t>불편 사항 및 기능 제안</a:t>
             </a:r>
-            <a:endParaRPr lang="ko-KR" altLang="en-US" sz="1000" dirty="0">
+            <a:endParaRPr lang="ko-KR" altLang="en-US" sz="900" dirty="0">
               <a:solidFill>
                 <a:schemeClr val="bg1"/>
               </a:solidFill>
@@ -12143,7 +12128,7 @@
         </p:nvCxnSpPr>
         <p:spPr>
           <a:xfrm>
-            <a:off x="6239396" y="5844086"/>
+            <a:off x="6249556" y="5859326"/>
             <a:ext cx="2737772" cy="0"/>
           </a:xfrm>
           <a:prstGeom prst="line">
@@ -12188,7 +12173,7 @@
         </p:nvCxnSpPr>
         <p:spPr>
           <a:xfrm>
-            <a:off x="9201408" y="5844086"/>
+            <a:off x="9211568" y="5859326"/>
             <a:ext cx="2737772" cy="0"/>
           </a:xfrm>
           <a:prstGeom prst="line">
@@ -13354,14 +13339,14 @@
           <p:nvPr>
             <p:extLst>
               <p:ext uri="{D42A27DB-BD31-4B8C-83A1-F6EECF244321}">
-                <p14:modId xmlns:p14="http://schemas.microsoft.com/office/powerpoint/2010/main" val="3592915301"/>
+                <p14:modId xmlns:p14="http://schemas.microsoft.com/office/powerpoint/2010/main" val="2387859986"/>
               </p:ext>
             </p:extLst>
           </p:nvPr>
         </p:nvGraphicFramePr>
         <p:xfrm>
-          <a:off x="838200" y="1652183"/>
-          <a:ext cx="10515600" cy="4840692"/>
+          <a:off x="838200" y="1748702"/>
+          <a:ext cx="10444480" cy="4616540"/>
         </p:xfrm>
         <a:graphic>
           <a:graphicData uri="http://schemas.openxmlformats.org/drawingml/2006/table">
@@ -13370,28 +13355,28 @@
                 <a:tableStyleId>{5C22544A-7EE6-4342-B048-85BDC9FD1C3A}</a:tableStyleId>
               </a:tblPr>
               <a:tblGrid>
-                <a:gridCol w="2628900">
+                <a:gridCol w="2611120">
                   <a:extLst>
                     <a:ext uri="{9D8B030D-6E8A-4147-A177-3AD203B41FA5}">
                       <a16:colId xmlns:a16="http://schemas.microsoft.com/office/drawing/2014/main" val="529196770"/>
                     </a:ext>
                   </a:extLst>
                 </a:gridCol>
-                <a:gridCol w="2628900">
+                <a:gridCol w="2611120">
                   <a:extLst>
                     <a:ext uri="{9D8B030D-6E8A-4147-A177-3AD203B41FA5}">
                       <a16:colId xmlns:a16="http://schemas.microsoft.com/office/drawing/2014/main" val="120635450"/>
                     </a:ext>
                   </a:extLst>
                 </a:gridCol>
-                <a:gridCol w="2628900">
+                <a:gridCol w="2611120">
                   <a:extLst>
                     <a:ext uri="{9D8B030D-6E8A-4147-A177-3AD203B41FA5}">
                       <a16:colId xmlns:a16="http://schemas.microsoft.com/office/drawing/2014/main" val="1147348704"/>
                     </a:ext>
                   </a:extLst>
                 </a:gridCol>
-                <a:gridCol w="2628900">
+                <a:gridCol w="2611120">
                   <a:extLst>
                     <a:ext uri="{9D8B030D-6E8A-4147-A177-3AD203B41FA5}">
                       <a16:colId xmlns:a16="http://schemas.microsoft.com/office/drawing/2014/main" val="3799717654"/>
@@ -13399,7 +13384,7 @@
                   </a:extLst>
                 </a:gridCol>
               </a:tblGrid>
-              <a:tr h="1210173">
+              <a:tr h="923308">
                 <a:tc>
                   <a:txBody>
                     <a:bodyPr/>
@@ -13495,7 +13480,7 @@
                   </a:ext>
                 </a:extLst>
               </a:tr>
-              <a:tr h="1210173">
+              <a:tr h="923308">
                 <a:tc>
                   <a:txBody>
                     <a:bodyPr/>
@@ -13536,13 +13521,13 @@
                         <a:buNone/>
                       </a:pPr>
                       <a:r>
-                        <a:rPr lang="ko-KR" altLang="en-US" sz="1500" b="1" dirty="0">
+                        <a:rPr lang="ko-KR" altLang="en-US" sz="1500" b="0" dirty="0">
                           <a:latin typeface="나눔스퀘어OTF" panose="020B0600000101010101" pitchFamily="34" charset="-127"/>
                           <a:ea typeface="나눔스퀘어OTF" panose="020B0600000101010101" pitchFamily="34" charset="-127"/>
                         </a:rPr>
                         <a:t>회원 가입</a:t>
                       </a:r>
-                      <a:endParaRPr lang="en-US" altLang="ko-KR" sz="1500" b="1" dirty="0">
+                      <a:endParaRPr lang="en-US" altLang="ko-KR" sz="1500" b="0" dirty="0">
                         <a:latin typeface="나눔스퀘어OTF" panose="020B0600000101010101" pitchFamily="34" charset="-127"/>
                         <a:ea typeface="나눔스퀘어OTF" panose="020B0600000101010101" pitchFamily="34" charset="-127"/>
                       </a:endParaRPr>
@@ -13552,23 +13537,12 @@
                         <a:buNone/>
                       </a:pPr>
                       <a:r>
-                        <a:rPr lang="en-US" altLang="ko-KR" sz="1500" b="1" dirty="0">
+                        <a:rPr lang="en-US" altLang="ko-KR" sz="1500" b="0" dirty="0">
                           <a:latin typeface="나눔스퀘어OTF" panose="020B0600000101010101" pitchFamily="34" charset="-127"/>
                           <a:ea typeface="나눔스퀘어OTF" panose="020B0600000101010101" pitchFamily="34" charset="-127"/>
                         </a:rPr>
-                        <a:t>MY </a:t>
+                        <a:t>MY</a:t>
                       </a:r>
-                      <a:r>
-                        <a:rPr lang="ko-KR" altLang="en-US" sz="1500" b="1" dirty="0">
-                          <a:latin typeface="나눔스퀘어OTF" panose="020B0600000101010101" pitchFamily="34" charset="-127"/>
-                          <a:ea typeface="나눔스퀘어OTF" panose="020B0600000101010101" pitchFamily="34" charset="-127"/>
-                        </a:rPr>
-                        <a:t>페이지</a:t>
-                      </a:r>
-                      <a:endParaRPr lang="en-US" altLang="ko-KR" sz="1500" b="1" dirty="0">
-                        <a:latin typeface="나눔스퀘어OTF" panose="020B0600000101010101" pitchFamily="34" charset="-127"/>
-                        <a:ea typeface="나눔스퀘어OTF" panose="020B0600000101010101" pitchFamily="34" charset="-127"/>
-                      </a:endParaRPr>
                     </a:p>
                   </a:txBody>
                   <a:tcPr anchor="ctr"/>
@@ -13580,40 +13554,80 @@
                     <a:p>
                       <a:pPr algn="ctr" latinLnBrk="1"/>
                       <a:r>
-                        <a:rPr lang="ko-KR" altLang="en-US" sz="1500" b="1" dirty="0">
+                        <a:rPr lang="ko-KR" altLang="en-US" sz="1500" b="0" dirty="0">
                           <a:solidFill>
                             <a:schemeClr val="tx1"/>
                           </a:solidFill>
                           <a:latin typeface="나눔스퀘어OTF" panose="020B0600000101010101" pitchFamily="34" charset="-127"/>
                           <a:ea typeface="나눔스퀘어OTF" panose="020B0600000101010101" pitchFamily="34" charset="-127"/>
                         </a:rPr>
-                        <a:t>회원 </a:t>
+                        <a:t>회원</a:t>
                       </a:r>
                       <a:r>
-                        <a:rPr lang="en-US" altLang="ko-KR" sz="1500" b="1" dirty="0">
+                        <a:rPr lang="en-US" altLang="ko-KR" sz="1500" b="0" dirty="0">
                           <a:solidFill>
                             <a:schemeClr val="tx1"/>
                           </a:solidFill>
                           <a:latin typeface="나눔스퀘어OTF" panose="020B0600000101010101" pitchFamily="34" charset="-127"/>
                           <a:ea typeface="나눔스퀘어OTF" panose="020B0600000101010101" pitchFamily="34" charset="-127"/>
                         </a:rPr>
-                        <a:t>DB</a:t>
+                        <a:t> DBMS</a:t>
                       </a:r>
                     </a:p>
                     <a:p>
                       <a:pPr algn="ctr" latinLnBrk="1"/>
                       <a:r>
-                        <a:rPr lang="en-US" altLang="ko-KR" sz="1200" b="0" dirty="0">
+                        <a:rPr lang="en-US" altLang="ko-KR" sz="1500" b="0" dirty="0">
                           <a:solidFill>
                             <a:schemeClr val="tx1"/>
                           </a:solidFill>
                           <a:latin typeface="나눔스퀘어OTF" panose="020B0600000101010101" pitchFamily="34" charset="-127"/>
                           <a:ea typeface="나눔스퀘어OTF" panose="020B0600000101010101" pitchFamily="34" charset="-127"/>
                         </a:rPr>
-                        <a:t>(</a:t>
+                        <a:t>(ID, </a:t>
                       </a:r>
                       <a:r>
-                        <a:rPr lang="ko-KR" altLang="en-US" sz="1200" b="0" dirty="0">
+                        <a:rPr lang="ko-KR" altLang="en-US" sz="1500" b="0" dirty="0">
+                          <a:solidFill>
+                            <a:schemeClr val="tx1"/>
+                          </a:solidFill>
+                          <a:latin typeface="나눔스퀘어OTF" panose="020B0600000101010101" pitchFamily="34" charset="-127"/>
+                          <a:ea typeface="나눔스퀘어OTF" panose="020B0600000101010101" pitchFamily="34" charset="-127"/>
+                        </a:rPr>
+                        <a:t>운동</a:t>
+                      </a:r>
+                      <a:r>
+                        <a:rPr lang="en-US" altLang="ko-KR" sz="1500" b="0" dirty="0">
+                          <a:solidFill>
+                            <a:schemeClr val="tx1"/>
+                          </a:solidFill>
+                          <a:latin typeface="나눔스퀘어OTF" panose="020B0600000101010101" pitchFamily="34" charset="-127"/>
+                          <a:ea typeface="나눔스퀘어OTF" panose="020B0600000101010101" pitchFamily="34" charset="-127"/>
+                        </a:rPr>
+                        <a:t> </a:t>
+                      </a:r>
+                      <a:r>
+                        <a:rPr lang="ko-KR" altLang="en-US" sz="1500" b="0" dirty="0">
+                          <a:solidFill>
+                            <a:schemeClr val="tx1"/>
+                          </a:solidFill>
+                          <a:latin typeface="나눔스퀘어OTF" panose="020B0600000101010101" pitchFamily="34" charset="-127"/>
+                          <a:ea typeface="나눔스퀘어OTF" panose="020B0600000101010101" pitchFamily="34" charset="-127"/>
+                        </a:rPr>
+                        <a:t>기록</a:t>
+                      </a:r>
+                      <a:r>
+                        <a:rPr lang="en-US" altLang="ko-KR" sz="1500" b="0" dirty="0">
+                          <a:solidFill>
+                            <a:schemeClr val="tx1"/>
+                          </a:solidFill>
+                          <a:latin typeface="나눔스퀘어OTF" panose="020B0600000101010101" pitchFamily="34" charset="-127"/>
+                          <a:ea typeface="나눔스퀘어OTF" panose="020B0600000101010101" pitchFamily="34" charset="-127"/>
+                        </a:rPr>
+                        <a:t>, </a:t>
+                      </a:r>
+                      <a:r>
+                        <a:rPr lang="ko-KR" altLang="en-US" sz="1500" b="0" dirty="0">
                           <a:solidFill>
                             <a:schemeClr val="tx1"/>
                           </a:solidFill>
@@ -13623,27 +13637,7 @@
                         <a:t>포인트</a:t>
                       </a:r>
                       <a:r>
-                        <a:rPr lang="en-US" altLang="ko-KR" sz="1200" b="0" dirty="0">
-                          <a:solidFill>
-                            <a:schemeClr val="tx1"/>
-                          </a:solidFill>
-                          <a:latin typeface="나눔스퀘어OTF" panose="020B0600000101010101" pitchFamily="34" charset="-127"/>
-                          <a:ea typeface="나눔스퀘어OTF" panose="020B0600000101010101" pitchFamily="34" charset="-127"/>
-                        </a:rPr>
-                        <a:t>, </a:t>
-                      </a:r>
-                      <a:r>
-                        <a:rPr lang="ko-KR" altLang="en-US" sz="1200" b="0" dirty="0">
-                          <a:solidFill>
-                            <a:schemeClr val="tx1"/>
-                          </a:solidFill>
-                          <a:latin typeface="나눔스퀘어OTF" panose="020B0600000101010101" pitchFamily="34" charset="-127"/>
-                          <a:ea typeface="나눔스퀘어OTF" panose="020B0600000101010101" pitchFamily="34" charset="-127"/>
-                        </a:rPr>
-                        <a:t>랭킹</a:t>
-                      </a:r>
-                      <a:r>
-                        <a:rPr lang="en-US" altLang="ko-KR" sz="1200" b="0" dirty="0">
+                        <a:rPr lang="en-US" altLang="ko-KR" sz="1500" b="0" dirty="0">
                           <a:solidFill>
                             <a:schemeClr val="tx1"/>
                           </a:solidFill>
@@ -13652,7 +13646,7 @@
                         </a:rPr>
                         <a:t>)</a:t>
                       </a:r>
-                      <a:endParaRPr lang="ko-KR" altLang="en-US" sz="1200" b="0" dirty="0">
+                      <a:endParaRPr lang="ko-KR" altLang="en-US" sz="1500" b="0" dirty="0">
                         <a:solidFill>
                           <a:schemeClr val="tx1"/>
                         </a:solidFill>
@@ -13670,7 +13664,7 @@
                     <a:p>
                       <a:pPr algn="ctr" latinLnBrk="1"/>
                       <a:r>
-                        <a:rPr lang="en-US" altLang="ko-KR" sz="1500" b="1" dirty="0">
+                        <a:rPr lang="en-US" altLang="ko-KR" sz="1500" b="0" dirty="0">
                           <a:solidFill>
                             <a:schemeClr val="tx1"/>
                           </a:solidFill>
@@ -13680,7 +13674,7 @@
                         <a:t>1</a:t>
                       </a:r>
                       <a:r>
-                        <a:rPr lang="ko-KR" altLang="en-US" sz="1500" b="1" dirty="0">
+                        <a:rPr lang="ko-KR" altLang="en-US" sz="1500" b="0" dirty="0">
                           <a:solidFill>
                             <a:schemeClr val="tx1"/>
                           </a:solidFill>
@@ -13699,7 +13693,7 @@
                   </a:ext>
                 </a:extLst>
               </a:tr>
-              <a:tr h="1210173">
+              <a:tr h="923308">
                 <a:tc>
                   <a:txBody>
                     <a:bodyPr/>
@@ -13733,13 +13727,13 @@
                         <a:buNone/>
                       </a:pPr>
                       <a:r>
-                        <a:rPr lang="ko-KR" altLang="en-US" sz="1500" b="1" dirty="0">
+                        <a:rPr lang="ko-KR" altLang="en-US" sz="1500" b="0" dirty="0">
                           <a:latin typeface="나눔스퀘어OTF" panose="020B0600000101010101" pitchFamily="34" charset="-127"/>
                           <a:ea typeface="나눔스퀘어OTF" panose="020B0600000101010101" pitchFamily="34" charset="-127"/>
                         </a:rPr>
-                        <a:t>사전 설문 페이지</a:t>
+                        <a:t>사전 설문</a:t>
                       </a:r>
-                      <a:endParaRPr lang="en-US" altLang="ko-KR" sz="1500" b="1" dirty="0">
+                      <a:endParaRPr lang="en-US" altLang="ko-KR" sz="1500" b="0" dirty="0">
                         <a:latin typeface="나눔스퀘어OTF" panose="020B0600000101010101" pitchFamily="34" charset="-127"/>
                         <a:ea typeface="나눔스퀘어OTF" panose="020B0600000101010101" pitchFamily="34" charset="-127"/>
                       </a:endParaRPr>
@@ -13749,105 +13743,264 @@
                         <a:buNone/>
                       </a:pPr>
                       <a:r>
-                        <a:rPr lang="en-US" altLang="ko-KR" sz="1200" b="0" dirty="0">
+                        <a:rPr lang="ko-KR" altLang="en-US" sz="1500" b="0" dirty="0">
+                          <a:latin typeface="나눔스퀘어OTF" panose="020B0600000101010101" pitchFamily="34" charset="-127"/>
+                          <a:ea typeface="나눔스퀘어OTF" panose="020B0600000101010101" pitchFamily="34" charset="-127"/>
+                        </a:rPr>
+                        <a:t>운동 </a:t>
+                      </a:r>
+                      <a:r>
+                        <a:rPr lang="en-US" altLang="ko-KR" sz="1500" b="0" dirty="0">
+                          <a:latin typeface="나눔스퀘어OTF" panose="020B0600000101010101" pitchFamily="34" charset="-127"/>
+                          <a:ea typeface="나눔스퀘어OTF" panose="020B0600000101010101" pitchFamily="34" charset="-127"/>
+                        </a:rPr>
+                        <a:t>(Step, Chat)</a:t>
+                      </a:r>
+                    </a:p>
+                  </a:txBody>
+                  <a:tcPr anchor="ctr"/>
+                </a:tc>
+                <a:tc>
+                  <a:txBody>
+                    <a:bodyPr/>
+                    <a:lstStyle/>
+                    <a:p>
+                      <a:pPr marL="0" indent="0" algn="ctr">
+                        <a:buNone/>
+                      </a:pPr>
+                      <a:r>
+                        <a:rPr lang="en-US" altLang="ko-KR" sz="1500" b="0" dirty="0">
+                          <a:latin typeface="나눔스퀘어OTF" panose="020B0600000101010101" pitchFamily="34" charset="-127"/>
+                          <a:ea typeface="나눔스퀘어OTF" panose="020B0600000101010101" pitchFamily="34" charset="-127"/>
+                        </a:rPr>
+                        <a:t>PT</a:t>
+                      </a:r>
+                      <a:r>
+                        <a:rPr lang="ko-KR" altLang="en-US" sz="1500" b="0" dirty="0">
+                          <a:latin typeface="나눔스퀘어OTF" panose="020B0600000101010101" pitchFamily="34" charset="-127"/>
+                          <a:ea typeface="나눔스퀘어OTF" panose="020B0600000101010101" pitchFamily="34" charset="-127"/>
+                        </a:rPr>
+                        <a:t> </a:t>
+                      </a:r>
+                      <a:r>
+                        <a:rPr lang="ko-KR" altLang="en-US" sz="1500" b="0" dirty="0" err="1">
+                          <a:latin typeface="나눔스퀘어OTF" panose="020B0600000101010101" pitchFamily="34" charset="-127"/>
+                          <a:ea typeface="나눔스퀘어OTF" panose="020B0600000101010101" pitchFamily="34" charset="-127"/>
+                        </a:rPr>
+                        <a:t>챗봇</a:t>
+                      </a:r>
+                      <a:endParaRPr lang="en-US" altLang="ko-KR" sz="1500" b="0" dirty="0">
+                        <a:latin typeface="나눔스퀘어OTF" panose="020B0600000101010101" pitchFamily="34" charset="-127"/>
+                        <a:ea typeface="나눔스퀘어OTF" panose="020B0600000101010101" pitchFamily="34" charset="-127"/>
+                      </a:endParaRPr>
+                    </a:p>
+                  </a:txBody>
+                  <a:tcPr anchor="ctr"/>
+                </a:tc>
+                <a:tc>
+                  <a:txBody>
+                    <a:bodyPr/>
+                    <a:lstStyle/>
+                    <a:p>
+                      <a:pPr algn="ctr" latinLnBrk="1"/>
+                      <a:r>
+                        <a:rPr lang="en-US" altLang="ko-KR" sz="1500" b="0" dirty="0">
+                          <a:solidFill>
+                            <a:schemeClr val="tx1"/>
+                          </a:solidFill>
+                          <a:latin typeface="나눔스퀘어OTF" panose="020B0600000101010101" pitchFamily="34" charset="-127"/>
+                          <a:ea typeface="나눔스퀘어OTF" panose="020B0600000101010101" pitchFamily="34" charset="-127"/>
+                        </a:rPr>
+                        <a:t>1</a:t>
+                      </a:r>
+                      <a:r>
+                        <a:rPr lang="ko-KR" altLang="en-US" sz="1500" b="0" dirty="0">
+                          <a:solidFill>
+                            <a:schemeClr val="tx1"/>
+                          </a:solidFill>
+                          <a:latin typeface="나눔스퀘어OTF" panose="020B0600000101010101" pitchFamily="34" charset="-127"/>
+                          <a:ea typeface="나눔스퀘어OTF" panose="020B0600000101010101" pitchFamily="34" charset="-127"/>
+                        </a:rPr>
+                        <a:t>명</a:t>
+                      </a:r>
+                    </a:p>
+                  </a:txBody>
+                  <a:tcPr anchor="ctr"/>
+                </a:tc>
+                <a:extLst>
+                  <a:ext uri="{0D108BD9-81ED-4DB2-BD59-A6C34878D82A}">
+                    <a16:rowId xmlns:a16="http://schemas.microsoft.com/office/drawing/2014/main" val="1332577370"/>
+                  </a:ext>
+                </a:extLst>
+              </a:tr>
+              <a:tr h="923308">
+                <a:tc>
+                  <a:txBody>
+                    <a:bodyPr/>
+                    <a:lstStyle/>
+                    <a:p>
+                      <a:pPr algn="ctr" latinLnBrk="1"/>
+                      <a:r>
+                        <a:rPr lang="ko-KR" altLang="en-US" sz="1600" b="1" dirty="0">
+                          <a:solidFill>
+                            <a:schemeClr val="bg1"/>
+                          </a:solidFill>
+                          <a:latin typeface="나눔스퀘어OTF" panose="020B0600000101010101" pitchFamily="34" charset="-127"/>
+                          <a:ea typeface="나눔스퀘어OTF" panose="020B0600000101010101" pitchFamily="34" charset="-127"/>
+                        </a:rPr>
+                        <a:t>영상</a:t>
+                      </a:r>
+                    </a:p>
+                  </a:txBody>
+                  <a:tcPr anchor="ctr">
+                    <a:solidFill>
+                      <a:schemeClr val="tx1"/>
+                    </a:solidFill>
+                  </a:tcPr>
+                </a:tc>
+                <a:tc>
+                  <a:txBody>
+                    <a:bodyPr/>
+                    <a:lstStyle/>
+                    <a:p>
+                      <a:pPr marL="0" indent="0" algn="ctr">
+                        <a:buNone/>
+                      </a:pPr>
+                      <a:r>
+                        <a:rPr lang="ko-KR" altLang="en-US" sz="1500" b="0" dirty="0">
+                          <a:latin typeface="나눔스퀘어OTF" panose="020B0600000101010101" pitchFamily="34" charset="-127"/>
+                          <a:ea typeface="나눔스퀘어OTF" panose="020B0600000101010101" pitchFamily="34" charset="-127"/>
+                        </a:rPr>
+                        <a:t>운동 </a:t>
+                      </a:r>
+                      <a:r>
+                        <a:rPr lang="en-US" altLang="ko-KR" sz="1500" b="0" dirty="0">
                           <a:latin typeface="나눔스퀘어OTF" panose="020B0600000101010101" pitchFamily="34" charset="-127"/>
                           <a:ea typeface="나눔스퀘어OTF" panose="020B0600000101010101" pitchFamily="34" charset="-127"/>
                         </a:rPr>
                         <a:t>(</a:t>
                       </a:r>
                       <a:r>
-                        <a:rPr lang="ko-KR" altLang="en-US" sz="1200" b="0" dirty="0">
+                        <a:rPr lang="ko-KR" altLang="en-US" sz="1500" b="0" dirty="0">
                           <a:latin typeface="나눔스퀘어OTF" panose="020B0600000101010101" pitchFamily="34" charset="-127"/>
                           <a:ea typeface="나눔스퀘어OTF" panose="020B0600000101010101" pitchFamily="34" charset="-127"/>
                         </a:rPr>
-                        <a:t>설문</a:t>
+                        <a:t>영상</a:t>
                       </a:r>
                       <a:r>
-                        <a:rPr lang="en-US" altLang="ko-KR" sz="1200" b="0" dirty="0">
-                          <a:latin typeface="나눔스퀘어OTF" panose="020B0600000101010101" pitchFamily="34" charset="-127"/>
-                          <a:ea typeface="나눔스퀘어OTF" panose="020B0600000101010101" pitchFamily="34" charset="-127"/>
-                        </a:rPr>
-                        <a:t>, </a:t>
-                      </a:r>
-                      <a:r>
-                        <a:rPr lang="ko-KR" altLang="en-US" sz="1200" b="0" dirty="0">
-                          <a:latin typeface="나눔스퀘어OTF" panose="020B0600000101010101" pitchFamily="34" charset="-127"/>
-                          <a:ea typeface="나눔스퀘어OTF" panose="020B0600000101010101" pitchFamily="34" charset="-127"/>
-                        </a:rPr>
-                        <a:t>맞춤 훈련 설계</a:t>
-                      </a:r>
-                      <a:r>
-                        <a:rPr lang="en-US" altLang="ko-KR" sz="1200" b="0" dirty="0">
+                        <a:rPr lang="en-US" altLang="ko-KR" sz="1500" b="0" dirty="0">
                           <a:latin typeface="나눔스퀘어OTF" panose="020B0600000101010101" pitchFamily="34" charset="-127"/>
                           <a:ea typeface="나눔스퀘어OTF" panose="020B0600000101010101" pitchFamily="34" charset="-127"/>
                         </a:rPr>
                         <a:t>)</a:t>
                       </a:r>
                     </a:p>
+                  </a:txBody>
+                  <a:tcPr anchor="ctr"/>
+                </a:tc>
+                <a:tc>
+                  <a:txBody>
+                    <a:bodyPr/>
+                    <a:lstStyle/>
                     <a:p>
-                      <a:pPr marL="0" indent="0" algn="ctr">
+                      <a:pPr marL="0" marR="0" lvl="0" indent="0" algn="ctr" defTabSz="914400" rtl="0" eaLnBrk="1" fontAlgn="auto" latinLnBrk="1" hangingPunct="1">
+                        <a:lnSpc>
+                          <a:spcPct val="100000"/>
+                        </a:lnSpc>
+                        <a:spcBef>
+                          <a:spcPts val="0"/>
+                        </a:spcBef>
+                        <a:spcAft>
+                          <a:spcPts val="0"/>
+                        </a:spcAft>
+                        <a:buClrTx/>
+                        <a:buSzTx/>
+                        <a:buFontTx/>
                         <a:buNone/>
+                        <a:tabLst/>
+                        <a:defRPr/>
                       </a:pPr>
                       <a:r>
-                        <a:rPr lang="ko-KR" altLang="en-US" sz="1500" b="1" dirty="0">
+                        <a:rPr lang="ko-KR" altLang="en-US" sz="1500" b="0" dirty="0">
                           <a:latin typeface="나눔스퀘어OTF" panose="020B0600000101010101" pitchFamily="34" charset="-127"/>
                           <a:ea typeface="나눔스퀘어OTF" panose="020B0600000101010101" pitchFamily="34" charset="-127"/>
                         </a:rPr>
-                        <a:t>운동 페이지</a:t>
+                        <a:t>영상 </a:t>
                       </a:r>
-                      <a:endParaRPr lang="en-US" altLang="ko-KR" sz="1500" b="1" dirty="0">
-                        <a:latin typeface="나눔스퀘어OTF" panose="020B0600000101010101" pitchFamily="34" charset="-127"/>
-                        <a:ea typeface="나눔스퀘어OTF" panose="020B0600000101010101" pitchFamily="34" charset="-127"/>
-                      </a:endParaRPr>
+                      <a:r>
+                        <a:rPr lang="en-US" altLang="ko-KR" sz="1500" b="0" dirty="0">
+                          <a:solidFill>
+                            <a:schemeClr val="tx1"/>
+                          </a:solidFill>
+                          <a:latin typeface="나눔스퀘어OTF" panose="020B0600000101010101" pitchFamily="34" charset="-127"/>
+                          <a:ea typeface="나눔스퀘어OTF" panose="020B0600000101010101" pitchFamily="34" charset="-127"/>
+                        </a:rPr>
+                        <a:t>DBMS</a:t>
+                      </a:r>
                     </a:p>
                     <a:p>
-                      <a:pPr marL="0" indent="0" algn="ctr">
+                      <a:pPr marL="0" marR="0" lvl="0" indent="0" algn="ctr" defTabSz="914400" rtl="0" eaLnBrk="1" fontAlgn="auto" latinLnBrk="1" hangingPunct="1">
+                        <a:lnSpc>
+                          <a:spcPct val="100000"/>
+                        </a:lnSpc>
+                        <a:spcBef>
+                          <a:spcPts val="0"/>
+                        </a:spcBef>
+                        <a:spcAft>
+                          <a:spcPts val="0"/>
+                        </a:spcAft>
+                        <a:buClrTx/>
+                        <a:buSzTx/>
+                        <a:buFontTx/>
                         <a:buNone/>
+                        <a:tabLst/>
+                        <a:defRPr/>
                       </a:pPr>
                       <a:r>
-                        <a:rPr lang="en-US" altLang="ko-KR" sz="1200" b="0" dirty="0">
+                        <a:rPr lang="en-US" altLang="ko-KR" sz="1500" b="0" dirty="0">
+                          <a:solidFill>
+                            <a:schemeClr val="tx1"/>
+                          </a:solidFill>
                           <a:latin typeface="나눔스퀘어OTF" panose="020B0600000101010101" pitchFamily="34" charset="-127"/>
                           <a:ea typeface="나눔스퀘어OTF" panose="020B0600000101010101" pitchFamily="34" charset="-127"/>
                         </a:rPr>
                         <a:t>(</a:t>
                       </a:r>
                       <a:r>
-                        <a:rPr lang="ko-KR" altLang="en-US" sz="1200" b="0" dirty="0">
+                        <a:rPr lang="ko-KR" altLang="en-US" sz="1500" b="0" dirty="0">
+                          <a:solidFill>
+                            <a:schemeClr val="tx1"/>
+                          </a:solidFill>
                           <a:latin typeface="나눔스퀘어OTF" panose="020B0600000101010101" pitchFamily="34" charset="-127"/>
                           <a:ea typeface="나눔스퀘어OTF" panose="020B0600000101010101" pitchFamily="34" charset="-127"/>
                         </a:rPr>
-                        <a:t>영상</a:t>
+                        <a:t>영상 </a:t>
                       </a:r>
                       <a:r>
-                        <a:rPr lang="en-US" altLang="ko-KR" sz="1200" b="0" dirty="0">
+                        <a:rPr lang="en-US" altLang="ko-KR" sz="1500" b="0" dirty="0">
+                          <a:solidFill>
+                            <a:schemeClr val="tx1"/>
+                          </a:solidFill>
                           <a:latin typeface="나눔스퀘어OTF" panose="020B0600000101010101" pitchFamily="34" charset="-127"/>
                           <a:ea typeface="나눔스퀘어OTF" panose="020B0600000101010101" pitchFamily="34" charset="-127"/>
                         </a:rPr>
-                        <a:t>, </a:t>
+                        <a:t>DB, </a:t>
                       </a:r>
                       <a:r>
-                        <a:rPr lang="ko-KR" altLang="en-US" sz="1200" b="0" dirty="0">
+                        <a:rPr lang="ko-KR" altLang="en-US" sz="1500" b="0" dirty="0">
+                          <a:solidFill>
+                            <a:schemeClr val="tx1"/>
+                          </a:solidFill>
                           <a:latin typeface="나눔스퀘어OTF" panose="020B0600000101010101" pitchFamily="34" charset="-127"/>
                           <a:ea typeface="나눔스퀘어OTF" panose="020B0600000101010101" pitchFamily="34" charset="-127"/>
                         </a:rPr>
-                        <a:t>스텝</a:t>
+                        <a:t>스트리밍</a:t>
                       </a:r>
                       <a:r>
-                        <a:rPr lang="en-US" altLang="ko-KR" sz="1200" b="0" dirty="0">
-                          <a:latin typeface="나눔스퀘어OTF" panose="020B0600000101010101" pitchFamily="34" charset="-127"/>
-                          <a:ea typeface="나눔스퀘어OTF" panose="020B0600000101010101" pitchFamily="34" charset="-127"/>
-                        </a:rPr>
-                        <a:t>, </a:t>
-                      </a:r>
-                      <a:r>
-                        <a:rPr lang="ko-KR" altLang="en-US" sz="1200" b="0" dirty="0">
-                          <a:latin typeface="나눔스퀘어OTF" panose="020B0600000101010101" pitchFamily="34" charset="-127"/>
-                          <a:ea typeface="나눔스퀘어OTF" panose="020B0600000101010101" pitchFamily="34" charset="-127"/>
-                        </a:rPr>
-                        <a:t>채팅</a:t>
-                      </a:r>
-                      <a:r>
-                        <a:rPr lang="en-US" altLang="ko-KR" sz="1200" b="0" dirty="0">
+                        <a:rPr lang="en-US" altLang="ko-KR" sz="1500" b="0" dirty="0">
+                          <a:solidFill>
+                            <a:schemeClr val="tx1"/>
+                          </a:solidFill>
                           <a:latin typeface="나눔스퀘어OTF" panose="020B0600000101010101" pitchFamily="34" charset="-127"/>
                           <a:ea typeface="나눔스퀘어OTF" panose="020B0600000101010101" pitchFamily="34" charset="-127"/>
                         </a:rPr>
@@ -13866,75 +14019,19 @@
                     <a:bodyPr/>
                     <a:lstStyle/>
                     <a:p>
-                      <a:pPr marL="0" indent="0" algn="ctr">
-                        <a:buNone/>
-                      </a:pPr>
-                      <a:r>
-                        <a:rPr lang="ko-KR" altLang="en-US" sz="1500" b="1" dirty="0">
-                          <a:latin typeface="나눔스퀘어OTF" panose="020B0600000101010101" pitchFamily="34" charset="-127"/>
-                          <a:ea typeface="나눔스퀘어OTF" panose="020B0600000101010101" pitchFamily="34" charset="-127"/>
-                        </a:rPr>
-                        <a:t>동영상 스트리밍</a:t>
-                      </a:r>
-                      <a:r>
-                        <a:rPr lang="en-US" altLang="ko-KR" sz="1500" b="1" dirty="0">
-                          <a:latin typeface="나눔스퀘어OTF" panose="020B0600000101010101" pitchFamily="34" charset="-127"/>
-                          <a:ea typeface="나눔스퀘어OTF" panose="020B0600000101010101" pitchFamily="34" charset="-127"/>
-                        </a:rPr>
-                        <a:t>, DB</a:t>
-                      </a:r>
-                    </a:p>
-                    <a:p>
-                      <a:pPr marL="0" indent="0" algn="ctr">
-                        <a:buNone/>
-                      </a:pPr>
-                      <a:r>
-                        <a:rPr lang="en-US" altLang="ko-KR" sz="1500" b="1" dirty="0">
-                          <a:latin typeface="나눔스퀘어OTF" panose="020B0600000101010101" pitchFamily="34" charset="-127"/>
-                          <a:ea typeface="나눔스퀘어OTF" panose="020B0600000101010101" pitchFamily="34" charset="-127"/>
-                        </a:rPr>
-                        <a:t>PT</a:t>
-                      </a:r>
-                      <a:r>
-                        <a:rPr lang="ko-KR" altLang="en-US" sz="1500" b="1" dirty="0">
-                          <a:latin typeface="나눔스퀘어OTF" panose="020B0600000101010101" pitchFamily="34" charset="-127"/>
-                          <a:ea typeface="나눔스퀘어OTF" panose="020B0600000101010101" pitchFamily="34" charset="-127"/>
-                        </a:rPr>
-                        <a:t> </a:t>
-                      </a:r>
-                      <a:r>
-                        <a:rPr lang="ko-KR" altLang="en-US" sz="1500" b="1" dirty="0" err="1">
-                          <a:latin typeface="나눔스퀘어OTF" panose="020B0600000101010101" pitchFamily="34" charset="-127"/>
-                          <a:ea typeface="나눔스퀘어OTF" panose="020B0600000101010101" pitchFamily="34" charset="-127"/>
-                        </a:rPr>
-                        <a:t>챗봇</a:t>
-                      </a:r>
-                      <a:endParaRPr lang="en-US" altLang="ko-KR" sz="1500" b="1" dirty="0">
-                        <a:latin typeface="나눔스퀘어OTF" panose="020B0600000101010101" pitchFamily="34" charset="-127"/>
-                        <a:ea typeface="나눔스퀘어OTF" panose="020B0600000101010101" pitchFamily="34" charset="-127"/>
-                      </a:endParaRPr>
-                    </a:p>
-                  </a:txBody>
-                  <a:tcPr anchor="ctr"/>
-                </a:tc>
-                <a:tc>
-                  <a:txBody>
-                    <a:bodyPr/>
-                    <a:lstStyle/>
-                    <a:p>
                       <a:pPr algn="ctr" latinLnBrk="1"/>
                       <a:r>
-                        <a:rPr lang="en-US" altLang="ko-KR" sz="1500" b="1" dirty="0">
+                        <a:rPr lang="en-US" altLang="ko-KR" sz="1500" b="0" dirty="0">
                           <a:solidFill>
                             <a:schemeClr val="tx1"/>
                           </a:solidFill>
                           <a:latin typeface="나눔스퀘어OTF" panose="020B0600000101010101" pitchFamily="34" charset="-127"/>
                           <a:ea typeface="나눔스퀘어OTF" panose="020B0600000101010101" pitchFamily="34" charset="-127"/>
                         </a:rPr>
-                        <a:t>2</a:t>
+                        <a:t>1</a:t>
                       </a:r>
                       <a:r>
-                        <a:rPr lang="ko-KR" altLang="en-US" sz="1500" b="1" dirty="0">
+                        <a:rPr lang="ko-KR" altLang="en-US" sz="1500" b="0" dirty="0">
                           <a:solidFill>
                             <a:schemeClr val="tx1"/>
                           </a:solidFill>
@@ -13949,11 +14046,11 @@
                 </a:tc>
                 <a:extLst>
                   <a:ext uri="{0D108BD9-81ED-4DB2-BD59-A6C34878D82A}">
-                    <a16:rowId xmlns:a16="http://schemas.microsoft.com/office/drawing/2014/main" val="1332577370"/>
+                    <a16:rowId xmlns:a16="http://schemas.microsoft.com/office/drawing/2014/main" val="2910346255"/>
                   </a:ext>
                 </a:extLst>
               </a:tr>
-              <a:tr h="1210173">
+              <a:tr h="923308">
                 <a:tc>
                   <a:txBody>
                     <a:bodyPr/>
@@ -13987,20 +14084,13 @@
                         <a:buNone/>
                       </a:pPr>
                       <a:r>
-                        <a:rPr lang="ko-KR" altLang="en-US" sz="1500" b="1" dirty="0" err="1">
+                        <a:rPr lang="ko-KR" altLang="en-US" sz="1500" b="0" dirty="0" err="1">
                           <a:latin typeface="나눔스퀘어OTF" panose="020B0600000101010101" pitchFamily="34" charset="-127"/>
                           <a:ea typeface="나눔스퀘어OTF" panose="020B0600000101010101" pitchFamily="34" charset="-127"/>
                         </a:rPr>
                         <a:t>첼린지</a:t>
                       </a:r>
-                      <a:r>
-                        <a:rPr lang="ko-KR" altLang="en-US" sz="1500" b="1" dirty="0">
-                          <a:latin typeface="나눔스퀘어OTF" panose="020B0600000101010101" pitchFamily="34" charset="-127"/>
-                          <a:ea typeface="나눔스퀘어OTF" panose="020B0600000101010101" pitchFamily="34" charset="-127"/>
-                        </a:rPr>
-                        <a:t> 페이지</a:t>
-                      </a:r>
-                      <a:endParaRPr lang="en-US" altLang="ko-KR" sz="1500" b="1" dirty="0">
+                      <a:endParaRPr lang="en-US" altLang="ko-KR" sz="1500" b="0" dirty="0">
                         <a:latin typeface="나눔스퀘어OTF" panose="020B0600000101010101" pitchFamily="34" charset="-127"/>
                         <a:ea typeface="나눔스퀘어OTF" panose="020B0600000101010101" pitchFamily="34" charset="-127"/>
                       </a:endParaRPr>
@@ -14010,95 +14100,11 @@
                         <a:buNone/>
                       </a:pPr>
                       <a:r>
-                        <a:rPr lang="en-US" altLang="ko-KR" sz="1200" b="0" dirty="0">
+                        <a:rPr lang="ko-KR" altLang="en-US" sz="1500" b="0" dirty="0">
                           <a:latin typeface="나눔스퀘어OTF" panose="020B0600000101010101" pitchFamily="34" charset="-127"/>
                           <a:ea typeface="나눔스퀘어OTF" panose="020B0600000101010101" pitchFamily="34" charset="-127"/>
                         </a:rPr>
-                        <a:t>(</a:t>
-                      </a:r>
-                      <a:r>
-                        <a:rPr lang="ko-KR" altLang="en-US" sz="1200" b="0" dirty="0">
-                          <a:latin typeface="나눔스퀘어OTF" panose="020B0600000101010101" pitchFamily="34" charset="-127"/>
-                          <a:ea typeface="나눔스퀘어OTF" panose="020B0600000101010101" pitchFamily="34" charset="-127"/>
-                        </a:rPr>
-                        <a:t>생성</a:t>
-                      </a:r>
-                      <a:r>
-                        <a:rPr lang="en-US" altLang="ko-KR" sz="1200" b="0" dirty="0">
-                          <a:latin typeface="나눔스퀘어OTF" panose="020B0600000101010101" pitchFamily="34" charset="-127"/>
-                          <a:ea typeface="나눔스퀘어OTF" panose="020B0600000101010101" pitchFamily="34" charset="-127"/>
-                        </a:rPr>
-                        <a:t>, </a:t>
-                      </a:r>
-                      <a:r>
-                        <a:rPr lang="ko-KR" altLang="en-US" sz="1200" b="0" dirty="0">
-                          <a:latin typeface="나눔스퀘어OTF" panose="020B0600000101010101" pitchFamily="34" charset="-127"/>
-                          <a:ea typeface="나눔스퀘어OTF" panose="020B0600000101010101" pitchFamily="34" charset="-127"/>
-                        </a:rPr>
-                        <a:t>검색</a:t>
-                      </a:r>
-                      <a:r>
-                        <a:rPr lang="en-US" altLang="ko-KR" sz="1200" b="0" dirty="0">
-                          <a:latin typeface="나눔스퀘어OTF" panose="020B0600000101010101" pitchFamily="34" charset="-127"/>
-                          <a:ea typeface="나눔스퀘어OTF" panose="020B0600000101010101" pitchFamily="34" charset="-127"/>
-                        </a:rPr>
-                        <a:t>)</a:t>
-                      </a:r>
-                    </a:p>
-                    <a:p>
-                      <a:pPr marL="0" indent="0" algn="ctr">
-                        <a:buNone/>
-                      </a:pPr>
-                      <a:r>
-                        <a:rPr lang="ko-KR" altLang="en-US" sz="1500" b="1" dirty="0">
-                          <a:latin typeface="나눔스퀘어OTF" panose="020B0600000101010101" pitchFamily="34" charset="-127"/>
-                          <a:ea typeface="나눔스퀘어OTF" panose="020B0600000101010101" pitchFamily="34" charset="-127"/>
-                        </a:rPr>
-                        <a:t>스토어 페이지</a:t>
-                      </a:r>
-                      <a:endParaRPr lang="en-US" altLang="ko-KR" sz="1500" b="1" dirty="0">
-                        <a:latin typeface="나눔스퀘어OTF" panose="020B0600000101010101" pitchFamily="34" charset="-127"/>
-                        <a:ea typeface="나눔스퀘어OTF" panose="020B0600000101010101" pitchFamily="34" charset="-127"/>
-                      </a:endParaRPr>
-                    </a:p>
-                    <a:p>
-                      <a:pPr marL="0" indent="0" algn="ctr">
-                        <a:buNone/>
-                      </a:pPr>
-                      <a:r>
-                        <a:rPr lang="en-US" altLang="ko-KR" sz="1200" b="0" dirty="0">
-                          <a:latin typeface="나눔스퀘어OTF" panose="020B0600000101010101" pitchFamily="34" charset="-127"/>
-                          <a:ea typeface="나눔스퀘어OTF" panose="020B0600000101010101" pitchFamily="34" charset="-127"/>
-                        </a:rPr>
-                        <a:t>(</a:t>
-                      </a:r>
-                      <a:r>
-                        <a:rPr lang="ko-KR" altLang="en-US" sz="1200" b="0" dirty="0">
-                          <a:latin typeface="나눔스퀘어OTF" panose="020B0600000101010101" pitchFamily="34" charset="-127"/>
-                          <a:ea typeface="나눔스퀘어OTF" panose="020B0600000101010101" pitchFamily="34" charset="-127"/>
-                        </a:rPr>
-                        <a:t>게시물 </a:t>
-                      </a:r>
-                      <a:r>
-                        <a:rPr lang="en-US" altLang="ko-KR" sz="1200" b="0" dirty="0">
-                          <a:latin typeface="나눔스퀘어OTF" panose="020B0600000101010101" pitchFamily="34" charset="-127"/>
-                          <a:ea typeface="나눔스퀘어OTF" panose="020B0600000101010101" pitchFamily="34" charset="-127"/>
-                        </a:rPr>
-                        <a:t>3~5</a:t>
-                      </a:r>
-                      <a:r>
-                        <a:rPr lang="ko-KR" altLang="en-US" sz="1200" b="0" dirty="0">
-                          <a:latin typeface="나눔스퀘어OTF" panose="020B0600000101010101" pitchFamily="34" charset="-127"/>
-                          <a:ea typeface="나눔스퀘어OTF" panose="020B0600000101010101" pitchFamily="34" charset="-127"/>
-                        </a:rPr>
-                        <a:t>건</a:t>
-                      </a:r>
-                      <a:r>
-                        <a:rPr lang="en-US" altLang="ko-KR" sz="1200" b="0" dirty="0">
-                          <a:latin typeface="나눔스퀘어OTF" panose="020B0600000101010101" pitchFamily="34" charset="-127"/>
-                          <a:ea typeface="나눔스퀘어OTF" panose="020B0600000101010101" pitchFamily="34" charset="-127"/>
-                        </a:rPr>
-                        <a:t>)</a:t>
+                        <a:t>스토어</a:t>
                       </a:r>
                       <a:endParaRPr lang="en-US" altLang="ko-KR" sz="1500" b="0" dirty="0">
                         <a:latin typeface="나눔스퀘어OTF" panose="020B0600000101010101" pitchFamily="34" charset="-127"/>
@@ -14131,19 +14137,26 @@
                         <a:defRPr/>
                       </a:pPr>
                       <a:r>
-                        <a:rPr lang="ko-KR" altLang="en-US" sz="1500" b="1" dirty="0">
+                        <a:rPr lang="ko-KR" altLang="en-US" sz="1500" b="0" dirty="0">
                           <a:latin typeface="나눔스퀘어OTF" panose="020B0600000101010101" pitchFamily="34" charset="-127"/>
                           <a:ea typeface="나눔스퀘어OTF" panose="020B0600000101010101" pitchFamily="34" charset="-127"/>
                         </a:rPr>
-                        <a:t>챌린지 시스템</a:t>
+                        <a:t>챌린지 </a:t>
                       </a:r>
                       <a:r>
-                        <a:rPr lang="en-US" altLang="ko-KR" sz="1500" b="1" dirty="0">
+                        <a:rPr lang="en-US" altLang="ko-KR" sz="1500" b="0" dirty="0">
+                          <a:solidFill>
+                            <a:schemeClr val="tx1"/>
+                          </a:solidFill>
                           <a:latin typeface="나눔스퀘어OTF" panose="020B0600000101010101" pitchFamily="34" charset="-127"/>
                           <a:ea typeface="나눔스퀘어OTF" panose="020B0600000101010101" pitchFamily="34" charset="-127"/>
                         </a:rPr>
-                        <a:t>, DB</a:t>
+                        <a:t>DBMS</a:t>
                       </a:r>
+                      <a:endParaRPr lang="en-US" altLang="ko-KR" sz="1500" b="0" dirty="0">
+                        <a:latin typeface="나눔스퀘어OTF" panose="020B0600000101010101" pitchFamily="34" charset="-127"/>
+                        <a:ea typeface="나눔스퀘어OTF" panose="020B0600000101010101" pitchFamily="34" charset="-127"/>
+                      </a:endParaRPr>
                     </a:p>
                     <a:p>
                       <a:pPr marL="0" marR="0" lvl="0" indent="0" algn="ctr" defTabSz="914400" rtl="0" eaLnBrk="1" fontAlgn="auto" latinLnBrk="1" hangingPunct="1">
@@ -14164,49 +14177,49 @@
                         <a:defRPr/>
                       </a:pPr>
                       <a:r>
-                        <a:rPr lang="en-US" altLang="ko-KR" sz="1200" b="0" dirty="0">
+                        <a:rPr lang="en-US" altLang="ko-KR" sz="1500" b="0" dirty="0">
                           <a:latin typeface="나눔스퀘어OTF" panose="020B0600000101010101" pitchFamily="34" charset="-127"/>
                           <a:ea typeface="나눔스퀘어OTF" panose="020B0600000101010101" pitchFamily="34" charset="-127"/>
                         </a:rPr>
                         <a:t>(</a:t>
                       </a:r>
                       <a:r>
-                        <a:rPr lang="ko-KR" altLang="en-US" sz="1200" b="0" dirty="0" err="1">
+                        <a:rPr lang="ko-KR" altLang="en-US" sz="1500" b="0" dirty="0" err="1">
                           <a:latin typeface="나눔스퀘어OTF" panose="020B0600000101010101" pitchFamily="34" charset="-127"/>
                           <a:ea typeface="나눔스퀘어OTF" panose="020B0600000101010101" pitchFamily="34" charset="-127"/>
                         </a:rPr>
                         <a:t>오운완</a:t>
                       </a:r>
                       <a:r>
-                        <a:rPr lang="en-US" altLang="ko-KR" sz="1200" b="0" dirty="0">
+                        <a:rPr lang="en-US" altLang="ko-KR" sz="1500" b="0" dirty="0">
                           <a:latin typeface="나눔스퀘어OTF" panose="020B0600000101010101" pitchFamily="34" charset="-127"/>
                           <a:ea typeface="나눔스퀘어OTF" panose="020B0600000101010101" pitchFamily="34" charset="-127"/>
                         </a:rPr>
                         <a:t>, </a:t>
                       </a:r>
                       <a:r>
-                        <a:rPr lang="ko-KR" altLang="en-US" sz="1200" b="0" dirty="0">
+                        <a:rPr lang="ko-KR" altLang="en-US" sz="1500" b="0" dirty="0">
                           <a:latin typeface="나눔스퀘어OTF" panose="020B0600000101010101" pitchFamily="34" charset="-127"/>
                           <a:ea typeface="나눔스퀘어OTF" panose="020B0600000101010101" pitchFamily="34" charset="-127"/>
                         </a:rPr>
                         <a:t>챌린지 참가</a:t>
                       </a:r>
                       <a:r>
-                        <a:rPr lang="en-US" altLang="ko-KR" sz="1200" b="0" dirty="0">
+                        <a:rPr lang="en-US" altLang="ko-KR" sz="1500" b="0" dirty="0">
                           <a:latin typeface="나눔스퀘어OTF" panose="020B0600000101010101" pitchFamily="34" charset="-127"/>
                           <a:ea typeface="나눔스퀘어OTF" panose="020B0600000101010101" pitchFamily="34" charset="-127"/>
                         </a:rPr>
                         <a:t>, </a:t>
                       </a:r>
                       <a:r>
-                        <a:rPr lang="ko-KR" altLang="en-US" sz="1200" b="0" dirty="0">
+                        <a:rPr lang="ko-KR" altLang="en-US" sz="1500" b="0" dirty="0">
                           <a:latin typeface="나눔스퀘어OTF" panose="020B0600000101010101" pitchFamily="34" charset="-127"/>
                           <a:ea typeface="나눔스퀘어OTF" panose="020B0600000101010101" pitchFamily="34" charset="-127"/>
                         </a:rPr>
                         <a:t>성공 보상</a:t>
                       </a:r>
                       <a:r>
-                        <a:rPr lang="en-US" altLang="ko-KR" sz="1200" b="0" dirty="0">
+                        <a:rPr lang="en-US" altLang="ko-KR" sz="1500" b="0" dirty="0">
                           <a:latin typeface="나눔스퀘어OTF" panose="020B0600000101010101" pitchFamily="34" charset="-127"/>
                           <a:ea typeface="나눔스퀘어OTF" panose="020B0600000101010101" pitchFamily="34" charset="-127"/>
                         </a:rPr>
@@ -14223,17 +14236,17 @@
                     <a:p>
                       <a:pPr algn="ctr" latinLnBrk="1"/>
                       <a:r>
-                        <a:rPr lang="en-US" altLang="ko-KR" sz="1500" b="1" dirty="0">
+                        <a:rPr lang="en-US" altLang="ko-KR" sz="1500" b="0" dirty="0">
                           <a:solidFill>
                             <a:schemeClr val="tx1"/>
                           </a:solidFill>
                           <a:latin typeface="나눔스퀘어OTF" panose="020B0600000101010101" pitchFamily="34" charset="-127"/>
                           <a:ea typeface="나눔스퀘어OTF" panose="020B0600000101010101" pitchFamily="34" charset="-127"/>
                         </a:rPr>
-                        <a:t>2</a:t>
+                        <a:t>1</a:t>
                       </a:r>
                       <a:r>
-                        <a:rPr lang="ko-KR" altLang="en-US" sz="1500" b="1" dirty="0">
+                        <a:rPr lang="ko-KR" altLang="en-US" sz="1500" b="0" dirty="0">
                           <a:solidFill>
                             <a:schemeClr val="tx1"/>
                           </a:solidFill>
@@ -14248,7 +14261,7 @@
                 </a:tc>
                 <a:extLst>
                   <a:ext uri="{0D108BD9-81ED-4DB2-BD59-A6C34878D82A}">
-                    <a16:rowId xmlns:a16="http://schemas.microsoft.com/office/drawing/2014/main" val="2910346255"/>
+                    <a16:rowId xmlns:a16="http://schemas.microsoft.com/office/drawing/2014/main" val="894817078"/>
                   </a:ext>
                 </a:extLst>
               </a:tr>

--- a/Doc/프로젝트발표.pptx
+++ b/Doc/프로젝트발표.pptx
@@ -6,14 +6,16 @@
   </p:sldMasterIdLst>
   <p:sldIdLst>
     <p:sldId id="256" r:id="rId2"/>
-    <p:sldId id="257" r:id="rId3"/>
-    <p:sldId id="258" r:id="rId4"/>
-    <p:sldId id="267" r:id="rId5"/>
-    <p:sldId id="268" r:id="rId6"/>
-    <p:sldId id="260" r:id="rId7"/>
-    <p:sldId id="263" r:id="rId8"/>
-    <p:sldId id="271" r:id="rId9"/>
-    <p:sldId id="269" r:id="rId10"/>
+    <p:sldId id="275" r:id="rId3"/>
+    <p:sldId id="257" r:id="rId4"/>
+    <p:sldId id="258" r:id="rId5"/>
+    <p:sldId id="267" r:id="rId6"/>
+    <p:sldId id="268" r:id="rId7"/>
+    <p:sldId id="260" r:id="rId8"/>
+    <p:sldId id="263" r:id="rId9"/>
+    <p:sldId id="276" r:id="rId10"/>
+    <p:sldId id="271" r:id="rId11"/>
+    <p:sldId id="269" r:id="rId12"/>
   </p:sldIdLst>
   <p:sldSz cx="12192000" cy="6858000"/>
   <p:notesSz cx="6858000" cy="9144000"/>
@@ -940,7 +942,7 @@
           <a:p>
             <a:fld id="{4BF4DD58-F10B-47C8-B4E4-57EE29696E08}" type="datetimeFigureOut">
               <a:rPr lang="ko-KR" altLang="en-US" smtClean="0"/>
-              <a:t>2024-03-13</a:t>
+              <a:t>2024-03-14</a:t>
             </a:fld>
             <a:endParaRPr lang="ko-KR" altLang="en-US"/>
           </a:p>
@@ -1138,7 +1140,7 @@
           <a:p>
             <a:fld id="{4BF4DD58-F10B-47C8-B4E4-57EE29696E08}" type="datetimeFigureOut">
               <a:rPr lang="ko-KR" altLang="en-US" smtClean="0"/>
-              <a:t>2024-03-13</a:t>
+              <a:t>2024-03-14</a:t>
             </a:fld>
             <a:endParaRPr lang="ko-KR" altLang="en-US"/>
           </a:p>
@@ -1346,7 +1348,7 @@
           <a:p>
             <a:fld id="{4BF4DD58-F10B-47C8-B4E4-57EE29696E08}" type="datetimeFigureOut">
               <a:rPr lang="ko-KR" altLang="en-US" smtClean="0"/>
-              <a:t>2024-03-13</a:t>
+              <a:t>2024-03-14</a:t>
             </a:fld>
             <a:endParaRPr lang="ko-KR" altLang="en-US"/>
           </a:p>
@@ -1544,7 +1546,7 @@
           <a:p>
             <a:fld id="{4BF4DD58-F10B-47C8-B4E4-57EE29696E08}" type="datetimeFigureOut">
               <a:rPr lang="ko-KR" altLang="en-US" smtClean="0"/>
-              <a:t>2024-03-13</a:t>
+              <a:t>2024-03-14</a:t>
             </a:fld>
             <a:endParaRPr lang="ko-KR" altLang="en-US"/>
           </a:p>
@@ -1819,7 +1821,7 @@
           <a:p>
             <a:fld id="{4BF4DD58-F10B-47C8-B4E4-57EE29696E08}" type="datetimeFigureOut">
               <a:rPr lang="ko-KR" altLang="en-US" smtClean="0"/>
-              <a:t>2024-03-13</a:t>
+              <a:t>2024-03-14</a:t>
             </a:fld>
             <a:endParaRPr lang="ko-KR" altLang="en-US"/>
           </a:p>
@@ -2084,7 +2086,7 @@
           <a:p>
             <a:fld id="{4BF4DD58-F10B-47C8-B4E4-57EE29696E08}" type="datetimeFigureOut">
               <a:rPr lang="ko-KR" altLang="en-US" smtClean="0"/>
-              <a:t>2024-03-13</a:t>
+              <a:t>2024-03-14</a:t>
             </a:fld>
             <a:endParaRPr lang="ko-KR" altLang="en-US"/>
           </a:p>
@@ -2496,7 +2498,7 @@
           <a:p>
             <a:fld id="{4BF4DD58-F10B-47C8-B4E4-57EE29696E08}" type="datetimeFigureOut">
               <a:rPr lang="ko-KR" altLang="en-US" smtClean="0"/>
-              <a:t>2024-03-13</a:t>
+              <a:t>2024-03-14</a:t>
             </a:fld>
             <a:endParaRPr lang="ko-KR" altLang="en-US"/>
           </a:p>
@@ -2637,7 +2639,7 @@
           <a:p>
             <a:fld id="{4BF4DD58-F10B-47C8-B4E4-57EE29696E08}" type="datetimeFigureOut">
               <a:rPr lang="ko-KR" altLang="en-US" smtClean="0"/>
-              <a:t>2024-03-13</a:t>
+              <a:t>2024-03-14</a:t>
             </a:fld>
             <a:endParaRPr lang="ko-KR" altLang="en-US"/>
           </a:p>
@@ -2750,7 +2752,7 @@
           <a:p>
             <a:fld id="{4BF4DD58-F10B-47C8-B4E4-57EE29696E08}" type="datetimeFigureOut">
               <a:rPr lang="ko-KR" altLang="en-US" smtClean="0"/>
-              <a:t>2024-03-13</a:t>
+              <a:t>2024-03-14</a:t>
             </a:fld>
             <a:endParaRPr lang="ko-KR" altLang="en-US"/>
           </a:p>
@@ -3061,7 +3063,7 @@
           <a:p>
             <a:fld id="{4BF4DD58-F10B-47C8-B4E4-57EE29696E08}" type="datetimeFigureOut">
               <a:rPr lang="ko-KR" altLang="en-US" smtClean="0"/>
-              <a:t>2024-03-13</a:t>
+              <a:t>2024-03-14</a:t>
             </a:fld>
             <a:endParaRPr lang="ko-KR" altLang="en-US"/>
           </a:p>
@@ -3349,7 +3351,7 @@
           <a:p>
             <a:fld id="{4BF4DD58-F10B-47C8-B4E4-57EE29696E08}" type="datetimeFigureOut">
               <a:rPr lang="ko-KR" altLang="en-US" smtClean="0"/>
-              <a:t>2024-03-13</a:t>
+              <a:t>2024-03-14</a:t>
             </a:fld>
             <a:endParaRPr lang="ko-KR" altLang="en-US"/>
           </a:p>
@@ -3593,7 +3595,7 @@
             <a:fld id="{4BF4DD58-F10B-47C8-B4E4-57EE29696E08}" type="datetimeFigureOut">
               <a:rPr lang="ko-KR" altLang="en-US" smtClean="0"/>
               <a:pPr/>
-              <a:t>2024-03-13</a:t>
+              <a:t>2024-03-14</a:t>
             </a:fld>
             <a:endParaRPr lang="ko-KR" altLang="en-US" dirty="0"/>
           </a:p>
@@ -4153,14 +4155,14 @@
           <a:lstStyle/>
           <a:p>
             <a:r>
-              <a:rPr lang="en-US" altLang="ko-KR" b="1" dirty="0" err="1">
+              <a:rPr lang="en-US" altLang="ko-KR" b="1" dirty="0">
                 <a:solidFill>
                   <a:srgbClr val="FFFFFF"/>
                 </a:solidFill>
                 <a:latin typeface="나눔고딕OTF ExtraBold" panose="020D0904000000000000" pitchFamily="34" charset="-127"/>
                 <a:ea typeface="나눔고딕OTF ExtraBold" panose="020D0904000000000000" pitchFamily="34" charset="-127"/>
               </a:rPr>
-              <a:t>HomePT</a:t>
+              <a:t>HomePT.ai</a:t>
             </a:r>
             <a:endParaRPr lang="ko-KR" altLang="en-US" b="1" dirty="0">
               <a:solidFill>
@@ -4432,7 +4434,909 @@
 </p:sld>
 </file>
 
+<file path=ppt/slides/slide10.xml><?xml version="1.0" encoding="utf-8"?>
+<p:sld xmlns:a="http://schemas.openxmlformats.org/drawingml/2006/main" xmlns:r="http://schemas.openxmlformats.org/officeDocument/2006/relationships" xmlns:p="http://schemas.openxmlformats.org/presentationml/2006/main">
+  <p:cSld>
+    <p:spTree>
+      <p:nvGrpSpPr>
+        <p:cNvPr id="1" name=""/>
+        <p:cNvGrpSpPr/>
+        <p:nvPr/>
+      </p:nvGrpSpPr>
+      <p:grpSpPr>
+        <a:xfrm>
+          <a:off x="0" y="0"/>
+          <a:ext cx="0" cy="0"/>
+          <a:chOff x="0" y="0"/>
+          <a:chExt cx="0" cy="0"/>
+        </a:xfrm>
+      </p:grpSpPr>
+      <p:sp>
+        <p:nvSpPr>
+          <p:cNvPr id="2" name="제목 1">
+            <a:extLst>
+              <a:ext uri="{FF2B5EF4-FFF2-40B4-BE49-F238E27FC236}">
+                <a16:creationId xmlns:a16="http://schemas.microsoft.com/office/drawing/2014/main" id="{D0D16B3C-66E0-7672-3C43-7125F2543FEC}"/>
+              </a:ext>
+            </a:extLst>
+          </p:cNvPr>
+          <p:cNvSpPr>
+            <a:spLocks noGrp="1"/>
+          </p:cNvSpPr>
+          <p:nvPr>
+            <p:ph type="title"/>
+          </p:nvPr>
+        </p:nvSpPr>
+        <p:spPr/>
+        <p:txBody>
+          <a:bodyPr/>
+          <a:lstStyle/>
+          <a:p>
+            <a:r>
+              <a:rPr lang="ko-KR" altLang="en-US" b="1" dirty="0"/>
+              <a:t>스케쥴</a:t>
+            </a:r>
+          </a:p>
+        </p:txBody>
+      </p:sp>
+      <p:sp>
+        <p:nvSpPr>
+          <p:cNvPr id="3" name="내용 개체 틀 2">
+            <a:extLst>
+              <a:ext uri="{FF2B5EF4-FFF2-40B4-BE49-F238E27FC236}">
+                <a16:creationId xmlns:a16="http://schemas.microsoft.com/office/drawing/2014/main" id="{764CB408-6C11-57D4-A2B7-33465D830F6D}"/>
+              </a:ext>
+            </a:extLst>
+          </p:cNvPr>
+          <p:cNvSpPr>
+            <a:spLocks noGrp="1"/>
+          </p:cNvSpPr>
+          <p:nvPr>
+            <p:ph idx="1"/>
+          </p:nvPr>
+        </p:nvSpPr>
+        <p:spPr>
+          <a:xfrm>
+            <a:off x="913435" y="1790901"/>
+            <a:ext cx="10515600" cy="4351338"/>
+          </a:xfrm>
+        </p:spPr>
+        <p:txBody>
+          <a:bodyPr>
+            <a:normAutofit/>
+          </a:bodyPr>
+          <a:lstStyle/>
+          <a:p>
+            <a:r>
+              <a:rPr lang="en-US" altLang="ko-KR" b="1" dirty="0"/>
+              <a:t>3/15 </a:t>
+            </a:r>
+            <a:r>
+              <a:rPr lang="ko-KR" altLang="en-US" b="1" dirty="0"/>
+              <a:t>시작 발표</a:t>
+            </a:r>
+            <a:endParaRPr lang="en-US" altLang="ko-KR" b="1" dirty="0"/>
+          </a:p>
+          <a:p>
+            <a:r>
+              <a:rPr lang="en-US" altLang="ko-KR" b="1" dirty="0"/>
+              <a:t>~4/2 </a:t>
+            </a:r>
+            <a:r>
+              <a:rPr lang="ko-KR" altLang="en-US" b="1" dirty="0"/>
+              <a:t>역할별 세부 설계 및 사전 학습 </a:t>
+            </a:r>
+            <a:endParaRPr lang="en-US" altLang="ko-KR" b="1" dirty="0"/>
+          </a:p>
+          <a:p>
+            <a:r>
+              <a:rPr lang="en-US" altLang="ko-KR" b="1" dirty="0">
+                <a:solidFill>
+                  <a:srgbClr val="C00000"/>
+                </a:solidFill>
+              </a:rPr>
+              <a:t>4/3 ~ 4/17 </a:t>
+            </a:r>
+            <a:r>
+              <a:rPr lang="ko-KR" altLang="en-US" b="1" dirty="0">
+                <a:solidFill>
+                  <a:srgbClr val="C00000"/>
+                </a:solidFill>
+              </a:rPr>
+              <a:t>역할별 개발</a:t>
+            </a:r>
+            <a:endParaRPr lang="en-US" altLang="ko-KR" b="1" dirty="0">
+              <a:solidFill>
+                <a:srgbClr val="C00000"/>
+              </a:solidFill>
+            </a:endParaRPr>
+          </a:p>
+          <a:p>
+            <a:r>
+              <a:rPr lang="en-US" altLang="ko-KR" b="1" dirty="0">
+                <a:solidFill>
+                  <a:srgbClr val="C00000"/>
+                </a:solidFill>
+              </a:rPr>
+              <a:t>4/18 ~ 24 </a:t>
+            </a:r>
+            <a:r>
+              <a:rPr lang="ko-KR" altLang="en-US" b="1" dirty="0">
+                <a:solidFill>
+                  <a:srgbClr val="C00000"/>
+                </a:solidFill>
+              </a:rPr>
+              <a:t>통합 및 내부 테스트 </a:t>
+            </a:r>
+            <a:endParaRPr lang="en-US" altLang="ko-KR" b="1" dirty="0">
+              <a:solidFill>
+                <a:srgbClr val="C00000"/>
+              </a:solidFill>
+            </a:endParaRPr>
+          </a:p>
+          <a:p>
+            <a:r>
+              <a:rPr lang="en-US" altLang="ko-KR" b="1" dirty="0"/>
+              <a:t>4/25 ~ 5/2 </a:t>
+            </a:r>
+            <a:r>
+              <a:rPr lang="ko-KR" altLang="en-US" b="1" dirty="0"/>
+              <a:t>배포 </a:t>
+            </a:r>
+            <a:r>
+              <a:rPr lang="en-US" altLang="ko-KR" b="1" dirty="0"/>
+              <a:t>(CBT)</a:t>
+            </a:r>
+            <a:r>
+              <a:rPr lang="ko-KR" altLang="en-US" b="1" dirty="0"/>
+              <a:t> 및 불량 개선</a:t>
+            </a:r>
+            <a:endParaRPr lang="en-US" altLang="ko-KR" b="1" dirty="0"/>
+          </a:p>
+          <a:p>
+            <a:r>
+              <a:rPr lang="en-US" altLang="ko-KR" b="1" dirty="0"/>
+              <a:t>5/3 </a:t>
+            </a:r>
+            <a:r>
+              <a:rPr lang="ko-KR" altLang="en-US" b="1" dirty="0"/>
+              <a:t>종료 발표</a:t>
+            </a:r>
+            <a:endParaRPr lang="en-US" altLang="ko-KR" b="1" dirty="0"/>
+          </a:p>
+        </p:txBody>
+      </p:sp>
+    </p:spTree>
+    <p:extLst>
+      <p:ext uri="{BB962C8B-B14F-4D97-AF65-F5344CB8AC3E}">
+        <p14:creationId xmlns:p14="http://schemas.microsoft.com/office/powerpoint/2010/main" val="2656035446"/>
+      </p:ext>
+    </p:extLst>
+  </p:cSld>
+  <p:clrMapOvr>
+    <a:masterClrMapping/>
+  </p:clrMapOvr>
+</p:sld>
+</file>
+
+<file path=ppt/slides/slide11.xml><?xml version="1.0" encoding="utf-8"?>
+<p:sld xmlns:a="http://schemas.openxmlformats.org/drawingml/2006/main" xmlns:r="http://schemas.openxmlformats.org/officeDocument/2006/relationships" xmlns:p="http://schemas.openxmlformats.org/presentationml/2006/main">
+  <p:cSld>
+    <p:spTree>
+      <p:nvGrpSpPr>
+        <p:cNvPr id="1" name=""/>
+        <p:cNvGrpSpPr/>
+        <p:nvPr/>
+      </p:nvGrpSpPr>
+      <p:grpSpPr>
+        <a:xfrm>
+          <a:off x="0" y="0"/>
+          <a:ext cx="0" cy="0"/>
+          <a:chOff x="0" y="0"/>
+          <a:chExt cx="0" cy="0"/>
+        </a:xfrm>
+      </p:grpSpPr>
+      <p:pic>
+        <p:nvPicPr>
+          <p:cNvPr id="6" name="그림 5" descr="의류, 사람, 무릎, 허벅지이(가) 표시된 사진&#10;&#10;자동 생성된 설명">
+            <a:extLst>
+              <a:ext uri="{FF2B5EF4-FFF2-40B4-BE49-F238E27FC236}">
+                <a16:creationId xmlns:a16="http://schemas.microsoft.com/office/drawing/2014/main" id="{6A60B0FC-8D79-2518-1B0C-E1FB8771DFB4}"/>
+              </a:ext>
+            </a:extLst>
+          </p:cNvPr>
+          <p:cNvPicPr>
+            <a:picLocks noChangeAspect="1"/>
+          </p:cNvPicPr>
+          <p:nvPr/>
+        </p:nvPicPr>
+        <p:blipFill rotWithShape="1">
+          <a:blip r:embed="rId2">
+            <a:alphaModFix amt="50000"/>
+            <a:extLst>
+              <a:ext uri="{28A0092B-C50C-407E-A947-70E740481C1C}">
+                <a14:useLocalDpi xmlns:a14="http://schemas.microsoft.com/office/drawing/2010/main" val="0"/>
+              </a:ext>
+            </a:extLst>
+          </a:blip>
+          <a:srcRect t="28174" b="15576"/>
+          <a:stretch/>
+        </p:blipFill>
+        <p:spPr>
+          <a:xfrm>
+            <a:off x="20" y="1"/>
+            <a:ext cx="12191980" cy="6857999"/>
+          </a:xfrm>
+          <a:prstGeom prst="rect">
+            <a:avLst/>
+          </a:prstGeom>
+        </p:spPr>
+      </p:pic>
+      <p:sp>
+        <p:nvSpPr>
+          <p:cNvPr id="2" name="제목 1">
+            <a:extLst>
+              <a:ext uri="{FF2B5EF4-FFF2-40B4-BE49-F238E27FC236}">
+                <a16:creationId xmlns:a16="http://schemas.microsoft.com/office/drawing/2014/main" id="{150AB167-7031-4E44-8C26-D9ECCBFACDA9}"/>
+              </a:ext>
+            </a:extLst>
+          </p:cNvPr>
+          <p:cNvSpPr>
+            <a:spLocks noGrp="1"/>
+          </p:cNvSpPr>
+          <p:nvPr>
+            <p:ph type="ctrTitle"/>
+          </p:nvPr>
+        </p:nvSpPr>
+        <p:spPr>
+          <a:xfrm>
+            <a:off x="1524000" y="1122362"/>
+            <a:ext cx="9144000" cy="2900518"/>
+          </a:xfrm>
+        </p:spPr>
+        <p:txBody>
+          <a:bodyPr anchor="ctr">
+            <a:normAutofit/>
+          </a:bodyPr>
+          <a:lstStyle/>
+          <a:p>
+            <a:r>
+              <a:rPr lang="ko-KR" altLang="en-US" b="1" dirty="0">
+                <a:solidFill>
+                  <a:srgbClr val="FFFFFF"/>
+                </a:solidFill>
+                <a:latin typeface="나눔고딕OTF ExtraBold" panose="020D0904000000000000" pitchFamily="34" charset="-127"/>
+                <a:ea typeface="나눔고딕OTF ExtraBold" panose="020D0904000000000000" pitchFamily="34" charset="-127"/>
+              </a:rPr>
+              <a:t>감사합니다</a:t>
+            </a:r>
+            <a:r>
+              <a:rPr lang="en-US" altLang="ko-KR" b="1" dirty="0">
+                <a:solidFill>
+                  <a:srgbClr val="FFFFFF"/>
+                </a:solidFill>
+                <a:latin typeface="나눔고딕OTF ExtraBold" panose="020D0904000000000000" pitchFamily="34" charset="-127"/>
+                <a:ea typeface="나눔고딕OTF ExtraBold" panose="020D0904000000000000" pitchFamily="34" charset="-127"/>
+              </a:rPr>
+              <a:t>.</a:t>
+            </a:r>
+            <a:endParaRPr lang="ko-KR" altLang="en-US" b="1" dirty="0">
+              <a:solidFill>
+                <a:srgbClr val="FFFFFF"/>
+              </a:solidFill>
+              <a:latin typeface="나눔고딕OTF ExtraBold" panose="020D0904000000000000" pitchFamily="34" charset="-127"/>
+              <a:ea typeface="나눔고딕OTF ExtraBold" panose="020D0904000000000000" pitchFamily="34" charset="-127"/>
+            </a:endParaRPr>
+          </a:p>
+        </p:txBody>
+      </p:sp>
+      <p:sp>
+        <p:nvSpPr>
+          <p:cNvPr id="3" name="부제목 2">
+            <a:extLst>
+              <a:ext uri="{FF2B5EF4-FFF2-40B4-BE49-F238E27FC236}">
+                <a16:creationId xmlns:a16="http://schemas.microsoft.com/office/drawing/2014/main" id="{4D288020-8836-F9FD-5210-5CFF748F706B}"/>
+              </a:ext>
+            </a:extLst>
+          </p:cNvPr>
+          <p:cNvSpPr>
+            <a:spLocks noGrp="1"/>
+          </p:cNvSpPr>
+          <p:nvPr>
+            <p:ph type="subTitle" idx="1"/>
+          </p:nvPr>
+        </p:nvSpPr>
+        <p:spPr>
+          <a:xfrm>
+            <a:off x="1524000" y="4159404"/>
+            <a:ext cx="9144000" cy="1098395"/>
+          </a:xfrm>
+        </p:spPr>
+        <p:txBody>
+          <a:bodyPr anchor="ctr">
+            <a:normAutofit/>
+          </a:bodyPr>
+          <a:lstStyle/>
+          <a:p>
+            <a:r>
+              <a:rPr lang="ko-KR" altLang="en-US" dirty="0" err="1">
+                <a:solidFill>
+                  <a:srgbClr val="FFFFFF"/>
+                </a:solidFill>
+              </a:rPr>
+              <a:t>홍보람</a:t>
+            </a:r>
+            <a:r>
+              <a:rPr lang="en-US" altLang="ko-KR" dirty="0">
+                <a:solidFill>
+                  <a:srgbClr val="FFFFFF"/>
+                </a:solidFill>
+              </a:rPr>
+              <a:t>, </a:t>
+            </a:r>
+            <a:r>
+              <a:rPr lang="ko-KR" altLang="en-US" dirty="0">
+                <a:solidFill>
+                  <a:srgbClr val="FFFFFF"/>
+                </a:solidFill>
+              </a:rPr>
+              <a:t>김민호</a:t>
+            </a:r>
+            <a:r>
+              <a:rPr lang="en-US" altLang="ko-KR" dirty="0">
+                <a:solidFill>
+                  <a:srgbClr val="FFFFFF"/>
+                </a:solidFill>
+              </a:rPr>
+              <a:t>, </a:t>
+            </a:r>
+            <a:r>
+              <a:rPr lang="ko-KR" altLang="en-US" dirty="0">
+                <a:solidFill>
+                  <a:srgbClr val="FFFFFF"/>
+                </a:solidFill>
+              </a:rPr>
+              <a:t>김진화</a:t>
+            </a:r>
+            <a:r>
+              <a:rPr lang="en-US" altLang="ko-KR" dirty="0">
+                <a:solidFill>
+                  <a:srgbClr val="FFFFFF"/>
+                </a:solidFill>
+              </a:rPr>
+              <a:t>, </a:t>
+            </a:r>
+            <a:r>
+              <a:rPr lang="ko-KR" altLang="en-US" dirty="0">
+                <a:solidFill>
+                  <a:srgbClr val="FFFFFF"/>
+                </a:solidFill>
+              </a:rPr>
+              <a:t>조윤수</a:t>
+            </a:r>
+            <a:r>
+              <a:rPr lang="en-US" altLang="ko-KR" dirty="0">
+                <a:solidFill>
+                  <a:srgbClr val="FFFFFF"/>
+                </a:solidFill>
+              </a:rPr>
+              <a:t>, </a:t>
+            </a:r>
+            <a:r>
+              <a:rPr lang="ko-KR" altLang="en-US" dirty="0" err="1">
+                <a:solidFill>
+                  <a:srgbClr val="FFFFFF"/>
+                </a:solidFill>
+              </a:rPr>
+              <a:t>임채현</a:t>
+            </a:r>
+            <a:endParaRPr lang="ko-KR" altLang="en-US" dirty="0">
+              <a:solidFill>
+                <a:srgbClr val="FFFFFF"/>
+              </a:solidFill>
+            </a:endParaRPr>
+          </a:p>
+        </p:txBody>
+      </p:sp>
+    </p:spTree>
+    <p:extLst>
+      <p:ext uri="{BB962C8B-B14F-4D97-AF65-F5344CB8AC3E}">
+        <p14:creationId xmlns:p14="http://schemas.microsoft.com/office/powerpoint/2010/main" val="263188501"/>
+      </p:ext>
+    </p:extLst>
+  </p:cSld>
+  <p:clrMapOvr>
+    <a:masterClrMapping/>
+  </p:clrMapOvr>
+  <p:timing>
+    <p:tnLst>
+      <p:par>
+        <p:cTn id="1" dur="indefinite" restart="never" nodeType="tmRoot">
+          <p:childTnLst>
+            <p:seq concurrent="1" nextAc="seek">
+              <p:cTn id="2" dur="indefinite" nodeType="mainSeq">
+                <p:childTnLst>
+                  <p:par>
+                    <p:cTn id="3" fill="hold">
+                      <p:stCondLst>
+                        <p:cond delay="indefinite"/>
+                        <p:cond evt="onBegin" delay="0">
+                          <p:tn val="2"/>
+                        </p:cond>
+                      </p:stCondLst>
+                      <p:childTnLst>
+                        <p:par>
+                          <p:cTn id="4" fill="hold">
+                            <p:stCondLst>
+                              <p:cond delay="0"/>
+                            </p:stCondLst>
+                            <p:childTnLst>
+                              <p:par>
+                                <p:cTn id="5" presetID="10" presetClass="entr" presetSubtype="0" fill="hold" grpId="0" nodeType="withEffect">
+                                  <p:stCondLst>
+                                    <p:cond delay="1000"/>
+                                  </p:stCondLst>
+                                  <p:iterate type="lt">
+                                    <p:tmPct val="10000"/>
+                                  </p:iterate>
+                                  <p:childTnLst>
+                                    <p:set>
+                                      <p:cBhvr>
+                                        <p:cTn id="6" dur="1" fill="hold">
+                                          <p:stCondLst>
+                                            <p:cond delay="0"/>
+                                          </p:stCondLst>
+                                        </p:cTn>
+                                        <p:tgtEl>
+                                          <p:spTgt spid="2"/>
+                                        </p:tgtEl>
+                                        <p:attrNameLst>
+                                          <p:attrName>style.visibility</p:attrName>
+                                        </p:attrNameLst>
+                                      </p:cBhvr>
+                                      <p:to>
+                                        <p:strVal val="visible"/>
+                                      </p:to>
+                                    </p:set>
+                                    <p:animEffect transition="in" filter="fade">
+                                      <p:cBhvr>
+                                        <p:cTn id="7" dur="400"/>
+                                        <p:tgtEl>
+                                          <p:spTgt spid="2"/>
+                                        </p:tgtEl>
+                                      </p:cBhvr>
+                                    </p:animEffect>
+                                  </p:childTnLst>
+                                </p:cTn>
+                              </p:par>
+                              <p:par>
+                                <p:cTn id="8" presetID="10" presetClass="entr" presetSubtype="0" fill="hold" grpId="0" nodeType="withEffect">
+                                  <p:stCondLst>
+                                    <p:cond delay="2000"/>
+                                  </p:stCondLst>
+                                  <p:iterate type="lt">
+                                    <p:tmPct val="10000"/>
+                                  </p:iterate>
+                                  <p:childTnLst>
+                                    <p:set>
+                                      <p:cBhvr>
+                                        <p:cTn id="9" dur="1" fill="hold">
+                                          <p:stCondLst>
+                                            <p:cond delay="0"/>
+                                          </p:stCondLst>
+                                        </p:cTn>
+                                        <p:tgtEl>
+                                          <p:spTgt spid="3">
+                                            <p:txEl>
+                                              <p:pRg st="0" end="0"/>
+                                            </p:txEl>
+                                          </p:spTgt>
+                                        </p:tgtEl>
+                                        <p:attrNameLst>
+                                          <p:attrName>style.visibility</p:attrName>
+                                        </p:attrNameLst>
+                                      </p:cBhvr>
+                                      <p:to>
+                                        <p:strVal val="visible"/>
+                                      </p:to>
+                                    </p:set>
+                                    <p:animEffect transition="in" filter="fade">
+                                      <p:cBhvr>
+                                        <p:cTn id="10" dur="400"/>
+                                        <p:tgtEl>
+                                          <p:spTgt spid="3">
+                                            <p:txEl>
+                                              <p:pRg st="0" end="0"/>
+                                            </p:txEl>
+                                          </p:spTgt>
+                                        </p:tgtEl>
+                                      </p:cBhvr>
+                                    </p:animEffect>
+                                  </p:childTnLst>
+                                </p:cTn>
+                              </p:par>
+                            </p:childTnLst>
+                          </p:cTn>
+                        </p:par>
+                      </p:childTnLst>
+                    </p:cTn>
+                  </p:par>
+                </p:childTnLst>
+              </p:cTn>
+              <p:prevCondLst>
+                <p:cond evt="onPrev" delay="0">
+                  <p:tgtEl>
+                    <p:sldTgt/>
+                  </p:tgtEl>
+                </p:cond>
+              </p:prevCondLst>
+              <p:nextCondLst>
+                <p:cond evt="onNext" delay="0">
+                  <p:tgtEl>
+                    <p:sldTgt/>
+                  </p:tgtEl>
+                </p:cond>
+              </p:nextCondLst>
+            </p:seq>
+          </p:childTnLst>
+        </p:cTn>
+      </p:par>
+    </p:tnLst>
+    <p:bldLst>
+      <p:bldP spid="2" grpId="0"/>
+      <p:bldP spid="3" grpId="0" build="p"/>
+    </p:bldLst>
+  </p:timing>
+</p:sld>
+</file>
+
 <file path=ppt/slides/slide2.xml><?xml version="1.0" encoding="utf-8"?>
+<p:sld xmlns:a="http://schemas.openxmlformats.org/drawingml/2006/main" xmlns:r="http://schemas.openxmlformats.org/officeDocument/2006/relationships" xmlns:p="http://schemas.openxmlformats.org/presentationml/2006/main">
+  <p:cSld>
+    <p:spTree>
+      <p:nvGrpSpPr>
+        <p:cNvPr id="1" name=""/>
+        <p:cNvGrpSpPr/>
+        <p:nvPr/>
+      </p:nvGrpSpPr>
+      <p:grpSpPr>
+        <a:xfrm>
+          <a:off x="0" y="0"/>
+          <a:ext cx="0" cy="0"/>
+          <a:chOff x="0" y="0"/>
+          <a:chExt cx="0" cy="0"/>
+        </a:xfrm>
+      </p:grpSpPr>
+      <p:sp>
+        <p:nvSpPr>
+          <p:cNvPr id="2" name="제목 1">
+            <a:extLst>
+              <a:ext uri="{FF2B5EF4-FFF2-40B4-BE49-F238E27FC236}">
+                <a16:creationId xmlns:a16="http://schemas.microsoft.com/office/drawing/2014/main" id="{5769D162-E059-A7A8-5197-26E3D5C2F185}"/>
+              </a:ext>
+            </a:extLst>
+          </p:cNvPr>
+          <p:cNvSpPr>
+            <a:spLocks noGrp="1"/>
+          </p:cNvSpPr>
+          <p:nvPr>
+            <p:ph type="title"/>
+          </p:nvPr>
+        </p:nvSpPr>
+        <p:spPr/>
+        <p:txBody>
+          <a:bodyPr/>
+          <a:lstStyle/>
+          <a:p>
+            <a:r>
+              <a:rPr lang="ko-KR" altLang="en-US" dirty="0"/>
+              <a:t>기획 배경</a:t>
+            </a:r>
+          </a:p>
+        </p:txBody>
+      </p:sp>
+      <p:sp>
+        <p:nvSpPr>
+          <p:cNvPr id="3" name="내용 개체 틀 2">
+            <a:extLst>
+              <a:ext uri="{FF2B5EF4-FFF2-40B4-BE49-F238E27FC236}">
+                <a16:creationId xmlns:a16="http://schemas.microsoft.com/office/drawing/2014/main" id="{5F2965F4-7E7A-AC6E-0271-FA89103349CC}"/>
+              </a:ext>
+            </a:extLst>
+          </p:cNvPr>
+          <p:cNvSpPr>
+            <a:spLocks noGrp="1"/>
+          </p:cNvSpPr>
+          <p:nvPr>
+            <p:ph idx="1"/>
+          </p:nvPr>
+        </p:nvSpPr>
+        <p:spPr/>
+        <p:txBody>
+          <a:bodyPr>
+            <a:normAutofit/>
+          </a:bodyPr>
+          <a:lstStyle/>
+          <a:p>
+            <a:r>
+              <a:rPr lang="ko-KR" altLang="en-US" dirty="0"/>
+              <a:t>운동은 선택이 아닌 필수</a:t>
+            </a:r>
+            <a:endParaRPr lang="en-US" altLang="ko-KR" dirty="0"/>
+          </a:p>
+          <a:p>
+            <a:r>
+              <a:rPr lang="ko-KR" altLang="en-US" dirty="0"/>
+              <a:t>왜 </a:t>
+            </a:r>
+            <a:r>
+              <a:rPr lang="ko-KR" altLang="en-US" b="1" dirty="0"/>
+              <a:t>홈 트레이닝</a:t>
+            </a:r>
+            <a:r>
+              <a:rPr lang="ko-KR" altLang="en-US" dirty="0"/>
+              <a:t>을 추천하는가</a:t>
+            </a:r>
+            <a:r>
+              <a:rPr lang="en-US" altLang="ko-KR" dirty="0"/>
+              <a:t>?</a:t>
+            </a:r>
+          </a:p>
+          <a:p>
+            <a:pPr lvl="1"/>
+            <a:r>
+              <a:rPr lang="ko-KR" altLang="en-US" b="1" dirty="0"/>
+              <a:t>시간과 공간의 제약이 없다 </a:t>
+            </a:r>
+            <a:r>
+              <a:rPr lang="en-US" altLang="ko-KR" dirty="0"/>
+              <a:t>: </a:t>
+            </a:r>
+            <a:r>
+              <a:rPr lang="ko-KR" altLang="en-US" dirty="0" err="1"/>
+              <a:t>펜데믹</a:t>
+            </a:r>
+            <a:r>
+              <a:rPr lang="en-US" altLang="ko-KR" dirty="0"/>
+              <a:t>, </a:t>
+            </a:r>
+            <a:r>
+              <a:rPr lang="ko-KR" altLang="en-US" dirty="0"/>
+              <a:t>직장인</a:t>
+            </a:r>
+            <a:endParaRPr lang="en-US" altLang="ko-KR" dirty="0"/>
+          </a:p>
+          <a:p>
+            <a:pPr lvl="1"/>
+            <a:r>
+              <a:rPr lang="ko-KR" altLang="en-US" b="1" dirty="0"/>
+              <a:t>경제적 부담이 적다 </a:t>
+            </a:r>
+            <a:r>
+              <a:rPr lang="en-US" altLang="ko-KR" dirty="0"/>
+              <a:t>: </a:t>
+            </a:r>
+            <a:r>
+              <a:rPr lang="ko-KR" altLang="en-US" dirty="0"/>
+              <a:t>맨몸</a:t>
+            </a:r>
+            <a:r>
+              <a:rPr lang="en-US" altLang="ko-KR" dirty="0"/>
+              <a:t>, </a:t>
+            </a:r>
+            <a:r>
+              <a:rPr lang="ko-KR" altLang="en-US" dirty="0"/>
+              <a:t>소도구</a:t>
+            </a:r>
+            <a:endParaRPr lang="en-US" altLang="ko-KR" dirty="0"/>
+          </a:p>
+          <a:p>
+            <a:pPr lvl="1"/>
+            <a:r>
+              <a:rPr lang="ko-KR" altLang="en-US" b="1" dirty="0"/>
+              <a:t>다채로운 운동 프로그램 </a:t>
+            </a:r>
+            <a:r>
+              <a:rPr lang="en-US" altLang="ko-KR" dirty="0"/>
+              <a:t>: </a:t>
+            </a:r>
+            <a:r>
+              <a:rPr lang="ko-KR" altLang="en-US" b="0" i="0" dirty="0">
+                <a:solidFill>
+                  <a:srgbClr val="1F1F1F"/>
+                </a:solidFill>
+                <a:effectLst/>
+                <a:latin typeface="Google Sans"/>
+              </a:rPr>
+              <a:t>요가</a:t>
+            </a:r>
+            <a:r>
+              <a:rPr lang="en-US" altLang="ko-KR" b="0" i="0" dirty="0">
+                <a:solidFill>
+                  <a:srgbClr val="1F1F1F"/>
+                </a:solidFill>
+                <a:effectLst/>
+                <a:latin typeface="Google Sans"/>
+              </a:rPr>
+              <a:t>, </a:t>
+            </a:r>
+            <a:r>
+              <a:rPr lang="ko-KR" altLang="en-US" b="0" i="0" dirty="0">
+                <a:solidFill>
+                  <a:srgbClr val="1F1F1F"/>
+                </a:solidFill>
+                <a:effectLst/>
+                <a:latin typeface="Google Sans"/>
+              </a:rPr>
+              <a:t>필라테스</a:t>
+            </a:r>
+            <a:r>
+              <a:rPr lang="en-US" altLang="ko-KR" b="0" i="0" dirty="0">
+                <a:solidFill>
+                  <a:srgbClr val="1F1F1F"/>
+                </a:solidFill>
+                <a:effectLst/>
+                <a:latin typeface="Google Sans"/>
+              </a:rPr>
+              <a:t>, </a:t>
+            </a:r>
+            <a:r>
+              <a:rPr lang="ko-KR" altLang="en-US" b="0" i="0" dirty="0">
+                <a:solidFill>
+                  <a:srgbClr val="1F1F1F"/>
+                </a:solidFill>
+                <a:effectLst/>
+                <a:latin typeface="Google Sans"/>
+              </a:rPr>
+              <a:t>근력 운동</a:t>
+            </a:r>
+            <a:r>
+              <a:rPr lang="en-US" altLang="ko-KR" b="0" i="0" dirty="0">
+                <a:solidFill>
+                  <a:srgbClr val="1F1F1F"/>
+                </a:solidFill>
+                <a:effectLst/>
+                <a:latin typeface="Google Sans"/>
+              </a:rPr>
+              <a:t>, </a:t>
+            </a:r>
+            <a:r>
+              <a:rPr lang="ko-KR" altLang="en-US" b="0" i="0" dirty="0">
+                <a:solidFill>
+                  <a:srgbClr val="1F1F1F"/>
+                </a:solidFill>
+                <a:effectLst/>
+                <a:latin typeface="Google Sans"/>
+              </a:rPr>
+              <a:t>유산소 운동 </a:t>
+            </a:r>
+            <a:endParaRPr lang="en-US" altLang="ko-KR" b="0" i="0" dirty="0">
+              <a:solidFill>
+                <a:srgbClr val="1F1F1F"/>
+              </a:solidFill>
+              <a:effectLst/>
+              <a:latin typeface="Google Sans"/>
+            </a:endParaRPr>
+          </a:p>
+          <a:p>
+            <a:pPr lvl="1"/>
+            <a:r>
+              <a:rPr lang="ko-KR" altLang="en-US" b="1" dirty="0">
+                <a:solidFill>
+                  <a:srgbClr val="1F1F1F"/>
+                </a:solidFill>
+                <a:latin typeface="Google Sans"/>
+              </a:rPr>
+              <a:t>안전하고 편안한 운동 환경 </a:t>
+            </a:r>
+            <a:r>
+              <a:rPr lang="en-US" altLang="ko-KR" dirty="0">
+                <a:solidFill>
+                  <a:srgbClr val="1F1F1F"/>
+                </a:solidFill>
+                <a:latin typeface="Google Sans"/>
+              </a:rPr>
+              <a:t>: </a:t>
+            </a:r>
+            <a:r>
+              <a:rPr lang="ko-KR" altLang="en-US" dirty="0">
+                <a:solidFill>
+                  <a:srgbClr val="1F1F1F"/>
+                </a:solidFill>
+                <a:latin typeface="Google Sans"/>
+              </a:rPr>
+              <a:t>혼잡</a:t>
+            </a:r>
+            <a:r>
+              <a:rPr lang="en-US" altLang="ko-KR" dirty="0">
+                <a:solidFill>
+                  <a:srgbClr val="1F1F1F"/>
+                </a:solidFill>
+                <a:latin typeface="Google Sans"/>
+              </a:rPr>
+              <a:t>, </a:t>
+            </a:r>
+            <a:r>
+              <a:rPr lang="ko-KR" altLang="en-US" dirty="0">
+                <a:solidFill>
+                  <a:srgbClr val="1F1F1F"/>
+                </a:solidFill>
+                <a:latin typeface="Google Sans"/>
+              </a:rPr>
+              <a:t>위생</a:t>
+            </a:r>
+            <a:r>
+              <a:rPr lang="en-US" altLang="ko-KR" dirty="0">
+                <a:solidFill>
+                  <a:srgbClr val="1F1F1F"/>
+                </a:solidFill>
+                <a:latin typeface="Google Sans"/>
+              </a:rPr>
+              <a:t>, </a:t>
+            </a:r>
+            <a:r>
+              <a:rPr lang="ko-KR" altLang="en-US" dirty="0">
+                <a:solidFill>
+                  <a:srgbClr val="1F1F1F"/>
+                </a:solidFill>
+                <a:latin typeface="Google Sans"/>
+              </a:rPr>
+              <a:t>부상</a:t>
+            </a:r>
+            <a:r>
+              <a:rPr lang="en-US" altLang="ko-KR" dirty="0">
+                <a:solidFill>
+                  <a:srgbClr val="1F1F1F"/>
+                </a:solidFill>
+                <a:latin typeface="Google Sans"/>
+              </a:rPr>
+              <a:t> </a:t>
+            </a:r>
+            <a:r>
+              <a:rPr lang="ko-KR" altLang="en-US" dirty="0">
+                <a:solidFill>
+                  <a:srgbClr val="1F1F1F"/>
+                </a:solidFill>
+                <a:latin typeface="Google Sans"/>
+              </a:rPr>
+              <a:t>위험</a:t>
+            </a:r>
+            <a:r>
+              <a:rPr lang="en-US" altLang="ko-KR" dirty="0">
+                <a:solidFill>
+                  <a:srgbClr val="1F1F1F"/>
+                </a:solidFill>
+                <a:latin typeface="Google Sans"/>
+              </a:rPr>
+              <a:t>, </a:t>
+            </a:r>
+            <a:r>
+              <a:rPr lang="ko-KR" altLang="en-US" dirty="0">
+                <a:solidFill>
+                  <a:srgbClr val="1F1F1F"/>
+                </a:solidFill>
+                <a:latin typeface="Google Sans"/>
+              </a:rPr>
+              <a:t>음악 선택</a:t>
+            </a:r>
+            <a:endParaRPr lang="en-US" altLang="ko-KR" dirty="0"/>
+          </a:p>
+        </p:txBody>
+      </p:sp>
+    </p:spTree>
+    <p:extLst>
+      <p:ext uri="{BB962C8B-B14F-4D97-AF65-F5344CB8AC3E}">
+        <p14:creationId xmlns:p14="http://schemas.microsoft.com/office/powerpoint/2010/main" val="3372297783"/>
+      </p:ext>
+    </p:extLst>
+  </p:cSld>
+  <p:clrMapOvr>
+    <a:masterClrMapping/>
+  </p:clrMapOvr>
+</p:sld>
+</file>
+
+<file path=ppt/slides/slide3.xml><?xml version="1.0" encoding="utf-8"?>
 <p:sld xmlns:a="http://schemas.openxmlformats.org/drawingml/2006/main" xmlns:r="http://schemas.openxmlformats.org/officeDocument/2006/relationships" xmlns:p="http://schemas.openxmlformats.org/presentationml/2006/main">
   <p:cSld>
     <p:bg>
@@ -4737,49 +5641,6 @@
                   </a:schemeClr>
                 </a:solidFill>
               </a:rPr>
-              <a:t>집중력 방해 요소 </a:t>
-            </a:r>
-            <a:r>
-              <a:rPr lang="en-US" altLang="ko-KR" sz="1200" dirty="0">
-                <a:solidFill>
-                  <a:schemeClr val="tx1">
-                    <a:alpha val="80000"/>
-                  </a:schemeClr>
-                </a:solidFill>
-              </a:rPr>
-              <a:t>(TV,</a:t>
-            </a:r>
-            <a:r>
-              <a:rPr lang="ko-KR" altLang="en-US" sz="1200" dirty="0">
-                <a:solidFill>
-                  <a:schemeClr val="tx1">
-                    <a:alpha val="80000"/>
-                  </a:schemeClr>
-                </a:solidFill>
-              </a:rPr>
-              <a:t> 휴대폰 등</a:t>
-            </a:r>
-            <a:r>
-              <a:rPr lang="en-US" altLang="ko-KR" sz="1200" dirty="0">
-                <a:solidFill>
-                  <a:schemeClr val="tx1">
-                    <a:alpha val="80000"/>
-                  </a:schemeClr>
-                </a:solidFill>
-              </a:rPr>
-              <a:t>)</a:t>
-            </a:r>
-          </a:p>
-          <a:p>
-            <a:pPr lvl="1"/>
-            <a:r>
-              <a:rPr lang="ko-KR" altLang="en-US" sz="1200" dirty="0">
-                <a:solidFill>
-                  <a:schemeClr val="tx1">
-                    <a:alpha val="80000"/>
-                  </a:schemeClr>
-                </a:solidFill>
-              </a:rPr>
               <a:t>운동 계획 및 목표 설정 부족으로 방향성 상실</a:t>
             </a:r>
             <a:endParaRPr lang="en-US" altLang="ko-KR" sz="1200" dirty="0">
@@ -5001,69 +5862,9 @@
                   </a:schemeClr>
                 </a:solidFill>
               </a:rPr>
-              <a:t>장비 및 공간 제약</a:t>
+              <a:t>소음 발생 가능성</a:t>
             </a:r>
             <a:endParaRPr lang="en-US" altLang="ko-KR" b="1" dirty="0">
-              <a:solidFill>
-                <a:schemeClr val="tx1">
-                  <a:alpha val="80000"/>
-                </a:schemeClr>
-              </a:solidFill>
-            </a:endParaRPr>
-          </a:p>
-          <a:p>
-            <a:pPr lvl="1"/>
-            <a:r>
-              <a:rPr lang="ko-KR" altLang="en-US" sz="1200" dirty="0">
-                <a:solidFill>
-                  <a:schemeClr val="tx1">
-                    <a:alpha val="80000"/>
-                  </a:schemeClr>
-                </a:solidFill>
-              </a:rPr>
-              <a:t>장비 구매 비용 부담</a:t>
-            </a:r>
-            <a:endParaRPr lang="en-US" altLang="ko-KR" sz="1200" dirty="0">
-              <a:solidFill>
-                <a:schemeClr val="tx1">
-                  <a:alpha val="80000"/>
-                </a:schemeClr>
-              </a:solidFill>
-            </a:endParaRPr>
-          </a:p>
-          <a:p>
-            <a:pPr lvl="1"/>
-            <a:r>
-              <a:rPr lang="ko-KR" altLang="en-US" sz="1200" dirty="0">
-                <a:solidFill>
-                  <a:schemeClr val="tx1">
-                    <a:alpha val="80000"/>
-                  </a:schemeClr>
-                </a:solidFill>
-              </a:rPr>
-              <a:t>운동 공간 확보 어려움</a:t>
-            </a:r>
-            <a:endParaRPr lang="en-US" altLang="ko-KR" sz="1200" dirty="0">
-              <a:solidFill>
-                <a:schemeClr val="tx1">
-                  <a:alpha val="80000"/>
-                </a:schemeClr>
-              </a:solidFill>
-            </a:endParaRPr>
-          </a:p>
-          <a:p>
-            <a:pPr lvl="1"/>
-            <a:r>
-              <a:rPr lang="ko-KR" altLang="en-US" sz="1200" dirty="0">
-                <a:solidFill>
-                  <a:schemeClr val="tx1">
-                    <a:alpha val="80000"/>
-                  </a:schemeClr>
-                </a:solidFill>
-              </a:rPr>
-              <a:t>소음 발생 가능성</a:t>
-            </a:r>
-            <a:endParaRPr lang="en-US" altLang="ko-KR" sz="1200" dirty="0">
               <a:solidFill>
                 <a:schemeClr val="tx1">
                   <a:alpha val="80000"/>
@@ -5444,7 +6245,7 @@
 </p:sld>
 </file>
 
-<file path=ppt/slides/slide3.xml><?xml version="1.0" encoding="utf-8"?>
+<file path=ppt/slides/slide4.xml><?xml version="1.0" encoding="utf-8"?>
 <p:sld xmlns:a="http://schemas.openxmlformats.org/drawingml/2006/main" xmlns:r="http://schemas.openxmlformats.org/officeDocument/2006/relationships" xmlns:p="http://schemas.openxmlformats.org/presentationml/2006/main">
   <p:cSld>
     <p:bg>
@@ -5665,7 +6466,7 @@
                   </a:schemeClr>
                 </a:solidFill>
               </a:rPr>
-              <a:t>전문적 지도 </a:t>
+              <a:t>전문적인 맞춤 지도 </a:t>
             </a:r>
             <a:r>
               <a:rPr lang="en-US" altLang="ko-KR" sz="2400" dirty="0">
@@ -5737,64 +6538,54 @@
               <a:t>: </a:t>
             </a:r>
             <a:r>
-              <a:rPr lang="ko-KR" altLang="en-US" sz="2400" dirty="0" err="1">
+              <a:rPr lang="ko-KR" altLang="en-US" sz="2400" b="1" dirty="0">
                 <a:solidFill>
                   <a:schemeClr val="tx1">
                     <a:alpha val="80000"/>
                   </a:schemeClr>
                 </a:solidFill>
               </a:rPr>
-              <a:t>오운완</a:t>
-            </a:r>
-            <a:r>
-              <a:rPr lang="ko-KR" altLang="en-US" sz="2400" dirty="0">
+              <a:t>보상</a:t>
+            </a:r>
+            <a:r>
+              <a:rPr lang="en-US" altLang="ko-KR" sz="2400" b="1" dirty="0">
                 <a:solidFill>
                   <a:schemeClr val="tx1">
                     <a:alpha val="80000"/>
                   </a:schemeClr>
                 </a:solidFill>
               </a:rPr>
-              <a:t> 보상</a:t>
-            </a:r>
-            <a:r>
-              <a:rPr lang="en-US" altLang="ko-KR" sz="2400" dirty="0">
+              <a:t>, </a:t>
+            </a:r>
+            <a:r>
+              <a:rPr lang="ko-KR" altLang="en-US" sz="2400" b="1" dirty="0">
                 <a:solidFill>
                   <a:schemeClr val="tx1">
                     <a:alpha val="80000"/>
                   </a:schemeClr>
                 </a:solidFill>
               </a:rPr>
-              <a:t> </a:t>
-            </a:r>
-            <a:r>
-              <a:rPr lang="ko-KR" altLang="en-US" sz="2400" dirty="0">
+              <a:t>게임</a:t>
+            </a:r>
+            <a:r>
+              <a:rPr lang="en-US" altLang="ko-KR" sz="2400" b="1" dirty="0">
                 <a:solidFill>
                   <a:schemeClr val="tx1">
                     <a:alpha val="80000"/>
                   </a:schemeClr>
                 </a:solidFill>
               </a:rPr>
-              <a:t>모아</a:t>
-            </a:r>
-            <a:r>
-              <a:rPr lang="en-US" altLang="ko-KR" sz="2400" dirty="0">
+              <a:t>, </a:t>
+            </a:r>
+            <a:r>
+              <a:rPr lang="ko-KR" altLang="en-US" sz="2400" b="1" dirty="0">
                 <a:solidFill>
                   <a:schemeClr val="tx1">
                     <a:alpha val="80000"/>
                   </a:schemeClr>
                 </a:solidFill>
               </a:rPr>
-              <a:t> </a:t>
-            </a:r>
-            <a:r>
-              <a:rPr lang="ko-KR" altLang="en-US" sz="2400" dirty="0">
-                <a:solidFill>
-                  <a:schemeClr val="tx1">
-                    <a:alpha val="80000"/>
-                  </a:schemeClr>
-                </a:solidFill>
-              </a:rPr>
-              <a:t>배팅 게임</a:t>
+              <a:t>참여</a:t>
             </a:r>
             <a:endParaRPr lang="en-US" altLang="ko-KR" sz="2400" dirty="0">
               <a:solidFill>
@@ -5806,14 +6597,14 @@
           </a:p>
           <a:p>
             <a:r>
-              <a:rPr lang="ko-KR" altLang="en-US" sz="2400" b="1" dirty="0">
+              <a:rPr lang="ko-KR" altLang="en-US" sz="2400" dirty="0">
                 <a:solidFill>
                   <a:schemeClr val="tx1">
                     <a:alpha val="80000"/>
                   </a:schemeClr>
                 </a:solidFill>
               </a:rPr>
-              <a:t>장비 및 공간 </a:t>
+              <a:t>부가 서비스 </a:t>
             </a:r>
             <a:r>
               <a:rPr lang="en-US" altLang="ko-KR" sz="2400" dirty="0">
@@ -6226,7 +7017,7 @@
 </p:sld>
 </file>
 
-<file path=ppt/slides/slide4.xml><?xml version="1.0" encoding="utf-8"?>
+<file path=ppt/slides/slide5.xml><?xml version="1.0" encoding="utf-8"?>
 <p:sld xmlns:a="http://schemas.openxmlformats.org/drawingml/2006/main" xmlns:r="http://schemas.openxmlformats.org/officeDocument/2006/relationships" xmlns:p="http://schemas.openxmlformats.org/presentationml/2006/main">
   <p:cSld>
     <p:spTree>
@@ -6373,17 +7164,24 @@
             </a:endParaRPr>
           </a:p>
           <a:p>
-            <a:pPr lvl="1"/>
             <a:r>
               <a:rPr lang="en-US" altLang="ko-KR" sz="3200" b="1" dirty="0">
                 <a:solidFill>
-                  <a:srgbClr val="FFC000">
-                    <a:alpha val="80000"/>
-                  </a:srgbClr>
-                </a:solidFill>
-              </a:rPr>
-              <a:t>AIPT</a:t>
-            </a:r>
+                  <a:schemeClr val="bg1"/>
+                </a:solidFill>
+                <a:latin typeface="나눔고딕OTF ExtraBold" panose="020D0904000000000000" pitchFamily="34" charset="-127"/>
+                <a:ea typeface="나눔고딕OTF ExtraBold" panose="020D0904000000000000" pitchFamily="34" charset="-127"/>
+              </a:rPr>
+              <a:t>   HomePT.ai</a:t>
+            </a:r>
+            <a:endParaRPr lang="en-US" altLang="ko-KR" sz="3200" b="0" i="0" dirty="0">
+              <a:solidFill>
+                <a:schemeClr val="bg1"/>
+              </a:solidFill>
+              <a:effectLst/>
+              <a:latin typeface="나눔고딕OTF ExtraBold" panose="020D0904000000000000" pitchFamily="34" charset="-127"/>
+              <a:ea typeface="나눔고딕OTF ExtraBold" panose="020D0904000000000000" pitchFamily="34" charset="-127"/>
+            </a:endParaRPr>
           </a:p>
           <a:p>
             <a:pPr lvl="1"/>
@@ -7129,7 +7927,7 @@
         <p:spPr>
           <a:xfrm>
             <a:off x="7577502" y="2292081"/>
-            <a:ext cx="2919389" cy="2646878"/>
+            <a:ext cx="2919389" cy="2485296"/>
           </a:xfrm>
           <a:prstGeom prst="rect">
             <a:avLst/>
@@ -7217,7 +8015,10 @@
             </a:endParaRPr>
           </a:p>
           <a:p>
-            <a:pPr lvl="1"/>
+            <a:pPr marL="628650" lvl="1" indent="-171450">
+              <a:buFontTx/>
+              <a:buChar char="-"/>
+            </a:pPr>
             <a:r>
               <a:rPr lang="ko-KR" altLang="en-US" sz="1050" dirty="0">
                 <a:solidFill>
@@ -7226,7 +8027,7 @@
                   </a:schemeClr>
                 </a:solidFill>
               </a:rPr>
-              <a:t>플랜 소개</a:t>
+              <a:t>설문 내용</a:t>
             </a:r>
             <a:endParaRPr lang="en-US" altLang="ko-KR" sz="1050" dirty="0">
               <a:solidFill>
@@ -7237,7 +8038,10 @@
             </a:endParaRPr>
           </a:p>
           <a:p>
-            <a:pPr lvl="1"/>
+            <a:pPr marL="628650" lvl="1" indent="-171450">
+              <a:buFontTx/>
+              <a:buChar char="-"/>
+            </a:pPr>
             <a:r>
               <a:rPr lang="ko-KR" altLang="en-US" sz="1050" dirty="0">
                 <a:solidFill>
@@ -7246,7 +8050,7 @@
                   </a:schemeClr>
                 </a:solidFill>
               </a:rPr>
-              <a:t>목표 </a:t>
+              <a:t>설문 내용 </a:t>
             </a:r>
             <a:r>
               <a:rPr lang="en-US" altLang="ko-KR" sz="1050" dirty="0">
@@ -7256,11 +8060,14 @@
                   </a:schemeClr>
                 </a:solidFill>
               </a:rPr>
-              <a:t>Blah</a:t>
-            </a:r>
-          </a:p>
-          <a:p>
-            <a:pPr lvl="1"/>
+              <a:t>2</a:t>
+            </a:r>
+          </a:p>
+          <a:p>
+            <a:pPr marL="628650" lvl="1" indent="-171450">
+              <a:buFontTx/>
+              <a:buChar char="-"/>
+            </a:pPr>
             <a:r>
               <a:rPr lang="ko-KR" altLang="en-US" sz="1050" dirty="0">
                 <a:solidFill>
@@ -7269,27 +8076,7 @@
                   </a:schemeClr>
                 </a:solidFill>
               </a:rPr>
-              <a:t>사용자 맞춤 운동 </a:t>
-            </a:r>
-            <a:r>
-              <a:rPr lang="ko-KR" altLang="en-US" sz="1050" dirty="0" err="1">
-                <a:solidFill>
-                  <a:schemeClr val="bg1">
-                    <a:lumMod val="85000"/>
-                  </a:schemeClr>
-                </a:solidFill>
-              </a:rPr>
-              <a:t>프로램</a:t>
-            </a:r>
-            <a:r>
-              <a:rPr lang="ko-KR" altLang="en-US" sz="1050" dirty="0">
-                <a:solidFill>
-                  <a:schemeClr val="bg1">
-                    <a:lumMod val="85000"/>
-                  </a:schemeClr>
-                </a:solidFill>
-              </a:rPr>
-              <a:t> 제공</a:t>
+              <a:t>계획 및 마음가짐</a:t>
             </a:r>
             <a:endParaRPr lang="en-US" altLang="ko-KR" sz="1050" dirty="0">
               <a:solidFill>
@@ -7300,7 +8087,10 @@
             </a:endParaRPr>
           </a:p>
           <a:p>
-            <a:pPr lvl="1"/>
+            <a:pPr marL="628650" lvl="1" indent="-171450">
+              <a:buFontTx/>
+              <a:buChar char="-"/>
+            </a:pPr>
             <a:r>
               <a:rPr lang="ko-KR" altLang="en-US" sz="1050" dirty="0">
                 <a:solidFill>
@@ -7309,7 +8099,7 @@
                   </a:schemeClr>
                 </a:solidFill>
               </a:rPr>
-              <a:t>실시간 운동 지도 제공</a:t>
+              <a:t>플랜 소개</a:t>
             </a:r>
             <a:endParaRPr lang="en-US" altLang="ko-KR" sz="1050" dirty="0">
               <a:solidFill>
@@ -7320,7 +8110,10 @@
             </a:endParaRPr>
           </a:p>
           <a:p>
-            <a:pPr lvl="1"/>
+            <a:pPr marL="628650" lvl="1" indent="-171450">
+              <a:buFontTx/>
+              <a:buChar char="-"/>
+            </a:pPr>
             <a:r>
               <a:rPr lang="ko-KR" altLang="en-US" sz="1050" dirty="0">
                 <a:solidFill>
@@ -7329,35 +8122,18 @@
                   </a:schemeClr>
                 </a:solidFill>
               </a:rPr>
-              <a:t>동기 부여 및</a:t>
-            </a:r>
-            <a:endParaRPr lang="en-US" altLang="ko-KR" sz="1050" dirty="0">
-              <a:solidFill>
-                <a:schemeClr val="bg1">
-                  <a:lumMod val="85000"/>
-                </a:schemeClr>
-              </a:solidFill>
-            </a:endParaRPr>
-          </a:p>
-          <a:p>
-            <a:pPr lvl="1"/>
-            <a:r>
-              <a:rPr lang="ko-KR" altLang="en-US" sz="1050" dirty="0">
+              <a:t>목표 </a:t>
+            </a:r>
+            <a:r>
+              <a:rPr lang="en-US" altLang="ko-KR" sz="1050" dirty="0">
                 <a:solidFill>
                   <a:schemeClr val="bg1">
                     <a:lumMod val="85000"/>
                   </a:schemeClr>
                 </a:solidFill>
               </a:rPr>
-              <a:t>다양한 정보 제공 및</a:t>
-            </a:r>
-            <a:endParaRPr lang="en-US" altLang="ko-KR" sz="1050" dirty="0">
-              <a:solidFill>
-                <a:schemeClr val="bg1">
-                  <a:lumMod val="85000"/>
-                </a:schemeClr>
-              </a:solidFill>
-            </a:endParaRPr>
+              <a:t>Blah</a:t>
+            </a:r>
           </a:p>
           <a:p>
             <a:pPr lvl="1"/>
@@ -7510,7 +8286,7 @@
 </p:sld>
 </file>
 
-<file path=ppt/slides/slide5.xml><?xml version="1.0" encoding="utf-8"?>
+<file path=ppt/slides/slide6.xml><?xml version="1.0" encoding="utf-8"?>
 <p:sld xmlns:a="http://schemas.openxmlformats.org/drawingml/2006/main" xmlns:r="http://schemas.openxmlformats.org/officeDocument/2006/relationships" xmlns:p="http://schemas.openxmlformats.org/presentationml/2006/main">
   <p:cSld>
     <p:spTree>
@@ -8607,7 +9383,7 @@
                   <a:schemeClr val="tx1"/>
                 </a:solidFill>
               </a:rPr>
-              <a:t>1/8 </a:t>
+              <a:t>      1/8 </a:t>
             </a:r>
             <a:r>
               <a:rPr lang="ko-KR" altLang="en-US" sz="1000" b="1" dirty="0" err="1">
@@ -8662,7 +9438,7 @@
                   <a:schemeClr val="tx1"/>
                 </a:solidFill>
               </a:rPr>
-              <a:t>2/8</a:t>
+              <a:t>      2/8</a:t>
             </a:r>
             <a:r>
               <a:rPr lang="ko-KR" altLang="en-US" sz="1000" dirty="0">
@@ -8718,12 +9494,20 @@
         </p:nvSpPr>
         <p:spPr>
           <a:xfrm rot="10800000">
-            <a:off x="5791076" y="3701772"/>
+            <a:off x="3458372" y="3707974"/>
             <a:ext cx="105534" cy="85223"/>
           </a:xfrm>
           <a:prstGeom prst="triangle">
             <a:avLst/>
           </a:prstGeom>
+          <a:solidFill>
+            <a:srgbClr val="FFC000"/>
+          </a:solidFill>
+          <a:ln>
+            <a:solidFill>
+              <a:srgbClr val="FFC000"/>
+            </a:solidFill>
+          </a:ln>
         </p:spPr>
         <p:style>
           <a:lnRef idx="2">
@@ -9979,8 +10763,8 @@
           </a:p>
         </p:txBody>
       </p:sp>
-      <mc:AlternateContent xmlns:mc="http://schemas.openxmlformats.org/markup-compatibility/2006">
-        <mc:Choice xmlns:cx1="http://schemas.microsoft.com/office/drawing/2015/9/8/chartex" Requires="cx1">
+      <mc:AlternateContent xmlns:mc="http://schemas.openxmlformats.org/markup-compatibility/2006" xmlns:cx1="http://schemas.microsoft.com/office/drawing/2015/9/8/chartex">
+        <mc:Choice Requires="cx1">
           <p:graphicFrame>
             <p:nvGraphicFramePr>
               <p:cNvPr id="1083" name="차트 1082">
@@ -10010,7 +10794,7 @@
             </a:graphic>
           </p:graphicFrame>
         </mc:Choice>
-        <mc:Fallback>
+        <mc:Fallback xmlns="">
           <p:pic>
             <p:nvPicPr>
               <p:cNvPr id="1083" name="차트 1082">
@@ -12215,7 +12999,7 @@
 </p:sld>
 </file>
 
-<file path=ppt/slides/slide6.xml><?xml version="1.0" encoding="utf-8"?>
+<file path=ppt/slides/slide7.xml><?xml version="1.0" encoding="utf-8"?>
 <p:sld xmlns:a="http://schemas.openxmlformats.org/drawingml/2006/main" xmlns:r="http://schemas.openxmlformats.org/officeDocument/2006/relationships" xmlns:p="http://schemas.openxmlformats.org/presentationml/2006/main">
   <p:cSld>
     <p:spTree>
@@ -13279,7 +14063,7 @@
 </p:sld>
 </file>
 
-<file path=ppt/slides/slide7.xml><?xml version="1.0" encoding="utf-8"?>
+<file path=ppt/slides/slide8.xml><?xml version="1.0" encoding="utf-8"?>
 <p:sld xmlns:a="http://schemas.openxmlformats.org/drawingml/2006/main" xmlns:r="http://schemas.openxmlformats.org/officeDocument/2006/relationships" xmlns:p="http://schemas.openxmlformats.org/presentationml/2006/main">
   <p:cSld>
     <p:spTree>
@@ -13339,14 +14123,14 @@
           <p:nvPr>
             <p:extLst>
               <p:ext uri="{D42A27DB-BD31-4B8C-83A1-F6EECF244321}">
-                <p14:modId xmlns:p14="http://schemas.microsoft.com/office/powerpoint/2010/main" val="2387859986"/>
+                <p14:modId xmlns:p14="http://schemas.microsoft.com/office/powerpoint/2010/main" val="2936196002"/>
               </p:ext>
             </p:extLst>
           </p:nvPr>
         </p:nvGraphicFramePr>
         <p:xfrm>
           <a:off x="838200" y="1748702"/>
-          <a:ext cx="10444480" cy="4616540"/>
+          <a:ext cx="10444480" cy="4391668"/>
         </p:xfrm>
         <a:graphic>
           <a:graphicData uri="http://schemas.openxmlformats.org/drawingml/2006/table">
@@ -13384,7 +14168,7 @@
                   </a:extLst>
                 </a:gridCol>
               </a:tblGrid>
-              <a:tr h="923308">
+              <a:tr h="1097917">
                 <a:tc>
                   <a:txBody>
                     <a:bodyPr/>
@@ -13480,7 +14264,7 @@
                   </a:ext>
                 </a:extLst>
               </a:tr>
-              <a:tr h="923308">
+              <a:tr h="1097917">
                 <a:tc>
                   <a:txBody>
                     <a:bodyPr/>
@@ -13488,22 +14272,15 @@
                     <a:p>
                       <a:pPr algn="ctr" latinLnBrk="1"/>
                       <a:r>
-                        <a:rPr lang="en-US" altLang="ko-KR" sz="1600" b="1" dirty="0">
+                        <a:rPr lang="ko-KR" altLang="en-US" sz="1600" b="1" dirty="0">
                           <a:solidFill>
                             <a:schemeClr val="bg1"/>
                           </a:solidFill>
                           <a:latin typeface="나눔스퀘어OTF" panose="020B0600000101010101" pitchFamily="34" charset="-127"/>
                           <a:ea typeface="나눔스퀘어OTF" panose="020B0600000101010101" pitchFamily="34" charset="-127"/>
                         </a:rPr>
-                        <a:t>MY</a:t>
+                        <a:t>회원</a:t>
                       </a:r>
-                      <a:endParaRPr lang="ko-KR" altLang="en-US" sz="1600" b="1" dirty="0">
-                        <a:solidFill>
-                          <a:schemeClr val="bg1"/>
-                        </a:solidFill>
-                        <a:latin typeface="나눔스퀘어OTF" panose="020B0600000101010101" pitchFamily="34" charset="-127"/>
-                        <a:ea typeface="나눔스퀘어OTF" panose="020B0600000101010101" pitchFamily="34" charset="-127"/>
-                      </a:endParaRPr>
                     </a:p>
                   </a:txBody>
                   <a:tcPr anchor="ctr">
@@ -13664,6 +14441,16 @@
                     <a:p>
                       <a:pPr algn="ctr" latinLnBrk="1"/>
                       <a:r>
+                        <a:rPr lang="ko-KR" altLang="en-US" sz="1500" b="0" dirty="0">
+                          <a:solidFill>
+                            <a:schemeClr val="tx1"/>
+                          </a:solidFill>
+                          <a:latin typeface="나눔스퀘어OTF" panose="020B0600000101010101" pitchFamily="34" charset="-127"/>
+                          <a:ea typeface="나눔스퀘어OTF" panose="020B0600000101010101" pitchFamily="34" charset="-127"/>
+                        </a:rPr>
+                        <a:t>조윤수</a:t>
+                      </a:r>
+                      <a:r>
                         <a:rPr lang="en-US" altLang="ko-KR" sz="1500" b="0" dirty="0">
                           <a:solidFill>
                             <a:schemeClr val="tx1"/>
@@ -13671,7 +14458,7 @@
                           <a:latin typeface="나눔스퀘어OTF" panose="020B0600000101010101" pitchFamily="34" charset="-127"/>
                           <a:ea typeface="나눔스퀘어OTF" panose="020B0600000101010101" pitchFamily="34" charset="-127"/>
                         </a:rPr>
-                        <a:t>1</a:t>
+                        <a:t>, </a:t>
                       </a:r>
                       <a:r>
                         <a:rPr lang="ko-KR" altLang="en-US" sz="1500" b="0" dirty="0">
@@ -13681,8 +14468,15 @@
                           <a:latin typeface="나눔스퀘어OTF" panose="020B0600000101010101" pitchFamily="34" charset="-127"/>
                           <a:ea typeface="나눔스퀘어OTF" panose="020B0600000101010101" pitchFamily="34" charset="-127"/>
                         </a:rPr>
-                        <a:t>명</a:t>
+                        <a:t>김민호</a:t>
                       </a:r>
+                      <a:endParaRPr lang="en-US" altLang="ko-KR" sz="1500" b="0" dirty="0">
+                        <a:solidFill>
+                          <a:schemeClr val="tx1"/>
+                        </a:solidFill>
+                        <a:latin typeface="나눔스퀘어OTF" panose="020B0600000101010101" pitchFamily="34" charset="-127"/>
+                        <a:ea typeface="나눔스퀘어OTF" panose="020B0600000101010101" pitchFamily="34" charset="-127"/>
+                      </a:endParaRPr>
                     </a:p>
                   </a:txBody>
                   <a:tcPr anchor="ctr"/>
@@ -13693,7 +14487,7 @@
                   </a:ext>
                 </a:extLst>
               </a:tr>
-              <a:tr h="923308">
+              <a:tr h="1097917">
                 <a:tc>
                   <a:txBody>
                     <a:bodyPr/>
@@ -13747,15 +14541,12 @@
                           <a:latin typeface="나눔스퀘어OTF" panose="020B0600000101010101" pitchFamily="34" charset="-127"/>
                           <a:ea typeface="나눔스퀘어OTF" panose="020B0600000101010101" pitchFamily="34" charset="-127"/>
                         </a:rPr>
-                        <a:t>운동 </a:t>
+                        <a:t>운동</a:t>
                       </a:r>
-                      <a:r>
-                        <a:rPr lang="en-US" altLang="ko-KR" sz="1500" b="0" dirty="0">
-                          <a:latin typeface="나눔스퀘어OTF" panose="020B0600000101010101" pitchFamily="34" charset="-127"/>
-                          <a:ea typeface="나눔스퀘어OTF" panose="020B0600000101010101" pitchFamily="34" charset="-127"/>
-                        </a:rPr>
-                        <a:t>(Step, Chat)</a:t>
-                      </a:r>
+                      <a:endParaRPr lang="en-US" altLang="ko-KR" sz="1500" b="0" dirty="0">
+                        <a:latin typeface="나눔스퀘어OTF" panose="020B0600000101010101" pitchFamily="34" charset="-127"/>
+                        <a:ea typeface="나눔스퀘어OTF" panose="020B0600000101010101" pitchFamily="34" charset="-127"/>
+                      </a:endParaRPr>
                     </a:p>
                   </a:txBody>
                   <a:tcPr anchor="ctr"/>
@@ -13794,114 +14585,6 @@
                         <a:ea typeface="나눔스퀘어OTF" panose="020B0600000101010101" pitchFamily="34" charset="-127"/>
                       </a:endParaRPr>
                     </a:p>
-                  </a:txBody>
-                  <a:tcPr anchor="ctr"/>
-                </a:tc>
-                <a:tc>
-                  <a:txBody>
-                    <a:bodyPr/>
-                    <a:lstStyle/>
-                    <a:p>
-                      <a:pPr algn="ctr" latinLnBrk="1"/>
-                      <a:r>
-                        <a:rPr lang="en-US" altLang="ko-KR" sz="1500" b="0" dirty="0">
-                          <a:solidFill>
-                            <a:schemeClr val="tx1"/>
-                          </a:solidFill>
-                          <a:latin typeface="나눔스퀘어OTF" panose="020B0600000101010101" pitchFamily="34" charset="-127"/>
-                          <a:ea typeface="나눔스퀘어OTF" panose="020B0600000101010101" pitchFamily="34" charset="-127"/>
-                        </a:rPr>
-                        <a:t>1</a:t>
-                      </a:r>
-                      <a:r>
-                        <a:rPr lang="ko-KR" altLang="en-US" sz="1500" b="0" dirty="0">
-                          <a:solidFill>
-                            <a:schemeClr val="tx1"/>
-                          </a:solidFill>
-                          <a:latin typeface="나눔스퀘어OTF" panose="020B0600000101010101" pitchFamily="34" charset="-127"/>
-                          <a:ea typeface="나눔스퀘어OTF" panose="020B0600000101010101" pitchFamily="34" charset="-127"/>
-                        </a:rPr>
-                        <a:t>명</a:t>
-                      </a:r>
-                    </a:p>
-                  </a:txBody>
-                  <a:tcPr anchor="ctr"/>
-                </a:tc>
-                <a:extLst>
-                  <a:ext uri="{0D108BD9-81ED-4DB2-BD59-A6C34878D82A}">
-                    <a16:rowId xmlns:a16="http://schemas.microsoft.com/office/drawing/2014/main" val="1332577370"/>
-                  </a:ext>
-                </a:extLst>
-              </a:tr>
-              <a:tr h="923308">
-                <a:tc>
-                  <a:txBody>
-                    <a:bodyPr/>
-                    <a:lstStyle/>
-                    <a:p>
-                      <a:pPr algn="ctr" latinLnBrk="1"/>
-                      <a:r>
-                        <a:rPr lang="ko-KR" altLang="en-US" sz="1600" b="1" dirty="0">
-                          <a:solidFill>
-                            <a:schemeClr val="bg1"/>
-                          </a:solidFill>
-                          <a:latin typeface="나눔스퀘어OTF" panose="020B0600000101010101" pitchFamily="34" charset="-127"/>
-                          <a:ea typeface="나눔스퀘어OTF" panose="020B0600000101010101" pitchFamily="34" charset="-127"/>
-                        </a:rPr>
-                        <a:t>영상</a:t>
-                      </a:r>
-                    </a:p>
-                  </a:txBody>
-                  <a:tcPr anchor="ctr">
-                    <a:solidFill>
-                      <a:schemeClr val="tx1"/>
-                    </a:solidFill>
-                  </a:tcPr>
-                </a:tc>
-                <a:tc>
-                  <a:txBody>
-                    <a:bodyPr/>
-                    <a:lstStyle/>
-                    <a:p>
-                      <a:pPr marL="0" indent="0" algn="ctr">
-                        <a:buNone/>
-                      </a:pPr>
-                      <a:r>
-                        <a:rPr lang="ko-KR" altLang="en-US" sz="1500" b="0" dirty="0">
-                          <a:latin typeface="나눔스퀘어OTF" panose="020B0600000101010101" pitchFamily="34" charset="-127"/>
-                          <a:ea typeface="나눔스퀘어OTF" panose="020B0600000101010101" pitchFamily="34" charset="-127"/>
-                        </a:rPr>
-                        <a:t>운동 </a:t>
-                      </a:r>
-                      <a:r>
-                        <a:rPr lang="en-US" altLang="ko-KR" sz="1500" b="0" dirty="0">
-                          <a:latin typeface="나눔스퀘어OTF" panose="020B0600000101010101" pitchFamily="34" charset="-127"/>
-                          <a:ea typeface="나눔스퀘어OTF" panose="020B0600000101010101" pitchFamily="34" charset="-127"/>
-                        </a:rPr>
-                        <a:t>(</a:t>
-                      </a:r>
-                      <a:r>
-                        <a:rPr lang="ko-KR" altLang="en-US" sz="1500" b="0" dirty="0">
-                          <a:latin typeface="나눔스퀘어OTF" panose="020B0600000101010101" pitchFamily="34" charset="-127"/>
-                          <a:ea typeface="나눔스퀘어OTF" panose="020B0600000101010101" pitchFamily="34" charset="-127"/>
-                        </a:rPr>
-                        <a:t>영상</a:t>
-                      </a:r>
-                      <a:r>
-                        <a:rPr lang="en-US" altLang="ko-KR" sz="1500" b="0" dirty="0">
-                          <a:latin typeface="나눔스퀘어OTF" panose="020B0600000101010101" pitchFamily="34" charset="-127"/>
-                          <a:ea typeface="나눔스퀘어OTF" panose="020B0600000101010101" pitchFamily="34" charset="-127"/>
-                        </a:rPr>
-                        <a:t>)</a:t>
-                      </a:r>
-                    </a:p>
-                  </a:txBody>
-                  <a:tcPr anchor="ctr"/>
-                </a:tc>
-                <a:tc>
-                  <a:txBody>
-                    <a:bodyPr/>
-                    <a:lstStyle/>
                     <a:p>
                       <a:pPr marL="0" marR="0" lvl="0" indent="0" algn="ctr" defTabSz="914400" rtl="0" eaLnBrk="1" fontAlgn="auto" latinLnBrk="1" hangingPunct="1">
                         <a:lnSpc>
@@ -13928,65 +14611,6 @@
                         <a:t>영상 </a:t>
                       </a:r>
                       <a:r>
-                        <a:rPr lang="en-US" altLang="ko-KR" sz="1500" b="0" dirty="0">
-                          <a:solidFill>
-                            <a:schemeClr val="tx1"/>
-                          </a:solidFill>
-                          <a:latin typeface="나눔스퀘어OTF" panose="020B0600000101010101" pitchFamily="34" charset="-127"/>
-                          <a:ea typeface="나눔스퀘어OTF" panose="020B0600000101010101" pitchFamily="34" charset="-127"/>
-                        </a:rPr>
-                        <a:t>DBMS</a:t>
-                      </a:r>
-                    </a:p>
-                    <a:p>
-                      <a:pPr marL="0" marR="0" lvl="0" indent="0" algn="ctr" defTabSz="914400" rtl="0" eaLnBrk="1" fontAlgn="auto" latinLnBrk="1" hangingPunct="1">
-                        <a:lnSpc>
-                          <a:spcPct val="100000"/>
-                        </a:lnSpc>
-                        <a:spcBef>
-                          <a:spcPts val="0"/>
-                        </a:spcBef>
-                        <a:spcAft>
-                          <a:spcPts val="0"/>
-                        </a:spcAft>
-                        <a:buClrTx/>
-                        <a:buSzTx/>
-                        <a:buFontTx/>
-                        <a:buNone/>
-                        <a:tabLst/>
-                        <a:defRPr/>
-                      </a:pPr>
-                      <a:r>
-                        <a:rPr lang="en-US" altLang="ko-KR" sz="1500" b="0" dirty="0">
-                          <a:solidFill>
-                            <a:schemeClr val="tx1"/>
-                          </a:solidFill>
-                          <a:latin typeface="나눔스퀘어OTF" panose="020B0600000101010101" pitchFamily="34" charset="-127"/>
-                          <a:ea typeface="나눔스퀘어OTF" panose="020B0600000101010101" pitchFamily="34" charset="-127"/>
-                        </a:rPr>
-                        <a:t>(</a:t>
-                      </a:r>
-                      <a:r>
-                        <a:rPr lang="ko-KR" altLang="en-US" sz="1500" b="0" dirty="0">
-                          <a:solidFill>
-                            <a:schemeClr val="tx1"/>
-                          </a:solidFill>
-                          <a:latin typeface="나눔스퀘어OTF" panose="020B0600000101010101" pitchFamily="34" charset="-127"/>
-                          <a:ea typeface="나눔스퀘어OTF" panose="020B0600000101010101" pitchFamily="34" charset="-127"/>
-                        </a:rPr>
-                        <a:t>영상 </a:t>
-                      </a:r>
-                      <a:r>
-                        <a:rPr lang="en-US" altLang="ko-KR" sz="1500" b="0" dirty="0">
-                          <a:solidFill>
-                            <a:schemeClr val="tx1"/>
-                          </a:solidFill>
-                          <a:latin typeface="나눔스퀘어OTF" panose="020B0600000101010101" pitchFamily="34" charset="-127"/>
-                          <a:ea typeface="나눔스퀘어OTF" panose="020B0600000101010101" pitchFamily="34" charset="-127"/>
-                        </a:rPr>
-                        <a:t>DB, </a:t>
-                      </a:r>
-                      <a:r>
                         <a:rPr lang="ko-KR" altLang="en-US" sz="1500" b="0" dirty="0">
                           <a:solidFill>
                             <a:schemeClr val="tx1"/>
@@ -13996,17 +14620,10 @@
                         </a:rPr>
                         <a:t>스트리밍</a:t>
                       </a:r>
-                      <a:r>
-                        <a:rPr lang="en-US" altLang="ko-KR" sz="1500" b="0" dirty="0">
-                          <a:solidFill>
-                            <a:schemeClr val="tx1"/>
-                          </a:solidFill>
-                          <a:latin typeface="나눔스퀘어OTF" panose="020B0600000101010101" pitchFamily="34" charset="-127"/>
-                          <a:ea typeface="나눔스퀘어OTF" panose="020B0600000101010101" pitchFamily="34" charset="-127"/>
-                        </a:rPr>
-                        <a:t>)</a:t>
-                      </a:r>
                       <a:endParaRPr lang="en-US" altLang="ko-KR" sz="1500" b="0" dirty="0">
+                        <a:solidFill>
+                          <a:schemeClr val="tx1"/>
+                        </a:solidFill>
                         <a:latin typeface="나눔스퀘어OTF" panose="020B0600000101010101" pitchFamily="34" charset="-127"/>
                         <a:ea typeface="나눔스퀘어OTF" panose="020B0600000101010101" pitchFamily="34" charset="-127"/>
                       </a:endParaRPr>
@@ -14021,36 +14638,33 @@
                     <a:p>
                       <a:pPr algn="ctr" latinLnBrk="1"/>
                       <a:r>
-                        <a:rPr lang="en-US" altLang="ko-KR" sz="1500" b="0" dirty="0">
+                        <a:rPr lang="ko-KR" altLang="en-US" sz="1500" b="0" dirty="0" err="1">
                           <a:solidFill>
                             <a:schemeClr val="tx1"/>
                           </a:solidFill>
                           <a:latin typeface="나눔스퀘어OTF" panose="020B0600000101010101" pitchFamily="34" charset="-127"/>
                           <a:ea typeface="나눔스퀘어OTF" panose="020B0600000101010101" pitchFamily="34" charset="-127"/>
                         </a:rPr>
-                        <a:t>1</a:t>
+                        <a:t>홍보람</a:t>
                       </a:r>
-                      <a:r>
-                        <a:rPr lang="ko-KR" altLang="en-US" sz="1500" b="0" dirty="0">
-                          <a:solidFill>
-                            <a:schemeClr val="tx1"/>
-                          </a:solidFill>
-                          <a:latin typeface="나눔스퀘어OTF" panose="020B0600000101010101" pitchFamily="34" charset="-127"/>
-                          <a:ea typeface="나눔스퀘어OTF" panose="020B0600000101010101" pitchFamily="34" charset="-127"/>
-                        </a:rPr>
-                        <a:t>명</a:t>
-                      </a:r>
+                      <a:endParaRPr lang="ko-KR" altLang="en-US" sz="1500" b="0" dirty="0">
+                        <a:solidFill>
+                          <a:schemeClr val="tx1"/>
+                        </a:solidFill>
+                        <a:latin typeface="나눔스퀘어OTF" panose="020B0600000101010101" pitchFamily="34" charset="-127"/>
+                        <a:ea typeface="나눔스퀘어OTF" panose="020B0600000101010101" pitchFamily="34" charset="-127"/>
+                      </a:endParaRPr>
                     </a:p>
                   </a:txBody>
                   <a:tcPr anchor="ctr"/>
                 </a:tc>
                 <a:extLst>
                   <a:ext uri="{0D108BD9-81ED-4DB2-BD59-A6C34878D82A}">
-                    <a16:rowId xmlns:a16="http://schemas.microsoft.com/office/drawing/2014/main" val="2910346255"/>
+                    <a16:rowId xmlns:a16="http://schemas.microsoft.com/office/drawing/2014/main" val="1332577370"/>
                   </a:ext>
                 </a:extLst>
               </a:tr>
-              <a:tr h="923308">
+              <a:tr h="1097917">
                 <a:tc>
                   <a:txBody>
                     <a:bodyPr/>
@@ -14236,6 +14850,16 @@
                     <a:p>
                       <a:pPr algn="ctr" latinLnBrk="1"/>
                       <a:r>
+                        <a:rPr lang="ko-KR" altLang="en-US" sz="1500" b="0" dirty="0" err="1">
+                          <a:solidFill>
+                            <a:schemeClr val="tx1"/>
+                          </a:solidFill>
+                          <a:latin typeface="나눔스퀘어OTF" panose="020B0600000101010101" pitchFamily="34" charset="-127"/>
+                          <a:ea typeface="나눔스퀘어OTF" panose="020B0600000101010101" pitchFamily="34" charset="-127"/>
+                        </a:rPr>
+                        <a:t>임채현</a:t>
+                      </a:r>
+                      <a:r>
                         <a:rPr lang="en-US" altLang="ko-KR" sz="1500" b="0" dirty="0">
                           <a:solidFill>
                             <a:schemeClr val="tx1"/>
@@ -14243,7 +14867,7 @@
                           <a:latin typeface="나눔스퀘어OTF" panose="020B0600000101010101" pitchFamily="34" charset="-127"/>
                           <a:ea typeface="나눔스퀘어OTF" panose="020B0600000101010101" pitchFamily="34" charset="-127"/>
                         </a:rPr>
-                        <a:t>1</a:t>
+                        <a:t>, </a:t>
                       </a:r>
                       <a:r>
                         <a:rPr lang="ko-KR" altLang="en-US" sz="1500" b="0" dirty="0">
@@ -14253,7 +14877,7 @@
                           <a:latin typeface="나눔스퀘어OTF" panose="020B0600000101010101" pitchFamily="34" charset="-127"/>
                           <a:ea typeface="나눔스퀘어OTF" panose="020B0600000101010101" pitchFamily="34" charset="-127"/>
                         </a:rPr>
-                        <a:t>명</a:t>
+                        <a:t>김진화</a:t>
                       </a:r>
                     </a:p>
                   </a:txBody>
@@ -14282,216 +14906,6 @@
 </p:sld>
 </file>
 
-<file path=ppt/slides/slide8.xml><?xml version="1.0" encoding="utf-8"?>
-<p:sld xmlns:a="http://schemas.openxmlformats.org/drawingml/2006/main" xmlns:r="http://schemas.openxmlformats.org/officeDocument/2006/relationships" xmlns:p="http://schemas.openxmlformats.org/presentationml/2006/main">
-  <p:cSld>
-    <p:spTree>
-      <p:nvGrpSpPr>
-        <p:cNvPr id="1" name=""/>
-        <p:cNvGrpSpPr/>
-        <p:nvPr/>
-      </p:nvGrpSpPr>
-      <p:grpSpPr>
-        <a:xfrm>
-          <a:off x="0" y="0"/>
-          <a:ext cx="0" cy="0"/>
-          <a:chOff x="0" y="0"/>
-          <a:chExt cx="0" cy="0"/>
-        </a:xfrm>
-      </p:grpSpPr>
-      <p:sp>
-        <p:nvSpPr>
-          <p:cNvPr id="2" name="제목 1">
-            <a:extLst>
-              <a:ext uri="{FF2B5EF4-FFF2-40B4-BE49-F238E27FC236}">
-                <a16:creationId xmlns:a16="http://schemas.microsoft.com/office/drawing/2014/main" id="{D0D16B3C-66E0-7672-3C43-7125F2543FEC}"/>
-              </a:ext>
-            </a:extLst>
-          </p:cNvPr>
-          <p:cNvSpPr>
-            <a:spLocks noGrp="1"/>
-          </p:cNvSpPr>
-          <p:nvPr>
-            <p:ph type="title"/>
-          </p:nvPr>
-        </p:nvSpPr>
-        <p:spPr/>
-        <p:txBody>
-          <a:bodyPr/>
-          <a:lstStyle/>
-          <a:p>
-            <a:r>
-              <a:rPr lang="ko-KR" altLang="en-US" b="1" dirty="0"/>
-              <a:t>스케쥴</a:t>
-            </a:r>
-          </a:p>
-        </p:txBody>
-      </p:sp>
-      <p:sp>
-        <p:nvSpPr>
-          <p:cNvPr id="3" name="내용 개체 틀 2">
-            <a:extLst>
-              <a:ext uri="{FF2B5EF4-FFF2-40B4-BE49-F238E27FC236}">
-                <a16:creationId xmlns:a16="http://schemas.microsoft.com/office/drawing/2014/main" id="{764CB408-6C11-57D4-A2B7-33465D830F6D}"/>
-              </a:ext>
-            </a:extLst>
-          </p:cNvPr>
-          <p:cNvSpPr>
-            <a:spLocks noGrp="1"/>
-          </p:cNvSpPr>
-          <p:nvPr>
-            <p:ph idx="1"/>
-          </p:nvPr>
-        </p:nvSpPr>
-        <p:spPr/>
-        <p:txBody>
-          <a:bodyPr>
-            <a:normAutofit/>
-          </a:bodyPr>
-          <a:lstStyle/>
-          <a:p>
-            <a:r>
-              <a:rPr lang="en-US" altLang="ko-KR" b="1" dirty="0"/>
-              <a:t>3/15 </a:t>
-            </a:r>
-            <a:r>
-              <a:rPr lang="ko-KR" altLang="en-US" b="1" dirty="0"/>
-              <a:t>시작 발표</a:t>
-            </a:r>
-            <a:endParaRPr lang="en-US" altLang="ko-KR" b="1" dirty="0"/>
-          </a:p>
-          <a:p>
-            <a:r>
-              <a:rPr lang="en-US" altLang="ko-KR" b="1" dirty="0"/>
-              <a:t>~4/2 </a:t>
-            </a:r>
-            <a:r>
-              <a:rPr lang="ko-KR" altLang="en-US" b="1" dirty="0"/>
-              <a:t>역할별 세부 설계 및 사전 학습 </a:t>
-            </a:r>
-            <a:endParaRPr lang="en-US" altLang="ko-KR" b="1" dirty="0"/>
-          </a:p>
-          <a:p>
-            <a:r>
-              <a:rPr lang="en-US" altLang="ko-KR" b="1" dirty="0">
-                <a:solidFill>
-                  <a:srgbClr val="C00000"/>
-                </a:solidFill>
-              </a:rPr>
-              <a:t>4/3 ~ 4/17 </a:t>
-            </a:r>
-            <a:r>
-              <a:rPr lang="ko-KR" altLang="en-US" b="1" dirty="0">
-                <a:solidFill>
-                  <a:srgbClr val="C00000"/>
-                </a:solidFill>
-              </a:rPr>
-              <a:t>역할별 개발</a:t>
-            </a:r>
-            <a:endParaRPr lang="en-US" altLang="ko-KR" b="1" dirty="0">
-              <a:solidFill>
-                <a:srgbClr val="C00000"/>
-              </a:solidFill>
-            </a:endParaRPr>
-          </a:p>
-          <a:p>
-            <a:pPr lvl="1"/>
-            <a:r>
-              <a:rPr lang="en-US" altLang="ko-KR" b="1" dirty="0"/>
-              <a:t>My / PT / Challenge</a:t>
-            </a:r>
-          </a:p>
-          <a:p>
-            <a:r>
-              <a:rPr lang="en-US" altLang="ko-KR" b="1" dirty="0">
-                <a:solidFill>
-                  <a:srgbClr val="C00000"/>
-                </a:solidFill>
-              </a:rPr>
-              <a:t>4/18 ~ 24 </a:t>
-            </a:r>
-            <a:r>
-              <a:rPr lang="ko-KR" altLang="en-US" b="1" dirty="0">
-                <a:solidFill>
-                  <a:srgbClr val="C00000"/>
-                </a:solidFill>
-              </a:rPr>
-              <a:t>통합 및 내부 테스트 </a:t>
-            </a:r>
-            <a:endParaRPr lang="en-US" altLang="ko-KR" b="1" dirty="0">
-              <a:solidFill>
-                <a:srgbClr val="C00000"/>
-              </a:solidFill>
-            </a:endParaRPr>
-          </a:p>
-          <a:p>
-            <a:pPr lvl="1"/>
-            <a:r>
-              <a:rPr lang="en-US" altLang="ko-KR" b="1" dirty="0"/>
-              <a:t>Front / Back / Data</a:t>
-            </a:r>
-          </a:p>
-          <a:p>
-            <a:r>
-              <a:rPr lang="en-US" altLang="ko-KR" b="1" dirty="0"/>
-              <a:t>4/25 ~ 5/2 </a:t>
-            </a:r>
-            <a:r>
-              <a:rPr lang="ko-KR" altLang="en-US" b="1" dirty="0"/>
-              <a:t>배포 </a:t>
-            </a:r>
-            <a:r>
-              <a:rPr lang="en-US" altLang="ko-KR" b="1" dirty="0"/>
-              <a:t>(</a:t>
-            </a:r>
-            <a:r>
-              <a:rPr lang="ko-KR" altLang="en-US" b="1" dirty="0"/>
-              <a:t>지인 </a:t>
-            </a:r>
-            <a:r>
-              <a:rPr lang="en-US" altLang="ko-KR" b="1" dirty="0"/>
-              <a:t>25</a:t>
-            </a:r>
-            <a:r>
-              <a:rPr lang="ko-KR" altLang="en-US" b="1" dirty="0"/>
-              <a:t>명</a:t>
-            </a:r>
-            <a:r>
-              <a:rPr lang="en-US" altLang="ko-KR" b="1" dirty="0"/>
-              <a:t>) </a:t>
-            </a:r>
-            <a:r>
-              <a:rPr lang="ko-KR" altLang="en-US" b="1" dirty="0"/>
-              <a:t>및 불량 개선</a:t>
-            </a:r>
-            <a:endParaRPr lang="en-US" altLang="ko-KR" b="1" dirty="0"/>
-          </a:p>
-          <a:p>
-            <a:r>
-              <a:rPr lang="en-US" altLang="ko-KR" b="1" dirty="0"/>
-              <a:t>5/3 </a:t>
-            </a:r>
-            <a:r>
-              <a:rPr lang="ko-KR" altLang="en-US" b="1" dirty="0"/>
-              <a:t>종료 발표</a:t>
-            </a:r>
-            <a:endParaRPr lang="en-US" altLang="ko-KR" b="1" dirty="0"/>
-          </a:p>
-        </p:txBody>
-      </p:sp>
-    </p:spTree>
-    <p:extLst>
-      <p:ext uri="{BB962C8B-B14F-4D97-AF65-F5344CB8AC3E}">
-        <p14:creationId xmlns:p14="http://schemas.microsoft.com/office/powerpoint/2010/main" val="2656035446"/>
-      </p:ext>
-    </p:extLst>
-  </p:cSld>
-  <p:clrMapOvr>
-    <a:masterClrMapping/>
-  </p:clrMapOvr>
-</p:sld>
-</file>
-
 <file path=ppt/slides/slide9.xml><?xml version="1.0" encoding="utf-8"?>
 <p:sld xmlns:a="http://schemas.openxmlformats.org/drawingml/2006/main" xmlns:r="http://schemas.openxmlformats.org/officeDocument/2006/relationships" xmlns:p="http://schemas.openxmlformats.org/presentationml/2006/main">
   <p:cSld>
@@ -14509,48 +14923,12 @@
           <a:chExt cx="0" cy="0"/>
         </a:xfrm>
       </p:grpSpPr>
-      <p:pic>
-        <p:nvPicPr>
-          <p:cNvPr id="6" name="그림 5" descr="의류, 사람, 무릎, 허벅지이(가) 표시된 사진&#10;&#10;자동 생성된 설명">
-            <a:extLst>
-              <a:ext uri="{FF2B5EF4-FFF2-40B4-BE49-F238E27FC236}">
-                <a16:creationId xmlns:a16="http://schemas.microsoft.com/office/drawing/2014/main" id="{6A60B0FC-8D79-2518-1B0C-E1FB8771DFB4}"/>
-              </a:ext>
-            </a:extLst>
-          </p:cNvPr>
-          <p:cNvPicPr>
-            <a:picLocks noChangeAspect="1"/>
-          </p:cNvPicPr>
-          <p:nvPr/>
-        </p:nvPicPr>
-        <p:blipFill rotWithShape="1">
-          <a:blip r:embed="rId2">
-            <a:alphaModFix amt="50000"/>
-            <a:extLst>
-              <a:ext uri="{28A0092B-C50C-407E-A947-70E740481C1C}">
-                <a14:useLocalDpi xmlns:a14="http://schemas.microsoft.com/office/drawing/2010/main" val="0"/>
-              </a:ext>
-            </a:extLst>
-          </a:blip>
-          <a:srcRect t="28174" b="15576"/>
-          <a:stretch/>
-        </p:blipFill>
-        <p:spPr>
-          <a:xfrm>
-            <a:off x="20" y="1"/>
-            <a:ext cx="12191980" cy="6857999"/>
-          </a:xfrm>
-          <a:prstGeom prst="rect">
-            <a:avLst/>
-          </a:prstGeom>
-        </p:spPr>
-      </p:pic>
       <p:sp>
         <p:nvSpPr>
           <p:cNvPr id="2" name="제목 1">
             <a:extLst>
               <a:ext uri="{FF2B5EF4-FFF2-40B4-BE49-F238E27FC236}">
-                <a16:creationId xmlns:a16="http://schemas.microsoft.com/office/drawing/2014/main" id="{150AB167-7031-4E44-8C26-D9ECCBFACDA9}"/>
+                <a16:creationId xmlns:a16="http://schemas.microsoft.com/office/drawing/2014/main" id="{47C3F1BC-117D-C309-F35C-53CCAAF568EB}"/>
               </a:ext>
             </a:extLst>
           </p:cNvPr>
@@ -14558,57 +14936,27 @@
             <a:spLocks noGrp="1"/>
           </p:cNvSpPr>
           <p:nvPr>
-            <p:ph type="ctrTitle"/>
+            <p:ph type="title"/>
           </p:nvPr>
         </p:nvSpPr>
-        <p:spPr>
-          <a:xfrm>
-            <a:off x="1524000" y="1122362"/>
-            <a:ext cx="9144000" cy="2900518"/>
-          </a:xfrm>
-        </p:spPr>
-        <p:txBody>
-          <a:bodyPr anchor="ctr">
-            <a:normAutofit/>
-          </a:bodyPr>
-          <a:lstStyle/>
-          <a:p>
-            <a:r>
-              <a:rPr lang="ko-KR" altLang="en-US" b="1" dirty="0">
-                <a:solidFill>
-                  <a:srgbClr val="FFFFFF"/>
-                </a:solidFill>
-                <a:latin typeface="나눔고딕OTF ExtraBold" panose="020D0904000000000000" pitchFamily="34" charset="-127"/>
-                <a:ea typeface="나눔고딕OTF ExtraBold" panose="020D0904000000000000" pitchFamily="34" charset="-127"/>
-              </a:rPr>
-              <a:t>감사합니다</a:t>
-            </a:r>
-            <a:r>
-              <a:rPr lang="en-US" altLang="ko-KR" b="1" dirty="0">
-                <a:solidFill>
-                  <a:srgbClr val="FFFFFF"/>
-                </a:solidFill>
-                <a:latin typeface="나눔고딕OTF ExtraBold" panose="020D0904000000000000" pitchFamily="34" charset="-127"/>
-                <a:ea typeface="나눔고딕OTF ExtraBold" panose="020D0904000000000000" pitchFamily="34" charset="-127"/>
-              </a:rPr>
-              <a:t>.</a:t>
-            </a:r>
-            <a:endParaRPr lang="ko-KR" altLang="en-US" b="1" dirty="0">
-              <a:solidFill>
-                <a:srgbClr val="FFFFFF"/>
-              </a:solidFill>
-              <a:latin typeface="나눔고딕OTF ExtraBold" panose="020D0904000000000000" pitchFamily="34" charset="-127"/>
-              <a:ea typeface="나눔고딕OTF ExtraBold" panose="020D0904000000000000" pitchFamily="34" charset="-127"/>
-            </a:endParaRPr>
-          </a:p>
-        </p:txBody>
-      </p:sp>
-      <p:sp>
-        <p:nvSpPr>
-          <p:cNvPr id="3" name="부제목 2">
-            <a:extLst>
-              <a:ext uri="{FF2B5EF4-FFF2-40B4-BE49-F238E27FC236}">
-                <a16:creationId xmlns:a16="http://schemas.microsoft.com/office/drawing/2014/main" id="{4D288020-8836-F9FD-5210-5CFF748F706B}"/>
+        <p:spPr/>
+        <p:txBody>
+          <a:bodyPr/>
+          <a:lstStyle/>
+          <a:p>
+            <a:r>
+              <a:rPr lang="ko-KR" altLang="en-US" dirty="0"/>
+              <a:t>성장</a:t>
+            </a:r>
+          </a:p>
+        </p:txBody>
+      </p:sp>
+      <p:sp>
+        <p:nvSpPr>
+          <p:cNvPr id="3" name="내용 개체 틀 2">
+            <a:extLst>
+              <a:ext uri="{FF2B5EF4-FFF2-40B4-BE49-F238E27FC236}">
+                <a16:creationId xmlns:a16="http://schemas.microsoft.com/office/drawing/2014/main" id="{313D9865-1AB2-8E93-474B-B6C250F25D85}"/>
               </a:ext>
             </a:extLst>
           </p:cNvPr>
@@ -14616,250 +14964,62 @@
             <a:spLocks noGrp="1"/>
           </p:cNvSpPr>
           <p:nvPr>
-            <p:ph type="subTitle" idx="1"/>
+            <p:ph idx="1"/>
           </p:nvPr>
         </p:nvSpPr>
-        <p:spPr>
-          <a:xfrm>
-            <a:off x="1524000" y="4159404"/>
-            <a:ext cx="9144000" cy="1098395"/>
-          </a:xfrm>
-        </p:spPr>
-        <p:txBody>
-          <a:bodyPr anchor="ctr">
-            <a:normAutofit/>
-          </a:bodyPr>
-          <a:lstStyle/>
-          <a:p>
-            <a:r>
-              <a:rPr lang="ko-KR" altLang="en-US" dirty="0" err="1">
-                <a:solidFill>
-                  <a:srgbClr val="FFFFFF"/>
-                </a:solidFill>
-              </a:rPr>
-              <a:t>홍보람</a:t>
-            </a:r>
-            <a:r>
-              <a:rPr lang="en-US" altLang="ko-KR" dirty="0">
-                <a:solidFill>
-                  <a:srgbClr val="FFFFFF"/>
-                </a:solidFill>
-              </a:rPr>
-              <a:t>, </a:t>
-            </a:r>
-            <a:r>
-              <a:rPr lang="ko-KR" altLang="en-US" dirty="0">
-                <a:solidFill>
-                  <a:srgbClr val="FFFFFF"/>
-                </a:solidFill>
-              </a:rPr>
-              <a:t>김민호</a:t>
-            </a:r>
-            <a:r>
-              <a:rPr lang="en-US" altLang="ko-KR" dirty="0">
-                <a:solidFill>
-                  <a:srgbClr val="FFFFFF"/>
-                </a:solidFill>
-              </a:rPr>
-              <a:t>, </a:t>
-            </a:r>
-            <a:r>
-              <a:rPr lang="ko-KR" altLang="en-US" dirty="0">
-                <a:solidFill>
-                  <a:srgbClr val="FFFFFF"/>
-                </a:solidFill>
-              </a:rPr>
-              <a:t>김진화</a:t>
-            </a:r>
-            <a:r>
-              <a:rPr lang="en-US" altLang="ko-KR" dirty="0">
-                <a:solidFill>
-                  <a:srgbClr val="FFFFFF"/>
-                </a:solidFill>
-              </a:rPr>
-              <a:t>, </a:t>
-            </a:r>
-            <a:r>
-              <a:rPr lang="ko-KR" altLang="en-US" dirty="0">
-                <a:solidFill>
-                  <a:srgbClr val="FFFFFF"/>
-                </a:solidFill>
-              </a:rPr>
-              <a:t>조윤수</a:t>
-            </a:r>
-            <a:r>
-              <a:rPr lang="en-US" altLang="ko-KR" dirty="0">
-                <a:solidFill>
-                  <a:srgbClr val="FFFFFF"/>
-                </a:solidFill>
-              </a:rPr>
-              <a:t>, </a:t>
-            </a:r>
-            <a:r>
-              <a:rPr lang="ko-KR" altLang="en-US" dirty="0" err="1">
-                <a:solidFill>
-                  <a:srgbClr val="FFFFFF"/>
-                </a:solidFill>
-              </a:rPr>
-              <a:t>임채현</a:t>
-            </a:r>
-            <a:endParaRPr lang="ko-KR" altLang="en-US" dirty="0">
-              <a:solidFill>
-                <a:srgbClr val="FFFFFF"/>
-              </a:solidFill>
-            </a:endParaRPr>
+        <p:spPr/>
+        <p:txBody>
+          <a:bodyPr/>
+          <a:lstStyle/>
+          <a:p>
+            <a:r>
+              <a:rPr lang="en-US" altLang="ko-KR" dirty="0"/>
+              <a:t>Front End : HTML, CSS, JavaScript, React</a:t>
+            </a:r>
+          </a:p>
+          <a:p>
+            <a:r>
+              <a:rPr lang="en-US" altLang="ko-KR" dirty="0"/>
+              <a:t>Back End : Java, Spring, MySQL</a:t>
+            </a:r>
+          </a:p>
+          <a:p>
+            <a:r>
+              <a:rPr lang="en-US" altLang="ko-KR" dirty="0"/>
+              <a:t>Chatbot : Python, </a:t>
+            </a:r>
+            <a:r>
+              <a:rPr lang="en-US" altLang="ko-KR" dirty="0" err="1"/>
+              <a:t>LangChain</a:t>
+            </a:r>
+            <a:r>
+              <a:rPr lang="en-US" altLang="ko-KR" dirty="0"/>
+              <a:t> (On-Device AI), Flask</a:t>
+            </a:r>
+          </a:p>
+          <a:p>
+            <a:r>
+              <a:rPr lang="en-US" altLang="ko-KR" dirty="0"/>
+              <a:t>Common : </a:t>
+            </a:r>
+            <a:r>
+              <a:rPr lang="en-US" altLang="ko-KR" dirty="0" err="1"/>
+              <a:t>Github</a:t>
+            </a:r>
+            <a:endParaRPr lang="en-US" altLang="ko-KR" dirty="0"/>
           </a:p>
         </p:txBody>
       </p:sp>
     </p:spTree>
     <p:extLst>
       <p:ext uri="{BB962C8B-B14F-4D97-AF65-F5344CB8AC3E}">
-        <p14:creationId xmlns:p14="http://schemas.microsoft.com/office/powerpoint/2010/main" val="263188501"/>
+        <p14:creationId xmlns:p14="http://schemas.microsoft.com/office/powerpoint/2010/main" val="627058320"/>
       </p:ext>
     </p:extLst>
   </p:cSld>
   <p:clrMapOvr>
     <a:masterClrMapping/>
   </p:clrMapOvr>
-  <p:timing>
-    <p:tnLst>
-      <p:par>
-        <p:cTn id="1" dur="indefinite" restart="never" nodeType="tmRoot">
-          <p:childTnLst>
-            <p:seq concurrent="1" nextAc="seek">
-              <p:cTn id="2" dur="indefinite" nodeType="mainSeq">
-                <p:childTnLst>
-                  <p:par>
-                    <p:cTn id="3" fill="hold">
-                      <p:stCondLst>
-                        <p:cond delay="indefinite"/>
-                        <p:cond evt="onBegin" delay="0">
-                          <p:tn val="2"/>
-                        </p:cond>
-                      </p:stCondLst>
-                      <p:childTnLst>
-                        <p:par>
-                          <p:cTn id="4" fill="hold">
-                            <p:stCondLst>
-                              <p:cond delay="0"/>
-                            </p:stCondLst>
-                            <p:childTnLst>
-                              <p:par>
-                                <p:cTn id="5" presetID="10" presetClass="entr" presetSubtype="0" fill="hold" grpId="0" nodeType="withEffect">
-                                  <p:stCondLst>
-                                    <p:cond delay="1000"/>
-                                  </p:stCondLst>
-                                  <p:iterate type="lt">
-                                    <p:tmPct val="10000"/>
-                                  </p:iterate>
-                                  <p:childTnLst>
-                                    <p:set>
-                                      <p:cBhvr>
-                                        <p:cTn id="6" dur="1" fill="hold">
-                                          <p:stCondLst>
-                                            <p:cond delay="0"/>
-                                          </p:stCondLst>
-                                        </p:cTn>
-                                        <p:tgtEl>
-                                          <p:spTgt spid="2"/>
-                                        </p:tgtEl>
-                                        <p:attrNameLst>
-                                          <p:attrName>style.visibility</p:attrName>
-                                        </p:attrNameLst>
-                                      </p:cBhvr>
-                                      <p:to>
-                                        <p:strVal val="visible"/>
-                                      </p:to>
-                                    </p:set>
-                                    <p:animEffect transition="in" filter="fade">
-                                      <p:cBhvr>
-                                        <p:cTn id="7" dur="400"/>
-                                        <p:tgtEl>
-                                          <p:spTgt spid="2"/>
-                                        </p:tgtEl>
-                                      </p:cBhvr>
-                                    </p:animEffect>
-                                  </p:childTnLst>
-                                </p:cTn>
-                              </p:par>
-                              <p:par>
-                                <p:cTn id="8" presetID="10" presetClass="entr" presetSubtype="0" fill="hold" grpId="0" nodeType="withEffect">
-                                  <p:stCondLst>
-                                    <p:cond delay="2000"/>
-                                  </p:stCondLst>
-                                  <p:iterate type="lt">
-                                    <p:tmPct val="10000"/>
-                                  </p:iterate>
-                                  <p:childTnLst>
-                                    <p:set>
-                                      <p:cBhvr>
-                                        <p:cTn id="9" dur="1" fill="hold">
-                                          <p:stCondLst>
-                                            <p:cond delay="0"/>
-                                          </p:stCondLst>
-                                        </p:cTn>
-                                        <p:tgtEl>
-                                          <p:spTgt spid="3">
-                                            <p:txEl>
-                                              <p:pRg st="0" end="0"/>
-                                            </p:txEl>
-                                          </p:spTgt>
-                                        </p:tgtEl>
-                                        <p:attrNameLst>
-                                          <p:attrName>style.visibility</p:attrName>
-                                        </p:attrNameLst>
-                                      </p:cBhvr>
-                                      <p:to>
-                                        <p:strVal val="visible"/>
-                                      </p:to>
-                                    </p:set>
-                                    <p:animEffect transition="in" filter="fade">
-                                      <p:cBhvr>
-                                        <p:cTn id="10" dur="400"/>
-                                        <p:tgtEl>
-                                          <p:spTgt spid="3">
-                                            <p:txEl>
-                                              <p:pRg st="0" end="0"/>
-                                            </p:txEl>
-                                          </p:spTgt>
-                                        </p:tgtEl>
-                                      </p:cBhvr>
-                                    </p:animEffect>
-                                  </p:childTnLst>
-                                </p:cTn>
-                              </p:par>
-                            </p:childTnLst>
-                          </p:cTn>
-                        </p:par>
-                      </p:childTnLst>
-                    </p:cTn>
-                  </p:par>
-                </p:childTnLst>
-              </p:cTn>
-              <p:prevCondLst>
-                <p:cond evt="onPrev" delay="0">
-                  <p:tgtEl>
-                    <p:sldTgt/>
-                  </p:tgtEl>
-                </p:cond>
-              </p:prevCondLst>
-              <p:nextCondLst>
-                <p:cond evt="onNext" delay="0">
-                  <p:tgtEl>
-                    <p:sldTgt/>
-                  </p:tgtEl>
-                </p:cond>
-              </p:nextCondLst>
-            </p:seq>
-          </p:childTnLst>
-        </p:cTn>
-      </p:par>
-    </p:tnLst>
-    <p:bldLst>
-      <p:bldP spid="2" grpId="0"/>
-      <p:bldP spid="3" grpId="0" build="p"/>
-    </p:bldLst>
-  </p:timing>
 </p:sld>
 </file>
 
